--- a/about/doc/resume.pptx
+++ b/about/doc/resume.pptx
@@ -208,7 +208,7 @@
           <a:p>
             <a:fld id="{AEA2C9DF-D23B-4857-8F83-A94459C69053}" type="datetimeFigureOut">
               <a:rPr lang="zh-CN" altLang="en-US" smtClean="0"/>
-              <a:t>2023/4/5</a:t>
+              <a:t>2023/4/6</a:t>
             </a:fld>
             <a:endParaRPr lang="zh-CN" altLang="en-US"/>
           </a:p>
@@ -690,7 +690,7 @@
           <a:p>
             <a:fld id="{6A4926B6-441D-4BA1-AD68-6F10F35F7AC9}" type="datetimeFigureOut">
               <a:rPr lang="zh-CN" altLang="en-US" smtClean="0"/>
-              <a:t>2023/4/5</a:t>
+              <a:t>2023/4/6</a:t>
             </a:fld>
             <a:endParaRPr lang="zh-CN" altLang="en-US"/>
           </a:p>
@@ -860,7 +860,7 @@
           <a:p>
             <a:fld id="{6A4926B6-441D-4BA1-AD68-6F10F35F7AC9}" type="datetimeFigureOut">
               <a:rPr lang="zh-CN" altLang="en-US" smtClean="0"/>
-              <a:t>2023/4/5</a:t>
+              <a:t>2023/4/6</a:t>
             </a:fld>
             <a:endParaRPr lang="zh-CN" altLang="en-US"/>
           </a:p>
@@ -1040,7 +1040,7 @@
           <a:p>
             <a:fld id="{6A4926B6-441D-4BA1-AD68-6F10F35F7AC9}" type="datetimeFigureOut">
               <a:rPr lang="zh-CN" altLang="en-US" smtClean="0"/>
-              <a:t>2023/4/5</a:t>
+              <a:t>2023/4/6</a:t>
             </a:fld>
             <a:endParaRPr lang="zh-CN" altLang="en-US"/>
           </a:p>
@@ -1210,7 +1210,7 @@
           <a:p>
             <a:fld id="{6A4926B6-441D-4BA1-AD68-6F10F35F7AC9}" type="datetimeFigureOut">
               <a:rPr lang="zh-CN" altLang="en-US" smtClean="0"/>
-              <a:t>2023/4/5</a:t>
+              <a:t>2023/4/6</a:t>
             </a:fld>
             <a:endParaRPr lang="zh-CN" altLang="en-US"/>
           </a:p>
@@ -1454,7 +1454,7 @@
           <a:p>
             <a:fld id="{6A4926B6-441D-4BA1-AD68-6F10F35F7AC9}" type="datetimeFigureOut">
               <a:rPr lang="zh-CN" altLang="en-US" smtClean="0"/>
-              <a:t>2023/4/5</a:t>
+              <a:t>2023/4/6</a:t>
             </a:fld>
             <a:endParaRPr lang="zh-CN" altLang="en-US"/>
           </a:p>
@@ -1686,7 +1686,7 @@
           <a:p>
             <a:fld id="{6A4926B6-441D-4BA1-AD68-6F10F35F7AC9}" type="datetimeFigureOut">
               <a:rPr lang="zh-CN" altLang="en-US" smtClean="0"/>
-              <a:t>2023/4/5</a:t>
+              <a:t>2023/4/6</a:t>
             </a:fld>
             <a:endParaRPr lang="zh-CN" altLang="en-US"/>
           </a:p>
@@ -2053,7 +2053,7 @@
           <a:p>
             <a:fld id="{6A4926B6-441D-4BA1-AD68-6F10F35F7AC9}" type="datetimeFigureOut">
               <a:rPr lang="zh-CN" altLang="en-US" smtClean="0"/>
-              <a:t>2023/4/5</a:t>
+              <a:t>2023/4/6</a:t>
             </a:fld>
             <a:endParaRPr lang="zh-CN" altLang="en-US"/>
           </a:p>
@@ -2171,7 +2171,7 @@
           <a:p>
             <a:fld id="{6A4926B6-441D-4BA1-AD68-6F10F35F7AC9}" type="datetimeFigureOut">
               <a:rPr lang="zh-CN" altLang="en-US" smtClean="0"/>
-              <a:t>2023/4/5</a:t>
+              <a:t>2023/4/6</a:t>
             </a:fld>
             <a:endParaRPr lang="zh-CN" altLang="en-US"/>
           </a:p>
@@ -2266,7 +2266,7 @@
           <a:p>
             <a:fld id="{6A4926B6-441D-4BA1-AD68-6F10F35F7AC9}" type="datetimeFigureOut">
               <a:rPr lang="zh-CN" altLang="en-US" smtClean="0"/>
-              <a:t>2023/4/5</a:t>
+              <a:t>2023/4/6</a:t>
             </a:fld>
             <a:endParaRPr lang="zh-CN" altLang="en-US"/>
           </a:p>
@@ -2543,7 +2543,7 @@
           <a:p>
             <a:fld id="{6A4926B6-441D-4BA1-AD68-6F10F35F7AC9}" type="datetimeFigureOut">
               <a:rPr lang="zh-CN" altLang="en-US" smtClean="0"/>
-              <a:t>2023/4/5</a:t>
+              <a:t>2023/4/6</a:t>
             </a:fld>
             <a:endParaRPr lang="zh-CN" altLang="en-US"/>
           </a:p>
@@ -2800,7 +2800,7 @@
           <a:p>
             <a:fld id="{6A4926B6-441D-4BA1-AD68-6F10F35F7AC9}" type="datetimeFigureOut">
               <a:rPr lang="zh-CN" altLang="en-US" smtClean="0"/>
-              <a:t>2023/4/5</a:t>
+              <a:t>2023/4/6</a:t>
             </a:fld>
             <a:endParaRPr lang="zh-CN" altLang="en-US"/>
           </a:p>
@@ -3013,7 +3013,7 @@
           <a:p>
             <a:fld id="{6A4926B6-441D-4BA1-AD68-6F10F35F7AC9}" type="datetimeFigureOut">
               <a:rPr lang="zh-CN" altLang="en-US" smtClean="0"/>
-              <a:t>2023/4/5</a:t>
+              <a:t>2023/4/6</a:t>
             </a:fld>
             <a:endParaRPr lang="zh-CN" altLang="en-US"/>
           </a:p>
@@ -3432,10 +3432,10 @@
         </p:nvGrpSpPr>
         <p:grpSpPr>
           <a:xfrm>
-            <a:off x="3557424" y="4823341"/>
-            <a:ext cx="3000108" cy="841128"/>
-            <a:chOff x="3560668" y="1710265"/>
-            <a:chExt cx="3000108" cy="841128"/>
+            <a:off x="3557423" y="4798957"/>
+            <a:ext cx="3202929" cy="841128"/>
+            <a:chOff x="3560667" y="1710265"/>
+            <a:chExt cx="3202929" cy="841128"/>
           </a:xfrm>
         </p:grpSpPr>
         <p:sp>
@@ -3452,8 +3452,8 @@
           </p:nvSpPr>
           <p:spPr>
             <a:xfrm>
-              <a:off x="3560668" y="1710265"/>
-              <a:ext cx="3000108" cy="841128"/>
+              <a:off x="3560667" y="1710265"/>
+              <a:ext cx="3202929" cy="841128"/>
             </a:xfrm>
             <a:prstGeom prst="rect">
               <a:avLst/>
@@ -3526,18 +3526,25 @@
                 </a:lnSpc>
               </a:pPr>
               <a:r>
+                <a:rPr lang="zh-CN" altLang="en-US" sz="900" b="1" dirty="0" err="1">
+                  <a:latin typeface="微软雅黑" panose="020B0503020204020204" pitchFamily="34" charset="-122"/>
+                  <a:ea typeface="微软雅黑" panose="020B0503020204020204" pitchFamily="34" charset="-122"/>
+                </a:rPr>
+                <a:t>移动端优先 </a:t>
+              </a:r>
+              <a:r>
                 <a:rPr lang="en-US" altLang="zh-CN" sz="900" b="1" dirty="0" err="1">
                   <a:latin typeface="微软雅黑" panose="020B0503020204020204" pitchFamily="34" charset="-122"/>
                   <a:ea typeface="微软雅黑" panose="020B0503020204020204" pitchFamily="34" charset="-122"/>
                 </a:rPr>
-                <a:t>AE</a:t>
+                <a:t>/</a:t>
               </a:r>
               <a:r>
                 <a:rPr lang="zh-CN" altLang="en-US" sz="900" b="1" dirty="0" err="1">
                   <a:latin typeface="微软雅黑" panose="020B0503020204020204" pitchFamily="34" charset="-122"/>
                   <a:ea typeface="微软雅黑" panose="020B0503020204020204" pitchFamily="34" charset="-122"/>
                 </a:rPr>
-                <a:t> 直出 </a:t>
+                <a:t> 编辑器 </a:t>
               </a:r>
               <a:r>
                 <a:rPr lang="en-US" altLang="zh-CN" sz="900" b="1" dirty="0" err="1">
@@ -3551,35 +3558,7 @@
                   <a:latin typeface="微软雅黑" panose="020B0503020204020204" pitchFamily="34" charset="-122"/>
                   <a:ea typeface="微软雅黑" panose="020B0503020204020204" pitchFamily="34" charset="-122"/>
                 </a:rPr>
-                <a:t> 可交互动态 </a:t>
-              </a:r>
-              <a:r>
-                <a:rPr lang="en-US" altLang="zh-CN" sz="900" b="1" dirty="0" err="1">
-                  <a:latin typeface="微软雅黑" panose="020B0503020204020204" pitchFamily="34" charset="-122"/>
-                  <a:ea typeface="微软雅黑" panose="020B0503020204020204" pitchFamily="34" charset="-122"/>
-                </a:rPr>
-                <a:t>UI</a:t>
-              </a:r>
-              <a:r>
-                <a:rPr lang="zh-CN" altLang="en-US" sz="900" b="1" dirty="0" err="1">
-                  <a:latin typeface="微软雅黑" panose="020B0503020204020204" pitchFamily="34" charset="-122"/>
-                  <a:ea typeface="微软雅黑" panose="020B0503020204020204" pitchFamily="34" charset="-122"/>
-                </a:rPr>
-                <a:t> </a:t>
-              </a:r>
-              <a:r>
-                <a:rPr lang="en-US" altLang="zh-CN" sz="900" b="1" dirty="0" err="1">
-                  <a:latin typeface="微软雅黑" panose="020B0503020204020204" pitchFamily="34" charset="-122"/>
-                  <a:ea typeface="微软雅黑" panose="020B0503020204020204" pitchFamily="34" charset="-122"/>
-                </a:rPr>
-                <a:t>/</a:t>
-              </a:r>
-              <a:r>
-                <a:rPr lang="zh-CN" altLang="en-US" sz="900" b="1" dirty="0" err="1">
-                  <a:latin typeface="微软雅黑" panose="020B0503020204020204" pitchFamily="34" charset="-122"/>
-                  <a:ea typeface="微软雅黑" panose="020B0503020204020204" pitchFamily="34" charset="-122"/>
-                </a:rPr>
-                <a:t> 团队专利通过</a:t>
+                <a:t> 蚂蚁业务支持</a:t>
               </a:r>
               <a:endParaRPr lang="en-US" altLang="zh-CN" sz="900" b="1" dirty="0">
                 <a:solidFill>
@@ -3596,88 +3575,25 @@
                 </a:lnSpc>
               </a:pPr>
               <a:r>
+                <a:rPr lang="zh-CN" altLang="en-US" sz="900" dirty="0">
+                  <a:latin typeface="微软雅黑" panose="020B0503020204020204" pitchFamily="34" charset="-122"/>
+                  <a:ea typeface="微软雅黑" panose="020B0503020204020204" pitchFamily="34" charset="-122"/>
+                </a:rPr>
+                <a:t>轻量 </a:t>
+              </a:r>
+              <a:r>
                 <a:rPr lang="en-US" altLang="zh-CN" sz="900" dirty="0">
                   <a:latin typeface="微软雅黑" panose="020B0503020204020204" pitchFamily="34" charset="-122"/>
                   <a:ea typeface="微软雅黑" panose="020B0503020204020204" pitchFamily="34" charset="-122"/>
                 </a:rPr>
-                <a:t>FIMO</a:t>
+                <a:t>webGL</a:t>
               </a:r>
               <a:r>
                 <a:rPr lang="zh-CN" altLang="en-US" sz="900" dirty="0">
                   <a:latin typeface="微软雅黑" panose="020B0503020204020204" pitchFamily="34" charset="-122"/>
                   <a:ea typeface="微软雅黑" panose="020B0503020204020204" pitchFamily="34" charset="-122"/>
                 </a:rPr>
-                <a:t> </a:t>
-              </a:r>
-              <a:r>
-                <a:rPr lang="en-US" altLang="zh-CN" sz="900" dirty="0">
-                  <a:latin typeface="微软雅黑" panose="020B0503020204020204" pitchFamily="34" charset="-122"/>
-                  <a:ea typeface="微软雅黑" panose="020B0503020204020204" pitchFamily="34" charset="-122"/>
-                </a:rPr>
-                <a:t>1903</a:t>
-              </a:r>
-              <a:r>
-                <a:rPr lang="zh-CN" altLang="en-US" sz="900" dirty="0">
-                  <a:latin typeface="微软雅黑" panose="020B0503020204020204" pitchFamily="34" charset="-122"/>
-                  <a:ea typeface="微软雅黑" panose="020B0503020204020204" pitchFamily="34" charset="-122"/>
-                </a:rPr>
-                <a:t> 是使用 </a:t>
-              </a:r>
-              <a:r>
-                <a:rPr lang="en-US" altLang="zh-CN" sz="900" dirty="0">
-                  <a:latin typeface="微软雅黑" panose="020B0503020204020204" pitchFamily="34" charset="-122"/>
-                  <a:ea typeface="微软雅黑" panose="020B0503020204020204" pitchFamily="34" charset="-122"/>
-                </a:rPr>
-                <a:t>AE</a:t>
-              </a:r>
-              <a:r>
-                <a:rPr lang="zh-CN" altLang="en-US" sz="900" dirty="0">
-                  <a:latin typeface="微软雅黑" panose="020B0503020204020204" pitchFamily="34" charset="-122"/>
-                  <a:ea typeface="微软雅黑" panose="020B0503020204020204" pitchFamily="34" charset="-122"/>
-                </a:rPr>
-                <a:t> 完成 </a:t>
-              </a:r>
-              <a:r>
-                <a:rPr lang="en-US" altLang="zh-CN" sz="900" dirty="0">
-                  <a:latin typeface="微软雅黑" panose="020B0503020204020204" pitchFamily="34" charset="-122"/>
-                  <a:ea typeface="微软雅黑" panose="020B0503020204020204" pitchFamily="34" charset="-122"/>
-                </a:rPr>
-                <a:t>UI</a:t>
-              </a:r>
-              <a:r>
-                <a:rPr lang="zh-CN" altLang="en-US" sz="900" dirty="0">
-                  <a:latin typeface="微软雅黑" panose="020B0503020204020204" pitchFamily="34" charset="-122"/>
-                  <a:ea typeface="微软雅黑" panose="020B0503020204020204" pitchFamily="34" charset="-122"/>
-                </a:rPr>
-                <a:t> 设计和布局的 </a:t>
-              </a:r>
-              <a:r>
-                <a:rPr lang="en-US" altLang="zh-CN" sz="900" dirty="0">
-                  <a:latin typeface="微软雅黑" panose="020B0503020204020204" pitchFamily="34" charset="-122"/>
-                  <a:ea typeface="微软雅黑" panose="020B0503020204020204" pitchFamily="34" charset="-122"/>
-                </a:rPr>
-                <a:t>iOS</a:t>
-              </a:r>
-              <a:r>
-                <a:rPr lang="zh-CN" altLang="en-US" sz="900" dirty="0">
-                  <a:latin typeface="微软雅黑" panose="020B0503020204020204" pitchFamily="34" charset="-122"/>
-                  <a:ea typeface="微软雅黑" panose="020B0503020204020204" pitchFamily="34" charset="-122"/>
-                </a:rPr>
-                <a:t> </a:t>
-              </a:r>
-              <a:r>
-                <a:rPr lang="en-US" altLang="zh-CN" sz="900" dirty="0">
-                  <a:latin typeface="微软雅黑" panose="020B0503020204020204" pitchFamily="34" charset="-122"/>
-                  <a:ea typeface="微软雅黑" panose="020B0503020204020204" pitchFamily="34" charset="-122"/>
-                </a:rPr>
-                <a:t>APP</a:t>
-              </a:r>
-              <a:r>
-                <a:rPr lang="zh-CN" altLang="en-US" sz="900" dirty="0">
-                  <a:latin typeface="微软雅黑" panose="020B0503020204020204" pitchFamily="34" charset="-122"/>
-                  <a:ea typeface="微软雅黑" panose="020B0503020204020204" pitchFamily="34" charset="-122"/>
-                </a:rPr>
-                <a:t>；</a:t>
+                <a:t> 引擎，支持五福、蚂蚁森林、神奇海洋等业务；</a:t>
               </a:r>
               <a:endParaRPr lang="en-US" altLang="zh-CN" sz="900" dirty="0">
                 <a:latin typeface="微软雅黑" panose="020B0503020204020204" pitchFamily="34" charset="-122"/>
@@ -3690,13 +3606,6 @@
                   <a:spcPts val="1500"/>
                 </a:lnSpc>
               </a:pPr>
-              <a:r>
-                <a:rPr lang="zh-CN" altLang="en-US" sz="900" dirty="0">
-                  <a:latin typeface="微软雅黑" panose="020B0503020204020204" pitchFamily="34" charset="-122"/>
-                  <a:ea typeface="微软雅黑" panose="020B0503020204020204" pitchFamily="34" charset="-122"/>
-                </a:rPr>
-                <a:t>所有组件都可低成本实现交互动效。</a:t>
-              </a:r>
               <a:endParaRPr lang="en-US" altLang="zh-CN" sz="900" dirty="0">
                 <a:latin typeface="微软雅黑" panose="020B0503020204020204" pitchFamily="34" charset="-122"/>
                 <a:ea typeface="微软雅黑" panose="020B0503020204020204" pitchFamily="34" charset="-122"/>
@@ -4182,7 +4091,7 @@
         </p:nvGrpSpPr>
         <p:grpSpPr>
           <a:xfrm>
-            <a:off x="3548996" y="5699971"/>
+            <a:off x="3548996" y="5639011"/>
             <a:ext cx="3029879" cy="280662"/>
             <a:chOff x="3548996" y="4542371"/>
             <a:chExt cx="3029879" cy="280662"/>
@@ -4772,6 +4681,9 @@
               </a:r>
               <a:r>
                 <a:rPr lang="en-US" altLang="zh-CN" sz="900" b="1" dirty="0">
+                  <a:solidFill>
+                    <a:srgbClr val="6679DF"/>
+                  </a:solidFill>
                   <a:latin typeface="微软雅黑" panose="020B0503020204020204" pitchFamily="34" charset="-122"/>
                   <a:ea typeface="微软雅黑" panose="020B0503020204020204" pitchFamily="34" charset="-122"/>
                 </a:rPr>
@@ -4779,6 +4691,9 @@
               </a:r>
               <a:r>
                 <a:rPr lang="zh-CN" altLang="en-US" sz="900" b="1" dirty="0">
+                  <a:solidFill>
+                    <a:srgbClr val="6679DF"/>
+                  </a:solidFill>
                   <a:latin typeface="微软雅黑" panose="020B0503020204020204" pitchFamily="34" charset="-122"/>
                   <a:ea typeface="微软雅黑" panose="020B0503020204020204" pitchFamily="34" charset="-122"/>
                 </a:rPr>
@@ -4786,6 +4701,9 @@
               </a:r>
               <a:r>
                 <a:rPr lang="en-US" altLang="zh-CN" sz="900" b="1" dirty="0">
+                  <a:solidFill>
+                    <a:srgbClr val="6679DF"/>
+                  </a:solidFill>
                   <a:latin typeface="微软雅黑" panose="020B0503020204020204" pitchFamily="34" charset="-122"/>
                   <a:ea typeface="微软雅黑" panose="020B0503020204020204" pitchFamily="34" charset="-122"/>
                 </a:rPr>
@@ -4793,6 +4711,9 @@
               </a:r>
               <a:r>
                 <a:rPr lang="zh-CN" altLang="en-US" sz="900" b="1" dirty="0">
+                  <a:solidFill>
+                    <a:srgbClr val="6679DF"/>
+                  </a:solidFill>
                   <a:latin typeface="微软雅黑" panose="020B0503020204020204" pitchFamily="34" charset="-122"/>
                   <a:ea typeface="微软雅黑" panose="020B0503020204020204" pitchFamily="34" charset="-122"/>
                 </a:rPr>
@@ -4800,6 +4721,9 @@
               </a:r>
               <a:r>
                 <a:rPr lang="en-US" altLang="zh-CN" sz="900" b="1" dirty="0">
+                  <a:solidFill>
+                    <a:srgbClr val="6679DF"/>
+                  </a:solidFill>
                   <a:latin typeface="微软雅黑" panose="020B0503020204020204" pitchFamily="34" charset="-122"/>
                   <a:ea typeface="微软雅黑" panose="020B0503020204020204" pitchFamily="34" charset="-122"/>
                 </a:rPr>
@@ -5191,6 +5115,9 @@
               </a:r>
               <a:r>
                 <a:rPr lang="en-US" altLang="zh-CN" sz="900" b="1" dirty="0">
+                  <a:solidFill>
+                    <a:srgbClr val="6679DF"/>
+                  </a:solidFill>
                   <a:latin typeface="微软雅黑" panose="020B0503020204020204" pitchFamily="34" charset="-122"/>
                   <a:ea typeface="微软雅黑" panose="020B0503020204020204" pitchFamily="34" charset="-122"/>
                 </a:rPr>
@@ -5473,7 +5400,7 @@
         </p:nvGrpSpPr>
         <p:grpSpPr>
           <a:xfrm>
-            <a:off x="3548995" y="8585169"/>
+            <a:off x="3548995" y="8524209"/>
             <a:ext cx="3029879" cy="546044"/>
             <a:chOff x="3548995" y="8318517"/>
             <a:chExt cx="3029879" cy="546044"/>
@@ -5663,7 +5590,7 @@
         </p:nvSpPr>
         <p:spPr>
           <a:xfrm>
-            <a:off x="3548118" y="5989006"/>
+            <a:off x="3548118" y="5928046"/>
             <a:ext cx="3202929" cy="779572"/>
           </a:xfrm>
           <a:prstGeom prst="rect">
@@ -5842,7 +5769,7 @@
         </p:nvSpPr>
         <p:spPr>
           <a:xfrm>
-            <a:off x="3550889" y="6738176"/>
+            <a:off x="3550889" y="6677216"/>
             <a:ext cx="3202929" cy="779572"/>
           </a:xfrm>
           <a:prstGeom prst="rect">
@@ -6010,7 +5937,7 @@
         </p:nvSpPr>
         <p:spPr>
           <a:xfrm>
-            <a:off x="3553660" y="7451239"/>
+            <a:off x="3553660" y="7390279"/>
             <a:ext cx="3202929" cy="971933"/>
           </a:xfrm>
           <a:prstGeom prst="rect">
@@ -6715,7 +6642,7 @@
         </p:nvGrpSpPr>
         <p:grpSpPr>
           <a:xfrm>
-            <a:off x="3560668" y="3531381"/>
+            <a:off x="3560668" y="3519189"/>
             <a:ext cx="3000108" cy="1225848"/>
             <a:chOff x="3560668" y="1710265"/>
             <a:chExt cx="3000108" cy="1225848"/>
@@ -7042,7 +6969,7 @@
                   <a:latin typeface="微软雅黑" panose="020B0503020204020204" pitchFamily="34" charset="-122"/>
                   <a:ea typeface="微软雅黑" panose="020B0503020204020204" pitchFamily="34" charset="-122"/>
                 </a:rPr>
-                <a:t>本人独立负责与设计师沟通、研发、上架。</a:t>
+                <a:t>本人独立负责与设计师沟通、研发、上架；</a:t>
               </a:r>
               <a:endParaRPr lang="en-US" altLang="zh-CN" sz="900" dirty="0">
                 <a:latin typeface="微软雅黑" panose="020B0503020204020204" pitchFamily="34" charset="-122"/>
@@ -7143,7 +7070,7 @@
         </p:blipFill>
         <p:spPr>
           <a:xfrm>
-            <a:off x="5871175" y="4193587"/>
+            <a:off x="5871175" y="4169203"/>
             <a:ext cx="520094" cy="520094"/>
           </a:xfrm>
           <a:prstGeom prst="rect">
@@ -7396,6 +7323,9 @@
               </a:r>
               <a:r>
                 <a:rPr lang="en-US" altLang="zh-CN" sz="900" b="1" dirty="0">
+                  <a:solidFill>
+                    <a:srgbClr val="6679DF"/>
+                  </a:solidFill>
                   <a:latin typeface="微软雅黑" panose="020B0503020204020204" pitchFamily="34" charset="-122"/>
                   <a:ea typeface="微软雅黑" panose="020B0503020204020204" pitchFamily="34" charset="-122"/>
                 </a:rPr>
@@ -7403,6 +7333,9 @@
               </a:r>
               <a:r>
                 <a:rPr lang="zh-CN" altLang="en-US" sz="900" b="1" dirty="0">
+                  <a:solidFill>
+                    <a:srgbClr val="6679DF"/>
+                  </a:solidFill>
                   <a:latin typeface="微软雅黑" panose="020B0503020204020204" pitchFamily="34" charset="-122"/>
                   <a:ea typeface="微软雅黑" panose="020B0503020204020204" pitchFamily="34" charset="-122"/>
                 </a:rPr>
@@ -7410,6 +7343,9 @@
               </a:r>
               <a:r>
                 <a:rPr lang="en-US" altLang="zh-CN" sz="900" b="1" dirty="0">
+                  <a:solidFill>
+                    <a:srgbClr val="6679DF"/>
+                  </a:solidFill>
                   <a:latin typeface="微软雅黑" panose="020B0503020204020204" pitchFamily="34" charset="-122"/>
                   <a:ea typeface="微软雅黑" panose="020B0503020204020204" pitchFamily="34" charset="-122"/>
                 </a:rPr>
@@ -7417,6 +7353,9 @@
               </a:r>
               <a:r>
                 <a:rPr lang="zh-CN" altLang="en-US" sz="900" b="1" dirty="0">
+                  <a:solidFill>
+                    <a:srgbClr val="6679DF"/>
+                  </a:solidFill>
                   <a:latin typeface="微软雅黑" panose="020B0503020204020204" pitchFamily="34" charset="-122"/>
                   <a:ea typeface="微软雅黑" panose="020B0503020204020204" pitchFamily="34" charset="-122"/>
                 </a:rPr>
@@ -7424,6 +7363,9 @@
               </a:r>
               <a:r>
                 <a:rPr lang="en-US" altLang="zh-CN" sz="900" b="1" dirty="0">
+                  <a:solidFill>
+                    <a:srgbClr val="6679DF"/>
+                  </a:solidFill>
                   <a:latin typeface="微软雅黑" panose="020B0503020204020204" pitchFamily="34" charset="-122"/>
                   <a:ea typeface="微软雅黑" panose="020B0503020204020204" pitchFamily="34" charset="-122"/>
                 </a:rPr>

--- a/about/doc/resume.pptx
+++ b/about/doc/resume.pptx
@@ -208,7 +208,7 @@
           <a:p>
             <a:fld id="{AEA2C9DF-D23B-4857-8F83-A94459C69053}" type="datetimeFigureOut">
               <a:rPr lang="zh-CN" altLang="en-US" smtClean="0"/>
-              <a:t>2023/4/6</a:t>
+              <a:t>2023/4/13</a:t>
             </a:fld>
             <a:endParaRPr lang="zh-CN" altLang="en-US"/>
           </a:p>
@@ -690,7 +690,7 @@
           <a:p>
             <a:fld id="{6A4926B6-441D-4BA1-AD68-6F10F35F7AC9}" type="datetimeFigureOut">
               <a:rPr lang="zh-CN" altLang="en-US" smtClean="0"/>
-              <a:t>2023/4/6</a:t>
+              <a:t>2023/4/13</a:t>
             </a:fld>
             <a:endParaRPr lang="zh-CN" altLang="en-US"/>
           </a:p>
@@ -860,7 +860,7 @@
           <a:p>
             <a:fld id="{6A4926B6-441D-4BA1-AD68-6F10F35F7AC9}" type="datetimeFigureOut">
               <a:rPr lang="zh-CN" altLang="en-US" smtClean="0"/>
-              <a:t>2023/4/6</a:t>
+              <a:t>2023/4/13</a:t>
             </a:fld>
             <a:endParaRPr lang="zh-CN" altLang="en-US"/>
           </a:p>
@@ -1040,7 +1040,7 @@
           <a:p>
             <a:fld id="{6A4926B6-441D-4BA1-AD68-6F10F35F7AC9}" type="datetimeFigureOut">
               <a:rPr lang="zh-CN" altLang="en-US" smtClean="0"/>
-              <a:t>2023/4/6</a:t>
+              <a:t>2023/4/13</a:t>
             </a:fld>
             <a:endParaRPr lang="zh-CN" altLang="en-US"/>
           </a:p>
@@ -1210,7 +1210,7 @@
           <a:p>
             <a:fld id="{6A4926B6-441D-4BA1-AD68-6F10F35F7AC9}" type="datetimeFigureOut">
               <a:rPr lang="zh-CN" altLang="en-US" smtClean="0"/>
-              <a:t>2023/4/6</a:t>
+              <a:t>2023/4/13</a:t>
             </a:fld>
             <a:endParaRPr lang="zh-CN" altLang="en-US"/>
           </a:p>
@@ -1454,7 +1454,7 @@
           <a:p>
             <a:fld id="{6A4926B6-441D-4BA1-AD68-6F10F35F7AC9}" type="datetimeFigureOut">
               <a:rPr lang="zh-CN" altLang="en-US" smtClean="0"/>
-              <a:t>2023/4/6</a:t>
+              <a:t>2023/4/13</a:t>
             </a:fld>
             <a:endParaRPr lang="zh-CN" altLang="en-US"/>
           </a:p>
@@ -1686,7 +1686,7 @@
           <a:p>
             <a:fld id="{6A4926B6-441D-4BA1-AD68-6F10F35F7AC9}" type="datetimeFigureOut">
               <a:rPr lang="zh-CN" altLang="en-US" smtClean="0"/>
-              <a:t>2023/4/6</a:t>
+              <a:t>2023/4/13</a:t>
             </a:fld>
             <a:endParaRPr lang="zh-CN" altLang="en-US"/>
           </a:p>
@@ -2053,7 +2053,7 @@
           <a:p>
             <a:fld id="{6A4926B6-441D-4BA1-AD68-6F10F35F7AC9}" type="datetimeFigureOut">
               <a:rPr lang="zh-CN" altLang="en-US" smtClean="0"/>
-              <a:t>2023/4/6</a:t>
+              <a:t>2023/4/13</a:t>
             </a:fld>
             <a:endParaRPr lang="zh-CN" altLang="en-US"/>
           </a:p>
@@ -2171,7 +2171,7 @@
           <a:p>
             <a:fld id="{6A4926B6-441D-4BA1-AD68-6F10F35F7AC9}" type="datetimeFigureOut">
               <a:rPr lang="zh-CN" altLang="en-US" smtClean="0"/>
-              <a:t>2023/4/6</a:t>
+              <a:t>2023/4/13</a:t>
             </a:fld>
             <a:endParaRPr lang="zh-CN" altLang="en-US"/>
           </a:p>
@@ -2266,7 +2266,7 @@
           <a:p>
             <a:fld id="{6A4926B6-441D-4BA1-AD68-6F10F35F7AC9}" type="datetimeFigureOut">
               <a:rPr lang="zh-CN" altLang="en-US" smtClean="0"/>
-              <a:t>2023/4/6</a:t>
+              <a:t>2023/4/13</a:t>
             </a:fld>
             <a:endParaRPr lang="zh-CN" altLang="en-US"/>
           </a:p>
@@ -2543,7 +2543,7 @@
           <a:p>
             <a:fld id="{6A4926B6-441D-4BA1-AD68-6F10F35F7AC9}" type="datetimeFigureOut">
               <a:rPr lang="zh-CN" altLang="en-US" smtClean="0"/>
-              <a:t>2023/4/6</a:t>
+              <a:t>2023/4/13</a:t>
             </a:fld>
             <a:endParaRPr lang="zh-CN" altLang="en-US"/>
           </a:p>
@@ -2800,7 +2800,7 @@
           <a:p>
             <a:fld id="{6A4926B6-441D-4BA1-AD68-6F10F35F7AC9}" type="datetimeFigureOut">
               <a:rPr lang="zh-CN" altLang="en-US" smtClean="0"/>
-              <a:t>2023/4/6</a:t>
+              <a:t>2023/4/13</a:t>
             </a:fld>
             <a:endParaRPr lang="zh-CN" altLang="en-US"/>
           </a:p>
@@ -3013,7 +3013,7 @@
           <a:p>
             <a:fld id="{6A4926B6-441D-4BA1-AD68-6F10F35F7AC9}" type="datetimeFigureOut">
               <a:rPr lang="zh-CN" altLang="en-US" smtClean="0"/>
-              <a:t>2023/4/6</a:t>
+              <a:t>2023/4/13</a:t>
             </a:fld>
             <a:endParaRPr lang="zh-CN" altLang="en-US"/>
           </a:p>
@@ -4752,7 +4752,21 @@
                   <a:latin typeface="微软雅黑" panose="020B0503020204020204" pitchFamily="34" charset="-122"/>
                   <a:ea typeface="微软雅黑" panose="020B0503020204020204" pitchFamily="34" charset="-122"/>
                 </a:rPr>
-                <a:t>    拆解实现拖尾动效及案例：</a:t>
+                <a:t>    拆解拖尾动效及案例，基于 </a:t>
+              </a:r>
+              <a:r>
+                <a:rPr lang="en-US" altLang="zh-CN" sz="900" b="1" dirty="0">
+                  <a:latin typeface="微软雅黑" panose="020B0503020204020204" pitchFamily="34" charset="-122"/>
+                  <a:ea typeface="微软雅黑" panose="020B0503020204020204" pitchFamily="34" charset="-122"/>
+                </a:rPr>
+                <a:t>Oasis-Engine</a:t>
+              </a:r>
+              <a:r>
+                <a:rPr lang="zh-CN" altLang="en-US" sz="900" dirty="0">
+                  <a:latin typeface="微软雅黑" panose="020B0503020204020204" pitchFamily="34" charset="-122"/>
+                  <a:ea typeface="微软雅黑" panose="020B0503020204020204" pitchFamily="34" charset="-122"/>
+                </a:rPr>
+                <a:t> 实现：</a:t>
               </a:r>
               <a:endParaRPr lang="en-US" altLang="zh-CN" sz="900" dirty="0">
                 <a:latin typeface="微软雅黑" panose="020B0503020204020204" pitchFamily="34" charset="-122"/>
@@ -4773,7 +4787,7 @@
                 <a:t>    </a:t>
               </a:r>
               <a:r>
-                <a:rPr lang="as-IN" altLang="zh-CN" sz="1200">
+                <a:rPr lang="as-IN" altLang="zh-CN" sz="1200" dirty="0">
                   <a:effectLst/>
                   <a:latin typeface="Vrinda" panose="020B0502040204020203" pitchFamily="34" charset="0"/>
                 </a:rPr>
@@ -4784,21 +4798,7 @@
                   <a:latin typeface="微软雅黑" panose="020B0503020204020204" pitchFamily="34" charset="-122"/>
                   <a:ea typeface="微软雅黑" panose="020B0503020204020204" pitchFamily="34" charset="-122"/>
                 </a:rPr>
-                <a:t> 参与五福等业务动效支持，实现</a:t>
-              </a:r>
-              <a:r>
-                <a:rPr lang="en-US" altLang="zh-CN" sz="900" dirty="0">
-                  <a:latin typeface="微软雅黑" panose="020B0503020204020204" pitchFamily="34" charset="-122"/>
-                  <a:ea typeface="微软雅黑" panose="020B0503020204020204" pitchFamily="34" charset="-122"/>
-                </a:rPr>
-                <a:t>&amp;</a:t>
-              </a:r>
-              <a:r>
-                <a:rPr lang="zh-CN" altLang="en-US" sz="900" dirty="0">
-                  <a:latin typeface="微软雅黑" panose="020B0503020204020204" pitchFamily="34" charset="-122"/>
-                  <a:ea typeface="微软雅黑" panose="020B0503020204020204" pitchFamily="34" charset="-122"/>
-                </a:rPr>
-                <a:t>归纳动效方案；</a:t>
+                <a:t> 参与五福乐园动效支持，实现并归纳动效方案；</a:t>
               </a:r>
               <a:endParaRPr lang="en-US" altLang="zh-CN" sz="900" dirty="0">
                 <a:latin typeface="微软雅黑" panose="020B0503020204020204" pitchFamily="34" charset="-122"/>
@@ -4819,7 +4819,7 @@
                 <a:t>    </a:t>
               </a:r>
               <a:r>
-                <a:rPr lang="as-IN" altLang="zh-CN" sz="1200">
+                <a:rPr lang="as-IN" altLang="zh-CN" sz="1200" dirty="0">
                   <a:effectLst/>
                   <a:latin typeface="Vrinda" panose="020B0502040204020203" pitchFamily="34" charset="0"/>
                 </a:rPr>
@@ -4883,7 +4883,7 @@
                 <a:t>    </a:t>
               </a:r>
               <a:r>
-                <a:rPr lang="as-IN" altLang="zh-CN" sz="1200">
+                <a:rPr lang="as-IN" altLang="zh-CN" sz="1200" dirty="0">
                   <a:effectLst/>
                   <a:latin typeface="Vrinda" panose="020B0502040204020203" pitchFamily="34" charset="0"/>
                 </a:rPr>
@@ -8353,7 +8353,7 @@
                   <a:latin typeface="微软雅黑" panose="020B0503020204020204" pitchFamily="34" charset="-122"/>
                   <a:ea typeface="微软雅黑" panose="020B0503020204020204" pitchFamily="34" charset="-122"/>
                 </a:rPr>
-                <a:t>2020.04 </a:t>
+                <a:t>2018.04 </a:t>
               </a:r>
               <a:r>
                 <a:rPr lang="mr-IN" altLang="zh-CN" sz="900" dirty="0">
@@ -8367,7 +8367,7 @@
                   <a:latin typeface="微软雅黑" panose="020B0503020204020204" pitchFamily="34" charset="-122"/>
                   <a:ea typeface="微软雅黑" panose="020B0503020204020204" pitchFamily="34" charset="-122"/>
                 </a:rPr>
-                <a:t> 2021.04</a:t>
+                <a:t> 2020.04</a:t>
               </a:r>
             </a:p>
           </p:txBody>

--- a/about/doc/resume.pptx
+++ b/about/doc/resume.pptx
@@ -208,7 +208,7 @@
           <a:p>
             <a:fld id="{AEA2C9DF-D23B-4857-8F83-A94459C69053}" type="datetimeFigureOut">
               <a:rPr lang="zh-CN" altLang="en-US" smtClean="0"/>
-              <a:t>2023/4/13</a:t>
+              <a:t>2023/4/29</a:t>
             </a:fld>
             <a:endParaRPr lang="zh-CN" altLang="en-US"/>
           </a:p>
@@ -690,7 +690,7 @@
           <a:p>
             <a:fld id="{6A4926B6-441D-4BA1-AD68-6F10F35F7AC9}" type="datetimeFigureOut">
               <a:rPr lang="zh-CN" altLang="en-US" smtClean="0"/>
-              <a:t>2023/4/13</a:t>
+              <a:t>2023/4/29</a:t>
             </a:fld>
             <a:endParaRPr lang="zh-CN" altLang="en-US"/>
           </a:p>
@@ -860,7 +860,7 @@
           <a:p>
             <a:fld id="{6A4926B6-441D-4BA1-AD68-6F10F35F7AC9}" type="datetimeFigureOut">
               <a:rPr lang="zh-CN" altLang="en-US" smtClean="0"/>
-              <a:t>2023/4/13</a:t>
+              <a:t>2023/4/29</a:t>
             </a:fld>
             <a:endParaRPr lang="zh-CN" altLang="en-US"/>
           </a:p>
@@ -1040,7 +1040,7 @@
           <a:p>
             <a:fld id="{6A4926B6-441D-4BA1-AD68-6F10F35F7AC9}" type="datetimeFigureOut">
               <a:rPr lang="zh-CN" altLang="en-US" smtClean="0"/>
-              <a:t>2023/4/13</a:t>
+              <a:t>2023/4/29</a:t>
             </a:fld>
             <a:endParaRPr lang="zh-CN" altLang="en-US"/>
           </a:p>
@@ -1210,7 +1210,7 @@
           <a:p>
             <a:fld id="{6A4926B6-441D-4BA1-AD68-6F10F35F7AC9}" type="datetimeFigureOut">
               <a:rPr lang="zh-CN" altLang="en-US" smtClean="0"/>
-              <a:t>2023/4/13</a:t>
+              <a:t>2023/4/29</a:t>
             </a:fld>
             <a:endParaRPr lang="zh-CN" altLang="en-US"/>
           </a:p>
@@ -1454,7 +1454,7 @@
           <a:p>
             <a:fld id="{6A4926B6-441D-4BA1-AD68-6F10F35F7AC9}" type="datetimeFigureOut">
               <a:rPr lang="zh-CN" altLang="en-US" smtClean="0"/>
-              <a:t>2023/4/13</a:t>
+              <a:t>2023/4/29</a:t>
             </a:fld>
             <a:endParaRPr lang="zh-CN" altLang="en-US"/>
           </a:p>
@@ -1686,7 +1686,7 @@
           <a:p>
             <a:fld id="{6A4926B6-441D-4BA1-AD68-6F10F35F7AC9}" type="datetimeFigureOut">
               <a:rPr lang="zh-CN" altLang="en-US" smtClean="0"/>
-              <a:t>2023/4/13</a:t>
+              <a:t>2023/4/29</a:t>
             </a:fld>
             <a:endParaRPr lang="zh-CN" altLang="en-US"/>
           </a:p>
@@ -2053,7 +2053,7 @@
           <a:p>
             <a:fld id="{6A4926B6-441D-4BA1-AD68-6F10F35F7AC9}" type="datetimeFigureOut">
               <a:rPr lang="zh-CN" altLang="en-US" smtClean="0"/>
-              <a:t>2023/4/13</a:t>
+              <a:t>2023/4/29</a:t>
             </a:fld>
             <a:endParaRPr lang="zh-CN" altLang="en-US"/>
           </a:p>
@@ -2171,7 +2171,7 @@
           <a:p>
             <a:fld id="{6A4926B6-441D-4BA1-AD68-6F10F35F7AC9}" type="datetimeFigureOut">
               <a:rPr lang="zh-CN" altLang="en-US" smtClean="0"/>
-              <a:t>2023/4/13</a:t>
+              <a:t>2023/4/29</a:t>
             </a:fld>
             <a:endParaRPr lang="zh-CN" altLang="en-US"/>
           </a:p>
@@ -2266,7 +2266,7 @@
           <a:p>
             <a:fld id="{6A4926B6-441D-4BA1-AD68-6F10F35F7AC9}" type="datetimeFigureOut">
               <a:rPr lang="zh-CN" altLang="en-US" smtClean="0"/>
-              <a:t>2023/4/13</a:t>
+              <a:t>2023/4/29</a:t>
             </a:fld>
             <a:endParaRPr lang="zh-CN" altLang="en-US"/>
           </a:p>
@@ -2543,7 +2543,7 @@
           <a:p>
             <a:fld id="{6A4926B6-441D-4BA1-AD68-6F10F35F7AC9}" type="datetimeFigureOut">
               <a:rPr lang="zh-CN" altLang="en-US" smtClean="0"/>
-              <a:t>2023/4/13</a:t>
+              <a:t>2023/4/29</a:t>
             </a:fld>
             <a:endParaRPr lang="zh-CN" altLang="en-US"/>
           </a:p>
@@ -2800,7 +2800,7 @@
           <a:p>
             <a:fld id="{6A4926B6-441D-4BA1-AD68-6F10F35F7AC9}" type="datetimeFigureOut">
               <a:rPr lang="zh-CN" altLang="en-US" smtClean="0"/>
-              <a:t>2023/4/13</a:t>
+              <a:t>2023/4/29</a:t>
             </a:fld>
             <a:endParaRPr lang="zh-CN" altLang="en-US"/>
           </a:p>
@@ -3013,7 +3013,7 @@
           <a:p>
             <a:fld id="{6A4926B6-441D-4BA1-AD68-6F10F35F7AC9}" type="datetimeFigureOut">
               <a:rPr lang="zh-CN" altLang="en-US" smtClean="0"/>
-              <a:t>2023/4/13</a:t>
+              <a:t>2023/4/29</a:t>
             </a:fld>
             <a:endParaRPr lang="zh-CN" altLang="en-US"/>
           </a:p>
@@ -3526,35 +3526,35 @@
                 </a:lnSpc>
               </a:pPr>
               <a:r>
-                <a:rPr lang="zh-CN" altLang="en-US" sz="900" b="1" dirty="0" err="1">
+                <a:rPr lang="zh-CN" altLang="en-US" sz="900" b="1" dirty="0">
                   <a:latin typeface="微软雅黑" panose="020B0503020204020204" pitchFamily="34" charset="-122"/>
                   <a:ea typeface="微软雅黑" panose="020B0503020204020204" pitchFamily="34" charset="-122"/>
                 </a:rPr>
                 <a:t>移动端优先 </a:t>
               </a:r>
               <a:r>
-                <a:rPr lang="en-US" altLang="zh-CN" sz="900" b="1" dirty="0" err="1">
+                <a:rPr lang="en-US" altLang="zh-CN" sz="900" b="1" dirty="0">
                   <a:latin typeface="微软雅黑" panose="020B0503020204020204" pitchFamily="34" charset="-122"/>
                   <a:ea typeface="微软雅黑" panose="020B0503020204020204" pitchFamily="34" charset="-122"/>
                 </a:rPr>
                 <a:t>/</a:t>
               </a:r>
               <a:r>
-                <a:rPr lang="zh-CN" altLang="en-US" sz="900" b="1" dirty="0" err="1">
+                <a:rPr lang="zh-CN" altLang="en-US" sz="900" b="1" dirty="0">
                   <a:latin typeface="微软雅黑" panose="020B0503020204020204" pitchFamily="34" charset="-122"/>
                   <a:ea typeface="微软雅黑" panose="020B0503020204020204" pitchFamily="34" charset="-122"/>
                 </a:rPr>
                 <a:t> 编辑器 </a:t>
               </a:r>
               <a:r>
-                <a:rPr lang="en-US" altLang="zh-CN" sz="900" b="1" dirty="0" err="1">
+                <a:rPr lang="en-US" altLang="zh-CN" sz="900" b="1" dirty="0">
                   <a:latin typeface="微软雅黑" panose="020B0503020204020204" pitchFamily="34" charset="-122"/>
                   <a:ea typeface="微软雅黑" panose="020B0503020204020204" pitchFamily="34" charset="-122"/>
                 </a:rPr>
                 <a:t>/</a:t>
               </a:r>
               <a:r>
-                <a:rPr lang="zh-CN" altLang="en-US" sz="900" b="1" dirty="0" err="1">
+                <a:rPr lang="zh-CN" altLang="en-US" sz="900" b="1" dirty="0">
                   <a:latin typeface="微软雅黑" panose="020B0503020204020204" pitchFamily="34" charset="-122"/>
                   <a:ea typeface="微软雅黑" panose="020B0503020204020204" pitchFamily="34" charset="-122"/>
                 </a:rPr>
@@ -3664,7 +3664,7 @@
             <a:p>
               <a:pPr algn="ctr"/>
               <a:r>
-                <a:rPr lang="zh-CN" altLang="en-US" sz="800" b="1" dirty="0">
+                <a:rPr lang="zh-CN" altLang="en-US" sz="800" b="1">
                   <a:solidFill>
                     <a:srgbClr val="6679DF"/>
                   </a:solidFill>
@@ -3701,7 +3701,7 @@
           <a:p>
             <a:pPr algn="ctr"/>
             <a:r>
-              <a:rPr lang="zh-CN" altLang="en-US" sz="2000" b="1" dirty="0">
+              <a:rPr lang="zh-CN" altLang="en-US" sz="2000" b="1">
                 <a:solidFill>
                   <a:srgbClr val="6679DF"/>
                 </a:solidFill>
@@ -3801,7 +3801,7 @@
               <a:t>       邮箱：</a:t>
             </a:r>
             <a:r>
-              <a:rPr lang="en-US" altLang="zh-CN" sz="900" b="1" u="sng" dirty="0" err="1">
+              <a:rPr lang="en-US" altLang="zh-CN" sz="900" b="1" u="sng" dirty="0">
                 <a:latin typeface="微软雅黑" panose="020B0503020204020204" pitchFamily="34" charset="-122"/>
                 <a:ea typeface="微软雅黑" panose="020B0503020204020204" pitchFamily="34" charset="-122"/>
                 <a:hlinkClick r:id="rId5"/>
@@ -3827,7 +3827,7 @@
               <a:t>  </a:t>
             </a:r>
             <a:r>
-              <a:rPr lang="en-US" altLang="zh-CN" sz="900" dirty="0" err="1">
+              <a:rPr lang="en-US" altLang="zh-CN" sz="900" dirty="0">
                 <a:latin typeface="微软雅黑" panose="020B0503020204020204" pitchFamily="34" charset="-122"/>
                 <a:ea typeface="微软雅黑" panose="020B0503020204020204" pitchFamily="34" charset="-122"/>
               </a:rPr>
@@ -3898,7 +3898,7 @@
             <a:p>
               <a:pPr lvl="0"/>
               <a:r>
-                <a:rPr lang="zh-CN" altLang="en-US" sz="1200" b="1" dirty="0">
+                <a:rPr lang="zh-CN" altLang="en-US" sz="1200" b="1">
                   <a:latin typeface="微软雅黑" panose="020B0503020204020204" pitchFamily="34" charset="-122"/>
                   <a:ea typeface="微软雅黑" panose="020B0503020204020204" pitchFamily="34" charset="-122"/>
                 </a:rPr>
@@ -3990,7 +3990,7 @@
             <a:p>
               <a:pPr lvl="0"/>
               <a:r>
-                <a:rPr lang="zh-CN" altLang="en-US" sz="1200" b="1" dirty="0">
+                <a:rPr lang="zh-CN" altLang="en-US" sz="1200" b="1">
                   <a:latin typeface="微软雅黑" panose="020B0503020204020204" pitchFamily="34" charset="-122"/>
                   <a:ea typeface="微软雅黑" panose="020B0503020204020204" pitchFamily="34" charset="-122"/>
                 </a:rPr>
@@ -4120,7 +4120,7 @@
             <a:p>
               <a:pPr lvl="0"/>
               <a:r>
-                <a:rPr lang="zh-CN" altLang="en-US" sz="1200" b="1" dirty="0">
+                <a:rPr lang="zh-CN" altLang="en-US" sz="1200" b="1">
                   <a:latin typeface="微软雅黑" panose="020B0503020204020204" pitchFamily="34" charset="-122"/>
                   <a:ea typeface="微软雅黑" panose="020B0503020204020204" pitchFamily="34" charset="-122"/>
                 </a:rPr>
@@ -4390,7 +4390,7 @@
                 </a:rPr>
                 <a:t>2014 - 2018</a:t>
               </a:r>
-              <a:endParaRPr lang="zh-CN" altLang="en-US" sz="1600" dirty="0"/>
+              <a:endParaRPr lang="zh-CN" altLang="en-US" sz="1600"/>
             </a:p>
           </p:txBody>
         </p:sp>
@@ -4423,11 +4423,7 @@
             </a:r>
             <a:r>
               <a:rPr lang="en-US" altLang="zh-CN" sz="800" dirty="0"/>
-              <a:t>e</a:t>
-            </a:r>
-            <a:r>
-              <a:rPr lang="en-US" altLang="zh-CN" sz="800" dirty="0" err="1"/>
-              <a:t>rrnull</a:t>
+              <a:t>errnull</a:t>
             </a:r>
             <a:r>
               <a:rPr lang="zh-CN" altLang="de-DE" sz="800" dirty="0"/>
@@ -4482,7 +4478,7 @@
           <a:p>
             <a:pPr lvl="0" algn="ctr"/>
             <a:r>
-              <a:rPr lang="zh-CN" altLang="en-US" sz="900" dirty="0">
+              <a:rPr lang="zh-CN" altLang="en-US" sz="900">
                 <a:solidFill>
                   <a:prstClr val="black"/>
                 </a:solidFill>
@@ -4544,7 +4540,7 @@
             <a:p>
               <a:pPr lvl="0"/>
               <a:r>
-                <a:rPr lang="zh-CN" altLang="en-US" sz="1200" b="1" dirty="0">
+                <a:rPr lang="zh-CN" altLang="en-US" sz="1200" b="1">
                   <a:latin typeface="微软雅黑" panose="020B0503020204020204" pitchFamily="34" charset="-122"/>
                   <a:ea typeface="微软雅黑" panose="020B0503020204020204" pitchFamily="34" charset="-122"/>
                 </a:rPr>
@@ -4641,21 +4637,21 @@
                 </a:lnSpc>
               </a:pPr>
               <a:r>
-                <a:rPr lang="zh-CN" altLang="en-US" sz="1000" b="1" dirty="0" err="1">
+                <a:rPr lang="zh-CN" altLang="en-US" sz="1000" b="1" dirty="0">
                   <a:latin typeface="微软雅黑" panose="020B0503020204020204" pitchFamily="34" charset="-122"/>
                   <a:ea typeface="微软雅黑" panose="020B0503020204020204" pitchFamily="34" charset="-122"/>
                 </a:rPr>
                 <a:t>蚂蚁消金</a:t>
               </a:r>
               <a:r>
-                <a:rPr lang="en-US" altLang="zh-CN" sz="1000" b="1" dirty="0" err="1">
+                <a:rPr lang="en-US" altLang="zh-CN" sz="1000" b="1" dirty="0">
                   <a:latin typeface="微软雅黑" panose="020B0503020204020204" pitchFamily="34" charset="-122"/>
                   <a:ea typeface="微软雅黑" panose="020B0503020204020204" pitchFamily="34" charset="-122"/>
                 </a:rPr>
                 <a:t>-</a:t>
               </a:r>
               <a:r>
-                <a:rPr lang="zh-CN" altLang="en-US" sz="1000" b="1" dirty="0" err="1">
+                <a:rPr lang="zh-CN" altLang="en-US" sz="1000" b="1" dirty="0">
                   <a:latin typeface="微软雅黑" panose="020B0503020204020204" pitchFamily="34" charset="-122"/>
                   <a:ea typeface="微软雅黑" panose="020B0503020204020204" pitchFamily="34" charset="-122"/>
                 </a:rPr>
@@ -4752,14 +4748,42 @@
                   <a:latin typeface="微软雅黑" panose="020B0503020204020204" pitchFamily="34" charset="-122"/>
                   <a:ea typeface="微软雅黑" panose="020B0503020204020204" pitchFamily="34" charset="-122"/>
                 </a:rPr>
-                <a:t>    拆解拖尾动效及案例，基于 </a:t>
+                <a:t>    拆解</a:t>
+              </a:r>
+              <a:r>
+                <a:rPr lang="zh-CN" altLang="en-US" sz="900" b="1" dirty="0">
+                  <a:latin typeface="微软雅黑" panose="020B0503020204020204" pitchFamily="34" charset="-122"/>
+                  <a:ea typeface="微软雅黑" panose="020B0503020204020204" pitchFamily="34" charset="-122"/>
+                </a:rPr>
+                <a:t>拖尾</a:t>
+              </a:r>
+              <a:r>
+                <a:rPr lang="zh-CN" altLang="en-US" sz="900" dirty="0">
+                  <a:latin typeface="微软雅黑" panose="020B0503020204020204" pitchFamily="34" charset="-122"/>
+                  <a:ea typeface="微软雅黑" panose="020B0503020204020204" pitchFamily="34" charset="-122"/>
+                </a:rPr>
+                <a:t>及</a:t>
+              </a:r>
+              <a:r>
+                <a:rPr lang="zh-CN" altLang="en-US" sz="900" b="1" dirty="0">
+                  <a:latin typeface="微软雅黑" panose="020B0503020204020204" pitchFamily="34" charset="-122"/>
+                  <a:ea typeface="微软雅黑" panose="020B0503020204020204" pitchFamily="34" charset="-122"/>
+                </a:rPr>
+                <a:t>粒子</a:t>
+              </a:r>
+              <a:r>
+                <a:rPr lang="zh-CN" altLang="en-US" sz="900" dirty="0">
+                  <a:latin typeface="微软雅黑" panose="020B0503020204020204" pitchFamily="34" charset="-122"/>
+                  <a:ea typeface="微软雅黑" panose="020B0503020204020204" pitchFamily="34" charset="-122"/>
+                </a:rPr>
+                <a:t>动效案例，基于 </a:t>
               </a:r>
               <a:r>
                 <a:rPr lang="en-US" altLang="zh-CN" sz="900" b="1" dirty="0">
                   <a:latin typeface="微软雅黑" panose="020B0503020204020204" pitchFamily="34" charset="-122"/>
                   <a:ea typeface="微软雅黑" panose="020B0503020204020204" pitchFamily="34" charset="-122"/>
                 </a:rPr>
-                <a:t>Oasis-Engine</a:t>
+                <a:t>WebGL</a:t>
               </a:r>
               <a:r>
                 <a:rPr lang="zh-CN" altLang="en-US" sz="900" dirty="0">
@@ -4798,7 +4822,7 @@
                   <a:latin typeface="微软雅黑" panose="020B0503020204020204" pitchFamily="34" charset="-122"/>
                   <a:ea typeface="微软雅黑" panose="020B0503020204020204" pitchFamily="34" charset="-122"/>
                 </a:rPr>
-                <a:t> 参与五福乐园动效支持，实现并归纳动效方案；</a:t>
+                <a:t> 参与五福业务动效支持，实现并归纳动效方案；</a:t>
               </a:r>
               <a:endParaRPr lang="en-US" altLang="zh-CN" sz="900" dirty="0">
                 <a:latin typeface="微软雅黑" panose="020B0503020204020204" pitchFamily="34" charset="-122"/>
@@ -4833,7 +4857,7 @@
                 <a:t> 调研 </a:t>
               </a:r>
               <a:r>
-                <a:rPr lang="en-US" altLang="zh-CN" sz="900" dirty="0">
+                <a:rPr lang="en-US" altLang="zh-CN" sz="900" b="1" dirty="0">
                   <a:latin typeface="微软雅黑" panose="020B0503020204020204" pitchFamily="34" charset="-122"/>
                   <a:ea typeface="微软雅黑" panose="020B0503020204020204" pitchFamily="34" charset="-122"/>
                 </a:rPr>
@@ -4982,7 +5006,7 @@
                   <a:latin typeface="微软雅黑" panose="020B0503020204020204" pitchFamily="34" charset="-122"/>
                   <a:ea typeface="微软雅黑" panose="020B0503020204020204" pitchFamily="34" charset="-122"/>
                 </a:rPr>
-                <a:t>2022.04 </a:t>
+                <a:t>2022.05 </a:t>
               </a:r>
               <a:r>
                 <a:rPr lang="mr-IN" altLang="zh-CN" sz="900" dirty="0">
@@ -5028,7 +5052,7 @@
                 </a:lnSpc>
               </a:pPr>
               <a:r>
-                <a:rPr lang="zh-CN" altLang="en-US" sz="1100" b="1" dirty="0" err="1">
+                <a:rPr lang="zh-CN" altLang="en-US" sz="1100" b="1" dirty="0">
                   <a:latin typeface="微软雅黑" panose="020B0503020204020204" pitchFamily="34" charset="-122"/>
                   <a:ea typeface="微软雅黑" panose="020B0503020204020204" pitchFamily="34" charset="-122"/>
                 </a:rPr>
@@ -5075,14 +5099,14 @@
                 </a:lnSpc>
               </a:pPr>
               <a:r>
-                <a:rPr lang="en-US" altLang="zh-CN" sz="1000" b="1" dirty="0" err="1">
+                <a:rPr lang="en-US" altLang="zh-CN" sz="1000" b="1" dirty="0">
                   <a:latin typeface="微软雅黑" panose="020B0503020204020204" pitchFamily="34" charset="-122"/>
                   <a:ea typeface="微软雅黑" panose="020B0503020204020204" pitchFamily="34" charset="-122"/>
                 </a:rPr>
                 <a:t>UC-</a:t>
               </a:r>
               <a:r>
-                <a:rPr lang="zh-CN" altLang="en-US" sz="1000" b="1" dirty="0" err="1">
+                <a:rPr lang="zh-CN" altLang="en-US" sz="1000" b="1" dirty="0">
                   <a:latin typeface="微软雅黑" panose="020B0503020204020204" pitchFamily="34" charset="-122"/>
                   <a:ea typeface="微软雅黑" panose="020B0503020204020204" pitchFamily="34" charset="-122"/>
                 </a:rPr>
@@ -5146,49 +5170,63 @@
                   <a:latin typeface="微软雅黑" panose="020B0503020204020204" pitchFamily="34" charset="-122"/>
                   <a:ea typeface="微软雅黑" panose="020B0503020204020204" pitchFamily="34" charset="-122"/>
                 </a:rPr>
-                <a:t>    参与小说 </a:t>
+                <a:t>    参与 </a:t>
               </a:r>
               <a:r>
                 <a:rPr lang="en-US" altLang="zh-CN" sz="900" dirty="0">
                   <a:latin typeface="微软雅黑" panose="020B0503020204020204" pitchFamily="34" charset="-122"/>
                   <a:ea typeface="微软雅黑" panose="020B0503020204020204" pitchFamily="34" charset="-122"/>
                 </a:rPr>
-                <a:t>Tab</a:t>
+                <a:t>UC</a:t>
               </a:r>
               <a:r>
                 <a:rPr lang="zh-CN" altLang="en-US" sz="900" dirty="0">
                   <a:latin typeface="微软雅黑" panose="020B0503020204020204" pitchFamily="34" charset="-122"/>
                   <a:ea typeface="微软雅黑" panose="020B0503020204020204" pitchFamily="34" charset="-122"/>
                 </a:rPr>
-                <a:t> </a:t>
+                <a:t> 信息流及小说阅读器等业务迭代：</a:t>
+              </a:r>
+            </a:p>
+            <a:p>
+              <a:pPr>
+                <a:lnSpc>
+                  <a:spcPts val="1500"/>
+                </a:lnSpc>
+              </a:pPr>
+              <a:r>
+                <a:rPr lang="zh-CN" altLang="en-US" sz="900" dirty="0">
+                  <a:latin typeface="微软雅黑" panose="020B0503020204020204" pitchFamily="34" charset="-122"/>
+                  <a:ea typeface="微软雅黑" panose="020B0503020204020204" pitchFamily="34" charset="-122"/>
+                </a:rPr>
+                <a:t>    </a:t>
+              </a:r>
+              <a:r>
+                <a:rPr lang="as-IN" altLang="zh-CN" sz="1200" dirty="0">
+                  <a:effectLst/>
+                  <a:latin typeface="Vrinda" panose="020B0502040204020203" pitchFamily="34" charset="0"/>
+                </a:rPr>
+                <a:t>৹</a:t>
+              </a:r>
+              <a:r>
+                <a:rPr lang="zh-CN" altLang="en-US" sz="900" dirty="0">
+                  <a:latin typeface="微软雅黑" panose="020B0503020204020204" pitchFamily="34" charset="-122"/>
+                  <a:ea typeface="微软雅黑" panose="020B0503020204020204" pitchFamily="34" charset="-122"/>
+                </a:rPr>
+                <a:t> 阅读 </a:t>
               </a:r>
               <a:r>
                 <a:rPr lang="en-US" altLang="zh-CN" sz="900" dirty="0">
                   <a:latin typeface="微软雅黑" panose="020B0503020204020204" pitchFamily="34" charset="-122"/>
                   <a:ea typeface="微软雅黑" panose="020B0503020204020204" pitchFamily="34" charset="-122"/>
                 </a:rPr>
-                <a:t>&amp;</a:t>
+                <a:t>UC</a:t>
               </a:r>
               <a:r>
                 <a:rPr lang="zh-CN" altLang="en-US" sz="900" dirty="0">
                   <a:latin typeface="微软雅黑" panose="020B0503020204020204" pitchFamily="34" charset="-122"/>
                   <a:ea typeface="微软雅黑" panose="020B0503020204020204" pitchFamily="34" charset="-122"/>
                 </a:rPr>
-                <a:t> </a:t>
-              </a:r>
-              <a:r>
-                <a:rPr lang="en-US" altLang="zh-CN" sz="900" dirty="0">
-                  <a:latin typeface="微软雅黑" panose="020B0503020204020204" pitchFamily="34" charset="-122"/>
-                  <a:ea typeface="微软雅黑" panose="020B0503020204020204" pitchFamily="34" charset="-122"/>
-                </a:rPr>
-                <a:t>UC</a:t>
-              </a:r>
-              <a:r>
-                <a:rPr lang="zh-CN" altLang="en-US" sz="900" dirty="0">
-                  <a:latin typeface="微软雅黑" panose="020B0503020204020204" pitchFamily="34" charset="-122"/>
-                  <a:ea typeface="微软雅黑" panose="020B0503020204020204" pitchFamily="34" charset="-122"/>
-                </a:rPr>
-                <a:t> 故事会业务研发：</a:t>
+                <a:t> 小说存量代码，归纳产出概览文档；</a:t>
               </a:r>
               <a:endParaRPr lang="en-US" altLang="zh-CN" sz="900" dirty="0">
                 <a:latin typeface="微软雅黑" panose="020B0503020204020204" pitchFamily="34" charset="-122"/>
@@ -5209,7 +5247,7 @@
                 <a:t>    </a:t>
               </a:r>
               <a:r>
-                <a:rPr lang="as-IN" altLang="zh-CN" sz="1200">
+                <a:rPr lang="as-IN" altLang="zh-CN" sz="1200" dirty="0">
                   <a:effectLst/>
                   <a:latin typeface="Vrinda" panose="020B0502040204020203" pitchFamily="34" charset="0"/>
                 </a:rPr>
@@ -5220,53 +5258,7 @@
                   <a:latin typeface="微软雅黑" panose="020B0503020204020204" pitchFamily="34" charset="-122"/>
                   <a:ea typeface="微软雅黑" panose="020B0503020204020204" pitchFamily="34" charset="-122"/>
                 </a:rPr>
-                <a:t> 阅读 </a:t>
-              </a:r>
-              <a:r>
-                <a:rPr lang="en-US" altLang="zh-CN" sz="900" dirty="0">
-                  <a:latin typeface="微软雅黑" panose="020B0503020204020204" pitchFamily="34" charset="-122"/>
-                  <a:ea typeface="微软雅黑" panose="020B0503020204020204" pitchFamily="34" charset="-122"/>
-                </a:rPr>
-                <a:t>UC</a:t>
-              </a:r>
-              <a:r>
-                <a:rPr lang="zh-CN" altLang="en-US" sz="900" dirty="0">
-                  <a:latin typeface="微软雅黑" panose="020B0503020204020204" pitchFamily="34" charset="-122"/>
-                  <a:ea typeface="微软雅黑" panose="020B0503020204020204" pitchFamily="34" charset="-122"/>
-                </a:rPr>
-                <a:t> 小说存量代码，归纳产出概览文档；</a:t>
-              </a:r>
-              <a:endParaRPr lang="en-US" altLang="zh-CN" sz="900" dirty="0">
-                <a:latin typeface="微软雅黑" panose="020B0503020204020204" pitchFamily="34" charset="-122"/>
-                <a:ea typeface="微软雅黑" panose="020B0503020204020204" pitchFamily="34" charset="-122"/>
-              </a:endParaRPr>
-            </a:p>
-            <a:p>
-              <a:pPr>
-                <a:lnSpc>
-                  <a:spcPts val="1500"/>
-                </a:lnSpc>
-              </a:pPr>
-              <a:r>
-                <a:rPr lang="zh-CN" altLang="en-US" sz="900" dirty="0">
-                  <a:latin typeface="微软雅黑" panose="020B0503020204020204" pitchFamily="34" charset="-122"/>
-                  <a:ea typeface="微软雅黑" panose="020B0503020204020204" pitchFamily="34" charset="-122"/>
-                </a:rPr>
-                <a:t>    </a:t>
-              </a:r>
-              <a:r>
-                <a:rPr lang="as-IN" altLang="zh-CN" sz="1200">
-                  <a:effectLst/>
-                  <a:latin typeface="Vrinda" panose="020B0502040204020203" pitchFamily="34" charset="0"/>
-                </a:rPr>
-                <a:t>৹</a:t>
-              </a:r>
-              <a:r>
-                <a:rPr lang="zh-CN" altLang="en-US" sz="900" dirty="0">
-                  <a:latin typeface="微软雅黑" panose="020B0503020204020204" pitchFamily="34" charset="-122"/>
-                  <a:ea typeface="微软雅黑" panose="020B0503020204020204" pitchFamily="34" charset="-122"/>
-                </a:rPr>
-                <a:t> 参与需求评审，按版本实现小说需求，沉淀公共组件； </a:t>
+                <a:t> 参与需求评审，按版本实现需求，沉淀公共组件； </a:t>
               </a:r>
               <a:endParaRPr lang="en-US" altLang="zh-CN" sz="900" dirty="0">
                 <a:latin typeface="微软雅黑" panose="020B0503020204020204" pitchFamily="34" charset="-122"/>
@@ -5326,7 +5318,7 @@
                   <a:latin typeface="微软雅黑" panose="020B0503020204020204" pitchFamily="34" charset="-122"/>
                   <a:ea typeface="微软雅黑" panose="020B0503020204020204" pitchFamily="34" charset="-122"/>
                 </a:rPr>
-                <a:t> 2022.04</a:t>
+                <a:t> 2022.05</a:t>
               </a:r>
             </a:p>
           </p:txBody>
@@ -5547,14 +5539,14 @@
                 <a:t>Tip:</a:t>
               </a:r>
               <a:r>
-                <a:rPr lang="zh-CN" altLang="en-US" sz="900" dirty="0">
+                <a:rPr lang="zh-CN" altLang="en-US" sz="900">
                   <a:latin typeface="微软雅黑" panose="020B0503020204020204" pitchFamily="34" charset="-122"/>
                   <a:ea typeface="微软雅黑" panose="020B0503020204020204" pitchFamily="34" charset="-122"/>
                 </a:rPr>
                 <a:t> 简历中的 </a:t>
               </a:r>
               <a:r>
-                <a:rPr lang="zh-CN" altLang="en-US" sz="900" b="1" dirty="0">
+                <a:rPr lang="zh-CN" altLang="en-US" sz="900" b="1">
                   <a:latin typeface="微软雅黑" panose="020B0503020204020204" pitchFamily="34" charset="-122"/>
                   <a:ea typeface="微软雅黑" panose="020B0503020204020204" pitchFamily="34" charset="-122"/>
                   <a:hlinkClick r:id="rId8"/>
@@ -5562,7 +5554,7 @@
                 <a:t>该样式 </a:t>
               </a:r>
               <a:r>
-                <a:rPr lang="zh-CN" altLang="en-US" sz="900" dirty="0">
+                <a:rPr lang="zh-CN" altLang="en-US" sz="900">
                   <a:latin typeface="微软雅黑" panose="020B0503020204020204" pitchFamily="34" charset="-122"/>
                   <a:ea typeface="微软雅黑" panose="020B0503020204020204" pitchFamily="34" charset="-122"/>
                 </a:rPr>
@@ -5610,7 +5602,7 @@
               </a:lnSpc>
             </a:pPr>
             <a:r>
-              <a:rPr lang="zh-CN" altLang="en-US" sz="1050" b="1" dirty="0">
+              <a:rPr lang="zh-CN" altLang="en-US" sz="1050" b="1">
                 <a:latin typeface="微软雅黑" panose="020B0503020204020204" pitchFamily="34" charset="-122"/>
                 <a:ea typeface="微软雅黑" panose="020B0503020204020204" pitchFamily="34" charset="-122"/>
               </a:rPr>
@@ -5637,7 +5629,7 @@
               <a:t>iOS</a:t>
             </a:r>
             <a:r>
-              <a:rPr lang="zh-CN" altLang="en-US" sz="900" dirty="0">
+              <a:rPr lang="zh-CN" altLang="en-US" sz="900">
                 <a:latin typeface="微软雅黑" panose="020B0503020204020204" pitchFamily="34" charset="-122"/>
                 <a:ea typeface="微软雅黑" panose="020B0503020204020204" pitchFamily="34" charset="-122"/>
               </a:rPr>
@@ -5651,7 +5643,7 @@
               <a:t>/</a:t>
             </a:r>
             <a:r>
-              <a:rPr lang="zh-CN" altLang="en-US" sz="900" dirty="0">
+              <a:rPr lang="zh-CN" altLang="en-US" sz="900">
                 <a:latin typeface="微软雅黑" panose="020B0503020204020204" pitchFamily="34" charset="-122"/>
                 <a:ea typeface="微软雅黑" panose="020B0503020204020204" pitchFamily="34" charset="-122"/>
               </a:rPr>
@@ -5665,7 +5657,7 @@
               <a:t>Flutter</a:t>
             </a:r>
             <a:r>
-              <a:rPr lang="zh-CN" altLang="en-US" sz="900" dirty="0">
+              <a:rPr lang="zh-CN" altLang="en-US" sz="900">
                 <a:latin typeface="微软雅黑" panose="020B0503020204020204" pitchFamily="34" charset="-122"/>
                 <a:ea typeface="微软雅黑" panose="020B0503020204020204" pitchFamily="34" charset="-122"/>
               </a:rPr>
@@ -5679,7 +5671,7 @@
               <a:t>/</a:t>
             </a:r>
             <a:r>
-              <a:rPr lang="zh-CN" altLang="en-US" sz="900" dirty="0">
+              <a:rPr lang="zh-CN" altLang="en-US" sz="900">
                 <a:latin typeface="微软雅黑" panose="020B0503020204020204" pitchFamily="34" charset="-122"/>
                 <a:ea typeface="微软雅黑" panose="020B0503020204020204" pitchFamily="34" charset="-122"/>
               </a:rPr>
@@ -5714,7 +5706,7 @@
               <a:t>TypeScript</a:t>
             </a:r>
             <a:r>
-              <a:rPr lang="zh-CN" altLang="en-US" sz="900" dirty="0">
+              <a:rPr lang="zh-CN" altLang="en-US" sz="900">
                 <a:latin typeface="微软雅黑" panose="020B0503020204020204" pitchFamily="34" charset="-122"/>
                 <a:ea typeface="微软雅黑" panose="020B0503020204020204" pitchFamily="34" charset="-122"/>
               </a:rPr>
@@ -5728,7 +5720,7 @@
               <a:t>/</a:t>
             </a:r>
             <a:r>
-              <a:rPr lang="zh-CN" altLang="en-US" sz="900" dirty="0">
+              <a:rPr lang="zh-CN" altLang="en-US" sz="900">
                 <a:latin typeface="微软雅黑" panose="020B0503020204020204" pitchFamily="34" charset="-122"/>
                 <a:ea typeface="微软雅黑" panose="020B0503020204020204" pitchFamily="34" charset="-122"/>
               </a:rPr>
@@ -5742,7 +5734,7 @@
               <a:t>GLSL</a:t>
             </a:r>
             <a:r>
-              <a:rPr lang="zh-CN" altLang="en-US" sz="900" dirty="0">
+              <a:rPr lang="zh-CN" altLang="en-US" sz="900">
                 <a:latin typeface="微软雅黑" panose="020B0503020204020204" pitchFamily="34" charset="-122"/>
                 <a:ea typeface="微软雅黑" panose="020B0503020204020204" pitchFamily="34" charset="-122"/>
               </a:rPr>
@@ -6198,56 +6190,56 @@
                 </a:lnSpc>
               </a:pPr>
               <a:r>
-                <a:rPr lang="zh-CN" altLang="en-US" sz="900" b="1" dirty="0" err="1">
+                <a:rPr lang="zh-CN" altLang="en-US" sz="900" b="1" dirty="0">
                   <a:latin typeface="微软雅黑" panose="020B0503020204020204" pitchFamily="34" charset="-122"/>
                   <a:ea typeface="微软雅黑" panose="020B0503020204020204" pitchFamily="34" charset="-122"/>
                 </a:rPr>
                 <a:t>多业务依赖 </a:t>
               </a:r>
               <a:r>
-                <a:rPr lang="en-US" altLang="zh-CN" sz="900" b="1" dirty="0" err="1">
+                <a:rPr lang="en-US" altLang="zh-CN" sz="900" b="1" dirty="0">
                   <a:latin typeface="微软雅黑" panose="020B0503020204020204" pitchFamily="34" charset="-122"/>
                   <a:ea typeface="微软雅黑" panose="020B0503020204020204" pitchFamily="34" charset="-122"/>
                 </a:rPr>
                 <a:t>/</a:t>
               </a:r>
               <a:r>
-                <a:rPr lang="zh-CN" altLang="en-US" sz="900" b="1" dirty="0" err="1">
+                <a:rPr lang="zh-CN" altLang="en-US" sz="900" b="1" dirty="0">
                   <a:latin typeface="微软雅黑" panose="020B0503020204020204" pitchFamily="34" charset="-122"/>
                   <a:ea typeface="微软雅黑" panose="020B0503020204020204" pitchFamily="34" charset="-122"/>
                 </a:rPr>
                 <a:t> </a:t>
               </a:r>
               <a:r>
-                <a:rPr lang="en-US" altLang="zh-CN" sz="900" b="1" dirty="0" err="1">
+                <a:rPr lang="en-US" altLang="zh-CN" sz="900" b="1" dirty="0">
                   <a:latin typeface="微软雅黑" panose="020B0503020204020204" pitchFamily="34" charset="-122"/>
                   <a:ea typeface="微软雅黑" panose="020B0503020204020204" pitchFamily="34" charset="-122"/>
                 </a:rPr>
                 <a:t>Github</a:t>
               </a:r>
               <a:r>
-                <a:rPr lang="zh-CN" altLang="en-US" sz="900" b="1" dirty="0" err="1">
+                <a:rPr lang="zh-CN" altLang="en-US" sz="900" b="1" dirty="0">
                   <a:latin typeface="微软雅黑" panose="020B0503020204020204" pitchFamily="34" charset="-122"/>
                   <a:ea typeface="微软雅黑" panose="020B0503020204020204" pitchFamily="34" charset="-122"/>
                 </a:rPr>
                 <a:t> </a:t>
               </a:r>
               <a:r>
-                <a:rPr lang="en-US" altLang="zh-CN" sz="900" b="1" dirty="0" err="1">
+                <a:rPr lang="en-US" altLang="zh-CN" sz="900" b="1" dirty="0">
                   <a:latin typeface="微软雅黑" panose="020B0503020204020204" pitchFamily="34" charset="-122"/>
                   <a:ea typeface="微软雅黑" panose="020B0503020204020204" pitchFamily="34" charset="-122"/>
                 </a:rPr>
                 <a:t>Star</a:t>
               </a:r>
               <a:r>
-                <a:rPr lang="zh-CN" altLang="en-US" sz="900" b="1" dirty="0" err="1">
+                <a:rPr lang="zh-CN" altLang="en-US" sz="900" b="1" dirty="0">
                   <a:latin typeface="微软雅黑" panose="020B0503020204020204" pitchFamily="34" charset="-122"/>
                   <a:ea typeface="微软雅黑" panose="020B0503020204020204" pitchFamily="34" charset="-122"/>
                 </a:rPr>
                 <a:t> </a:t>
               </a:r>
               <a:r>
-                <a:rPr lang="en-US" altLang="zh-CN" sz="900" b="1" dirty="0" err="1">
+                <a:rPr lang="en-US" altLang="zh-CN" sz="900" b="1" dirty="0">
                   <a:latin typeface="微软雅黑" panose="020B0503020204020204" pitchFamily="34" charset="-122"/>
                   <a:ea typeface="微软雅黑" panose="020B0503020204020204" pitchFamily="34" charset="-122"/>
                 </a:rPr>
@@ -6326,7 +6318,7 @@
                 </a:lnSpc>
               </a:pPr>
               <a:r>
-                <a:rPr lang="en-US" altLang="zh-CN" sz="900" b="1" dirty="0" err="1">
+                <a:rPr lang="en-US" altLang="zh-CN" sz="900" b="1" dirty="0">
                   <a:latin typeface="微软雅黑" panose="020B0503020204020204" pitchFamily="34" charset="-122"/>
                   <a:ea typeface="微软雅黑" panose="020B0503020204020204" pitchFamily="34" charset="-122"/>
                   <a:hlinkClick r:id="rId11"/>
@@ -6334,14 +6326,14 @@
                 <a:t>SVGA</a:t>
               </a:r>
               <a:r>
-                <a:rPr lang="zh-CN" altLang="en-US" sz="900" b="1" dirty="0" err="1">
+                <a:rPr lang="zh-CN" altLang="en-US" sz="900" b="1" dirty="0">
                   <a:latin typeface="微软雅黑" panose="020B0503020204020204" pitchFamily="34" charset="-122"/>
                   <a:ea typeface="微软雅黑" panose="020B0503020204020204" pitchFamily="34" charset="-122"/>
                   <a:hlinkClick r:id="rId11"/>
                 </a:rPr>
                 <a:t> 动效格式调研</a:t>
               </a:r>
-              <a:endParaRPr lang="en-US" altLang="zh-CN" sz="900" b="1" dirty="0" err="1">
+              <a:endParaRPr lang="en-US" altLang="zh-CN" sz="900" b="1" dirty="0">
                 <a:latin typeface="微软雅黑" panose="020B0503020204020204" pitchFamily="34" charset="-122"/>
                 <a:ea typeface="微软雅黑" panose="020B0503020204020204" pitchFamily="34" charset="-122"/>
               </a:endParaRPr>
@@ -6487,7 +6479,7 @@
                 </a:lnSpc>
               </a:pPr>
               <a:r>
-                <a:rPr lang="en-US" altLang="zh-CN" sz="900" b="1" dirty="0" err="1">
+                <a:rPr lang="en-US" altLang="zh-CN" sz="900" b="1" dirty="0">
                   <a:latin typeface="微软雅黑" panose="020B0503020204020204" pitchFamily="34" charset="-122"/>
                   <a:ea typeface="微软雅黑" panose="020B0503020204020204" pitchFamily="34" charset="-122"/>
                   <a:hlinkClick r:id="rId12"/>
@@ -6495,7 +6487,7 @@
                 <a:t>SVGA </a:t>
               </a:r>
               <a:r>
-                <a:rPr lang="zh-CN" altLang="en-US" sz="900" b="1" dirty="0" err="1">
+                <a:rPr lang="zh-CN" altLang="en-US" sz="900" b="1" dirty="0">
                   <a:latin typeface="微软雅黑" panose="020B0503020204020204" pitchFamily="34" charset="-122"/>
                   <a:ea typeface="微软雅黑" panose="020B0503020204020204" pitchFamily="34" charset="-122"/>
                   <a:hlinkClick r:id="rId12"/>
@@ -6503,28 +6495,28 @@
                 <a:t>设计使用指南</a:t>
               </a:r>
               <a:r>
-                <a:rPr lang="zh-CN" altLang="en-US" sz="900" b="1" dirty="0" err="1">
+                <a:rPr lang="zh-CN" altLang="en-US" sz="900" b="1" dirty="0">
                   <a:latin typeface="微软雅黑" panose="020B0503020204020204" pitchFamily="34" charset="-122"/>
                   <a:ea typeface="微软雅黑" panose="020B0503020204020204" pitchFamily="34" charset="-122"/>
                 </a:rPr>
                 <a:t> </a:t>
               </a:r>
               <a:r>
-                <a:rPr lang="en-US" altLang="zh-CN" sz="900" b="1" dirty="0" err="1">
+                <a:rPr lang="en-US" altLang="zh-CN" sz="900" b="1" dirty="0">
                   <a:latin typeface="微软雅黑" panose="020B0503020204020204" pitchFamily="34" charset="-122"/>
                   <a:ea typeface="微软雅黑" panose="020B0503020204020204" pitchFamily="34" charset="-122"/>
                 </a:rPr>
                 <a:t>/</a:t>
               </a:r>
               <a:r>
-                <a:rPr lang="zh-CN" altLang="en-US" sz="900" b="1" dirty="0" err="1">
+                <a:rPr lang="zh-CN" altLang="en-US" sz="900" b="1" dirty="0">
                   <a:latin typeface="微软雅黑" panose="020B0503020204020204" pitchFamily="34" charset="-122"/>
                   <a:ea typeface="微软雅黑" panose="020B0503020204020204" pitchFamily="34" charset="-122"/>
                 </a:rPr>
                 <a:t> </a:t>
               </a:r>
               <a:r>
-                <a:rPr lang="en-US" altLang="zh-CN" sz="900" b="1" dirty="0" err="1">
+                <a:rPr lang="en-US" altLang="zh-CN" sz="900" b="1" dirty="0">
                   <a:latin typeface="微软雅黑" panose="020B0503020204020204" pitchFamily="34" charset="-122"/>
                   <a:ea typeface="微软雅黑" panose="020B0503020204020204" pitchFamily="34" charset="-122"/>
                   <a:hlinkClick r:id="rId13"/>
@@ -6532,14 +6524,14 @@
                 <a:t>SVGA </a:t>
               </a:r>
               <a:r>
-                <a:rPr lang="zh-CN" altLang="en-US" sz="900" b="1" dirty="0" err="1">
+                <a:rPr lang="zh-CN" altLang="en-US" sz="900" b="1" dirty="0">
                   <a:latin typeface="微软雅黑" panose="020B0503020204020204" pitchFamily="34" charset="-122"/>
                   <a:ea typeface="微软雅黑" panose="020B0503020204020204" pitchFamily="34" charset="-122"/>
                   <a:hlinkClick r:id="rId13"/>
                 </a:rPr>
                 <a:t>开发使用指南</a:t>
               </a:r>
-              <a:endParaRPr lang="en-US" altLang="zh-CN" sz="900" b="1" dirty="0" err="1">
+              <a:endParaRPr lang="en-US" altLang="zh-CN" sz="900" b="1" dirty="0">
                 <a:latin typeface="微软雅黑" panose="020B0503020204020204" pitchFamily="34" charset="-122"/>
                 <a:ea typeface="微软雅黑" panose="020B0503020204020204" pitchFamily="34" charset="-122"/>
               </a:endParaRPr>
@@ -6557,7 +6549,7 @@
                 </a:rPr>
                 <a:t>动效降级方案：评估精灵开销等级，设备按需下发动效。</a:t>
               </a:r>
-              <a:endParaRPr lang="en-US" altLang="zh-CN" sz="900" b="1" dirty="0" err="1">
+              <a:endParaRPr lang="en-US" altLang="zh-CN" sz="900" b="1" dirty="0">
                 <a:latin typeface="微软雅黑" panose="020B0503020204020204" pitchFamily="34" charset="-122"/>
                 <a:ea typeface="微软雅黑" panose="020B0503020204020204" pitchFamily="34" charset="-122"/>
               </a:endParaRPr>
@@ -6615,7 +6607,7 @@
             <a:p>
               <a:pPr algn="ctr"/>
               <a:r>
-                <a:rPr lang="zh-CN" altLang="en-US" sz="800" b="1" dirty="0">
+                <a:rPr lang="zh-CN" altLang="en-US" sz="800" b="1">
                   <a:solidFill>
                     <a:srgbClr val="6679DF"/>
                   </a:solidFill>
@@ -6722,56 +6714,56 @@
                 </a:lnSpc>
               </a:pPr>
               <a:r>
-                <a:rPr lang="en-US" altLang="zh-CN" sz="900" b="1" dirty="0" err="1">
+                <a:rPr lang="en-US" altLang="zh-CN" sz="900" b="1" dirty="0">
                   <a:latin typeface="微软雅黑" panose="020B0503020204020204" pitchFamily="34" charset="-122"/>
                   <a:ea typeface="微软雅黑" panose="020B0503020204020204" pitchFamily="34" charset="-122"/>
                 </a:rPr>
                 <a:t>AE</a:t>
               </a:r>
               <a:r>
-                <a:rPr lang="zh-CN" altLang="en-US" sz="900" b="1" dirty="0" err="1">
+                <a:rPr lang="zh-CN" altLang="en-US" sz="900" b="1" dirty="0">
                   <a:latin typeface="微软雅黑" panose="020B0503020204020204" pitchFamily="34" charset="-122"/>
                   <a:ea typeface="微软雅黑" panose="020B0503020204020204" pitchFamily="34" charset="-122"/>
                 </a:rPr>
                 <a:t> 直出 </a:t>
               </a:r>
               <a:r>
-                <a:rPr lang="en-US" altLang="zh-CN" sz="900" b="1" dirty="0" err="1">
+                <a:rPr lang="en-US" altLang="zh-CN" sz="900" b="1" dirty="0">
                   <a:latin typeface="微软雅黑" panose="020B0503020204020204" pitchFamily="34" charset="-122"/>
                   <a:ea typeface="微软雅黑" panose="020B0503020204020204" pitchFamily="34" charset="-122"/>
                 </a:rPr>
                 <a:t>/</a:t>
               </a:r>
               <a:r>
-                <a:rPr lang="zh-CN" altLang="en-US" sz="900" b="1" dirty="0" err="1">
+                <a:rPr lang="zh-CN" altLang="en-US" sz="900" b="1" dirty="0">
                   <a:latin typeface="微软雅黑" panose="020B0503020204020204" pitchFamily="34" charset="-122"/>
                   <a:ea typeface="微软雅黑" panose="020B0503020204020204" pitchFamily="34" charset="-122"/>
                 </a:rPr>
                 <a:t> 可交互动态 </a:t>
               </a:r>
               <a:r>
-                <a:rPr lang="en-US" altLang="zh-CN" sz="900" b="1" dirty="0" err="1">
+                <a:rPr lang="en-US" altLang="zh-CN" sz="900" b="1" dirty="0">
                   <a:latin typeface="微软雅黑" panose="020B0503020204020204" pitchFamily="34" charset="-122"/>
                   <a:ea typeface="微软雅黑" panose="020B0503020204020204" pitchFamily="34" charset="-122"/>
                 </a:rPr>
                 <a:t>UI</a:t>
               </a:r>
               <a:r>
-                <a:rPr lang="zh-CN" altLang="en-US" sz="900" b="1" dirty="0" err="1">
+                <a:rPr lang="zh-CN" altLang="en-US" sz="900" b="1" dirty="0">
                   <a:latin typeface="微软雅黑" panose="020B0503020204020204" pitchFamily="34" charset="-122"/>
                   <a:ea typeface="微软雅黑" panose="020B0503020204020204" pitchFamily="34" charset="-122"/>
                 </a:rPr>
                 <a:t> </a:t>
               </a:r>
               <a:r>
-                <a:rPr lang="en-US" altLang="zh-CN" sz="900" b="1" dirty="0" err="1">
+                <a:rPr lang="en-US" altLang="zh-CN" sz="900" b="1" dirty="0">
                   <a:latin typeface="微软雅黑" panose="020B0503020204020204" pitchFamily="34" charset="-122"/>
                   <a:ea typeface="微软雅黑" panose="020B0503020204020204" pitchFamily="34" charset="-122"/>
                 </a:rPr>
                 <a:t>/</a:t>
               </a:r>
               <a:r>
-                <a:rPr lang="zh-CN" altLang="en-US" sz="900" b="1" dirty="0" err="1">
+                <a:rPr lang="zh-CN" altLang="en-US" sz="900" b="1" dirty="0">
                   <a:latin typeface="微软雅黑" panose="020B0503020204020204" pitchFamily="34" charset="-122"/>
                   <a:ea typeface="微软雅黑" panose="020B0503020204020204" pitchFamily="34" charset="-122"/>
                 </a:rPr>
@@ -7029,7 +7021,7 @@
             <a:p>
               <a:pPr algn="ctr"/>
               <a:r>
-                <a:rPr lang="zh-CN" altLang="en-US" sz="800" b="1" dirty="0">
+                <a:rPr lang="zh-CN" altLang="en-US" sz="800" b="1">
                   <a:solidFill>
                     <a:srgbClr val="6679DF"/>
                   </a:solidFill>
@@ -7408,7 +7400,21 @@
                   <a:latin typeface="微软雅黑" panose="020B0503020204020204" pitchFamily="34" charset="-122"/>
                   <a:ea typeface="微软雅黑" panose="020B0503020204020204" pitchFamily="34" charset="-122"/>
                 </a:rPr>
-                <a:t> 跨平台重构：</a:t>
+                <a:t> </a:t>
+              </a:r>
+              <a:r>
+                <a:rPr lang="en-US" altLang="zh-CN" sz="900" dirty="0">
+                  <a:latin typeface="微软雅黑" panose="020B0503020204020204" pitchFamily="34" charset="-122"/>
+                  <a:ea typeface="微软雅黑" panose="020B0503020204020204" pitchFamily="34" charset="-122"/>
+                </a:rPr>
+                <a:t>Flutter</a:t>
+              </a:r>
+              <a:r>
+                <a:rPr lang="zh-CN" altLang="en-US" sz="900" dirty="0">
+                  <a:latin typeface="微软雅黑" panose="020B0503020204020204" pitchFamily="34" charset="-122"/>
+                  <a:ea typeface="微软雅黑" panose="020B0503020204020204" pitchFamily="34" charset="-122"/>
+                </a:rPr>
+                <a:t> 跨端重构：</a:t>
               </a:r>
               <a:endParaRPr lang="en-US" altLang="zh-CN" sz="900" dirty="0">
                 <a:latin typeface="微软雅黑" panose="020B0503020204020204" pitchFamily="34" charset="-122"/>
@@ -7426,10 +7432,10 @@
                   <a:latin typeface="微软雅黑" panose="020B0503020204020204" pitchFamily="34" charset="-122"/>
                   <a:ea typeface="微软雅黑" panose="020B0503020204020204" pitchFamily="34" charset="-122"/>
                 </a:rPr>
-                <a:t>    </a:t>
-              </a:r>
-              <a:r>
-                <a:rPr lang="as-IN" altLang="zh-CN" sz="1200">
+                <a:t>   </a:t>
+              </a:r>
+              <a:r>
+                <a:rPr lang="as-IN" altLang="zh-CN" sz="1200" dirty="0">
                   <a:effectLst/>
                   <a:latin typeface="Vrinda" panose="020B0502040204020203" pitchFamily="34" charset="0"/>
                 </a:rPr>
@@ -7440,35 +7446,21 @@
                   <a:latin typeface="微软雅黑" panose="020B0503020204020204" pitchFamily="34" charset="-122"/>
                   <a:ea typeface="微软雅黑" panose="020B0503020204020204" pitchFamily="34" charset="-122"/>
                 </a:rPr>
-                <a:t> 负责 </a:t>
+                <a:t> 负责状态机管理、动效转场，直播推拉流</a:t>
               </a:r>
               <a:r>
                 <a:rPr lang="en-US" altLang="zh-CN" sz="900" dirty="0">
                   <a:latin typeface="微软雅黑" panose="020B0503020204020204" pitchFamily="34" charset="-122"/>
                   <a:ea typeface="微软雅黑" panose="020B0503020204020204" pitchFamily="34" charset="-122"/>
                 </a:rPr>
-                <a:t>APP</a:t>
+                <a:t>SDK</a:t>
               </a:r>
               <a:r>
                 <a:rPr lang="zh-CN" altLang="en-US" sz="900" dirty="0">
                   <a:latin typeface="微软雅黑" panose="020B0503020204020204" pitchFamily="34" charset="-122"/>
                   <a:ea typeface="微软雅黑" panose="020B0503020204020204" pitchFamily="34" charset="-122"/>
                 </a:rPr>
-                <a:t> 状态管理、</a:t>
-              </a:r>
-              <a:r>
-                <a:rPr lang="en-US" altLang="zh-CN" sz="900" dirty="0">
-                  <a:latin typeface="微软雅黑" panose="020B0503020204020204" pitchFamily="34" charset="-122"/>
-                  <a:ea typeface="微软雅黑" panose="020B0503020204020204" pitchFamily="34" charset="-122"/>
-                </a:rPr>
-                <a:t>UI</a:t>
-              </a:r>
-              <a:r>
-                <a:rPr lang="zh-CN" altLang="en-US" sz="900" dirty="0">
-                  <a:latin typeface="微软雅黑" panose="020B0503020204020204" pitchFamily="34" charset="-122"/>
-                  <a:ea typeface="微软雅黑" panose="020B0503020204020204" pitchFamily="34" charset="-122"/>
-                </a:rPr>
-                <a:t> 转场和动效能力研发；</a:t>
+                <a:t>接入；</a:t>
               </a:r>
               <a:endParaRPr lang="en-US" altLang="zh-CN" sz="900" dirty="0">
                 <a:latin typeface="微软雅黑" panose="020B0503020204020204" pitchFamily="34" charset="-122"/>
@@ -7507,7 +7499,7 @@
                 <a:t>    </a:t>
               </a:r>
               <a:r>
-                <a:rPr lang="as-IN" altLang="zh-CN" sz="1200">
+                <a:rPr lang="as-IN" altLang="zh-CN" sz="1200" dirty="0">
                   <a:effectLst/>
                   <a:latin typeface="Vrinda" panose="020B0502040204020203" pitchFamily="34" charset="0"/>
                 </a:rPr>
@@ -7829,7 +7821,84 @@
                   <a:latin typeface="微软雅黑" panose="020B0503020204020204" pitchFamily="34" charset="-122"/>
                   <a:ea typeface="微软雅黑" panose="020B0503020204020204" pitchFamily="34" charset="-122"/>
                 </a:rPr>
-                <a:t>客户端工程师</a:t>
+                <a:t>客户端工程师（</a:t>
+              </a:r>
+              <a:r>
+                <a:rPr lang="en-US" altLang="zh-CN" sz="900" b="1" dirty="0" err="1">
+                  <a:solidFill>
+                    <a:srgbClr val="6679DF"/>
+                  </a:solidFill>
+                  <a:latin typeface="微软雅黑" panose="020B0503020204020204" pitchFamily="34" charset="-122"/>
+                  <a:ea typeface="微软雅黑" panose="020B0503020204020204" pitchFamily="34" charset="-122"/>
+                </a:rPr>
+                <a:t>GPUImage</a:t>
+              </a:r>
+              <a:r>
+                <a:rPr lang="zh-CN" altLang="en-US" sz="900" b="1" dirty="0">
+                  <a:solidFill>
+                    <a:srgbClr val="6679DF"/>
+                  </a:solidFill>
+                  <a:latin typeface="微软雅黑" panose="020B0503020204020204" pitchFamily="34" charset="-122"/>
+                  <a:ea typeface="微软雅黑" panose="020B0503020204020204" pitchFamily="34" charset="-122"/>
+                </a:rPr>
+                <a:t> </a:t>
+              </a:r>
+              <a:r>
+                <a:rPr lang="en-US" altLang="zh-CN" sz="900" b="1" dirty="0">
+                  <a:solidFill>
+                    <a:srgbClr val="6679DF"/>
+                  </a:solidFill>
+                  <a:latin typeface="微软雅黑" panose="020B0503020204020204" pitchFamily="34" charset="-122"/>
+                  <a:ea typeface="微软雅黑" panose="020B0503020204020204" pitchFamily="34" charset="-122"/>
+                </a:rPr>
+                <a:t>+</a:t>
+              </a:r>
+              <a:r>
+                <a:rPr lang="zh-CN" altLang="en-US" sz="900" b="1" dirty="0">
+                  <a:solidFill>
+                    <a:srgbClr val="6679DF"/>
+                  </a:solidFill>
+                  <a:latin typeface="微软雅黑" panose="020B0503020204020204" pitchFamily="34" charset="-122"/>
+                  <a:ea typeface="微软雅黑" panose="020B0503020204020204" pitchFamily="34" charset="-122"/>
+                </a:rPr>
+                <a:t> </a:t>
+              </a:r>
+              <a:r>
+                <a:rPr lang="en-US" altLang="zh-CN" sz="900" b="1" dirty="0">
+                  <a:solidFill>
+                    <a:srgbClr val="6679DF"/>
+                  </a:solidFill>
+                  <a:latin typeface="微软雅黑" panose="020B0503020204020204" pitchFamily="34" charset="-122"/>
+                  <a:ea typeface="微软雅黑" panose="020B0503020204020204" pitchFamily="34" charset="-122"/>
+                </a:rPr>
+                <a:t>AE</a:t>
+              </a:r>
+              <a:r>
+                <a:rPr lang="zh-CN" altLang="en-US" sz="900" b="1" dirty="0">
+                  <a:solidFill>
+                    <a:srgbClr val="6679DF"/>
+                  </a:solidFill>
+                  <a:latin typeface="微软雅黑" panose="020B0503020204020204" pitchFamily="34" charset="-122"/>
+                  <a:ea typeface="微软雅黑" panose="020B0503020204020204" pitchFamily="34" charset="-122"/>
+                </a:rPr>
+                <a:t> </a:t>
+              </a:r>
+              <a:r>
+                <a:rPr lang="en-US" altLang="zh-CN" sz="900" b="1" dirty="0" err="1">
+                  <a:solidFill>
+                    <a:srgbClr val="6679DF"/>
+                  </a:solidFill>
+                  <a:latin typeface="微软雅黑" panose="020B0503020204020204" pitchFamily="34" charset="-122"/>
+                  <a:ea typeface="微软雅黑" panose="020B0503020204020204" pitchFamily="34" charset="-122"/>
+                </a:rPr>
+                <a:t>ExtendScript</a:t>
+              </a:r>
+              <a:r>
+                <a:rPr lang="zh-CN" altLang="en-US" sz="900" b="1" dirty="0">
+                  <a:latin typeface="微软雅黑" panose="020B0503020204020204" pitchFamily="34" charset="-122"/>
+                  <a:ea typeface="微软雅黑" panose="020B0503020204020204" pitchFamily="34" charset="-122"/>
+                </a:rPr>
+                <a:t>）</a:t>
               </a:r>
               <a:endParaRPr lang="en-US" altLang="zh-CN" sz="900" b="1" dirty="0">
                 <a:latin typeface="微软雅黑" panose="020B0503020204020204" pitchFamily="34" charset="-122"/>
@@ -7847,7 +7916,7 @@
                   <a:latin typeface="微软雅黑" panose="020B0503020204020204" pitchFamily="34" charset="-122"/>
                   <a:ea typeface="微软雅黑" panose="020B0503020204020204" pitchFamily="34" charset="-122"/>
                 </a:rPr>
-                <a:t>    推进 </a:t>
+                <a:t>    研发 </a:t>
               </a:r>
               <a:r>
                 <a:rPr lang="en-US" altLang="zh-CN" sz="900" b="1" dirty="0">
@@ -7858,10 +7927,52 @@
                 <a:t>SVGA</a:t>
               </a:r>
               <a:r>
+                <a:rPr lang="zh-CN" altLang="en-US" sz="900" b="1" dirty="0">
+                  <a:latin typeface="微软雅黑" panose="020B0503020204020204" pitchFamily="34" charset="-122"/>
+                  <a:ea typeface="微软雅黑" panose="020B0503020204020204" pitchFamily="34" charset="-122"/>
+                </a:rPr>
+                <a:t> </a:t>
+              </a:r>
+              <a:r>
+                <a:rPr lang="en-US" altLang="zh-CN" sz="900" dirty="0">
+                  <a:latin typeface="微软雅黑" panose="020B0503020204020204" pitchFamily="34" charset="-122"/>
+                  <a:ea typeface="微软雅黑" panose="020B0503020204020204" pitchFamily="34" charset="-122"/>
+                </a:rPr>
+                <a:t>SDK</a:t>
+              </a:r>
+              <a:r>
                 <a:rPr lang="zh-CN" altLang="en-US" sz="900" dirty="0">
                   <a:latin typeface="微软雅黑" panose="020B0503020204020204" pitchFamily="34" charset="-122"/>
                   <a:ea typeface="微软雅黑" panose="020B0503020204020204" pitchFamily="34" charset="-122"/>
                 </a:rPr>
+                <a:t> 迭代 </a:t>
+              </a:r>
+              <a:r>
+                <a:rPr lang="en-US" altLang="zh-CN" sz="900" b="1" dirty="0">
+                  <a:latin typeface="微软雅黑" panose="020B0503020204020204" pitchFamily="34" charset="-122"/>
+                  <a:ea typeface="微软雅黑" panose="020B0503020204020204" pitchFamily="34" charset="-122"/>
+                </a:rPr>
+                <a:t>v1.0-&gt;2.5</a:t>
+              </a:r>
+              <a:r>
+                <a:rPr lang="zh-CN" altLang="en-US" sz="900" dirty="0">
+                  <a:latin typeface="微软雅黑" panose="020B0503020204020204" pitchFamily="34" charset="-122"/>
+                  <a:ea typeface="微软雅黑" panose="020B0503020204020204" pitchFamily="34" charset="-122"/>
+                </a:rPr>
+                <a:t>（</a:t>
+              </a:r>
+              <a:r>
+                <a:rPr lang="en-US" altLang="zh-CN" sz="900" dirty="0" err="1">
+                  <a:latin typeface="微软雅黑" panose="020B0503020204020204" pitchFamily="34" charset="-122"/>
+                  <a:ea typeface="微软雅黑" panose="020B0503020204020204" pitchFamily="34" charset="-122"/>
+                </a:rPr>
+                <a:t>Json</a:t>
+              </a:r>
+              <a:r>
+                <a:rPr lang="zh-CN" altLang="en-US" sz="900" dirty="0">
+                  <a:latin typeface="微软雅黑" panose="020B0503020204020204" pitchFamily="34" charset="-122"/>
+                  <a:ea typeface="微软雅黑" panose="020B0503020204020204" pitchFamily="34" charset="-122"/>
+                </a:rPr>
                 <a:t> </a:t>
               </a:r>
               <a:r>
@@ -7869,70 +7980,108 @@
                   <a:latin typeface="微软雅黑" panose="020B0503020204020204" pitchFamily="34" charset="-122"/>
                   <a:ea typeface="微软雅黑" panose="020B0503020204020204" pitchFamily="34" charset="-122"/>
                 </a:rPr>
-                <a:t>SDK</a:t>
+                <a:t>-&gt;</a:t>
               </a:r>
               <a:r>
                 <a:rPr lang="zh-CN" altLang="en-US" sz="900" dirty="0">
                   <a:latin typeface="微软雅黑" panose="020B0503020204020204" pitchFamily="34" charset="-122"/>
                   <a:ea typeface="微软雅黑" panose="020B0503020204020204" pitchFamily="34" charset="-122"/>
                 </a:rPr>
-                <a:t> 迭代至 </a:t>
+                <a:t> </a:t>
+              </a:r>
+              <a:r>
+                <a:rPr lang="en-US" altLang="zh-CN" sz="900" dirty="0">
+                  <a:latin typeface="微软雅黑" panose="020B0503020204020204" pitchFamily="34" charset="-122"/>
+                  <a:ea typeface="微软雅黑" panose="020B0503020204020204" pitchFamily="34" charset="-122"/>
+                </a:rPr>
+                <a:t>Protocol</a:t>
+              </a:r>
+              <a:r>
+                <a:rPr lang="zh-CN" altLang="en-US" sz="900" dirty="0">
+                  <a:latin typeface="微软雅黑" panose="020B0503020204020204" pitchFamily="34" charset="-122"/>
+                  <a:ea typeface="微软雅黑" panose="020B0503020204020204" pitchFamily="34" charset="-122"/>
+                </a:rPr>
+                <a:t>）</a:t>
+              </a:r>
+              <a:r>
+                <a:rPr lang="en-US" altLang="zh-CN" sz="900" dirty="0">
+                  <a:latin typeface="微软雅黑" panose="020B0503020204020204" pitchFamily="34" charset="-122"/>
+                  <a:ea typeface="微软雅黑" panose="020B0503020204020204" pitchFamily="34" charset="-122"/>
+                </a:rPr>
+                <a:t>:</a:t>
+              </a:r>
+            </a:p>
+            <a:p>
+              <a:pPr>
+                <a:lnSpc>
+                  <a:spcPts val="1500"/>
+                </a:lnSpc>
+              </a:pPr>
+              <a:r>
+                <a:rPr lang="zh-CN" altLang="en-US" sz="900" dirty="0">
+                  <a:latin typeface="微软雅黑" panose="020B0503020204020204" pitchFamily="34" charset="-122"/>
+                  <a:ea typeface="微软雅黑" panose="020B0503020204020204" pitchFamily="34" charset="-122"/>
+                </a:rPr>
+                <a:t> </a:t>
+              </a:r>
+              <a:r>
+                <a:rPr lang="as-IN" altLang="zh-CN" sz="1200" dirty="0">
+                  <a:effectLst/>
+                  <a:latin typeface="Vrinda" panose="020B0502040204020203" pitchFamily="34" charset="0"/>
+                </a:rPr>
+                <a:t>৹</a:t>
+              </a:r>
+              <a:r>
+                <a:rPr lang="zh-CN" altLang="en-US" sz="900" dirty="0">
+                  <a:latin typeface="微软雅黑" panose="020B0503020204020204" pitchFamily="34" charset="-122"/>
+                  <a:ea typeface="微软雅黑" panose="020B0503020204020204" pitchFamily="34" charset="-122"/>
+                </a:rPr>
+                <a:t> 完善</a:t>
+              </a:r>
+              <a:r>
+                <a:rPr lang="zh-CN" altLang="en-US" sz="900" b="1" dirty="0">
+                  <a:latin typeface="微软雅黑" panose="020B0503020204020204" pitchFamily="34" charset="-122"/>
+                  <a:ea typeface="微软雅黑" panose="020B0503020204020204" pitchFamily="34" charset="-122"/>
+                </a:rPr>
+                <a:t>矢量</a:t>
+              </a:r>
+              <a:r>
+                <a:rPr lang="zh-CN" altLang="en-US" sz="900" dirty="0">
+                  <a:latin typeface="微软雅黑" panose="020B0503020204020204" pitchFamily="34" charset="-122"/>
+                  <a:ea typeface="微软雅黑" panose="020B0503020204020204" pitchFamily="34" charset="-122"/>
+                </a:rPr>
+                <a:t>动效支持：</a:t>
+              </a:r>
+              <a:r>
+                <a:rPr lang="zh-CN" altLang="en-US" sz="900" b="1" dirty="0">
+                  <a:latin typeface="微软雅黑" panose="020B0503020204020204" pitchFamily="34" charset="-122"/>
+                  <a:ea typeface="微软雅黑" panose="020B0503020204020204" pitchFamily="34" charset="-122"/>
+                  <a:hlinkClick r:id="rId16"/>
+                </a:rPr>
+                <a:t>矢量</a:t>
               </a:r>
               <a:r>
                 <a:rPr lang="en-US" altLang="zh-CN" sz="900" b="1" dirty="0">
                   <a:latin typeface="微软雅黑" panose="020B0503020204020204" pitchFamily="34" charset="-122"/>
                   <a:ea typeface="微软雅黑" panose="020B0503020204020204" pitchFamily="34" charset="-122"/>
-                </a:rPr>
-                <a:t>v2.5</a:t>
+                  <a:hlinkClick r:id="rId16"/>
+                </a:rPr>
+                <a:t>-</a:t>
+              </a:r>
+              <a:r>
+                <a:rPr lang="zh-CN" altLang="en-US" sz="900" b="1" dirty="0">
+                  <a:latin typeface="微软雅黑" panose="020B0503020204020204" pitchFamily="34" charset="-122"/>
+                  <a:ea typeface="微软雅黑" panose="020B0503020204020204" pitchFamily="34" charset="-122"/>
+                  <a:hlinkClick r:id="rId16"/>
+                </a:rPr>
+                <a:t>图形の万恶之源</a:t>
               </a:r>
               <a:r>
                 <a:rPr lang="zh-CN" altLang="en-US" sz="900" dirty="0">
                   <a:latin typeface="微软雅黑" panose="020B0503020204020204" pitchFamily="34" charset="-122"/>
                   <a:ea typeface="微软雅黑" panose="020B0503020204020204" pitchFamily="34" charset="-122"/>
                 </a:rPr>
-                <a:t>（</a:t>
-              </a:r>
-              <a:r>
-                <a:rPr lang="en-US" altLang="zh-CN" sz="900" dirty="0">
-                  <a:latin typeface="微软雅黑" panose="020B0503020204020204" pitchFamily="34" charset="-122"/>
-                  <a:ea typeface="微软雅黑" panose="020B0503020204020204" pitchFamily="34" charset="-122"/>
-                </a:rPr>
-                <a:t>Json</a:t>
-              </a:r>
-              <a:r>
-                <a:rPr lang="zh-CN" altLang="en-US" sz="900" dirty="0">
-                  <a:latin typeface="微软雅黑" panose="020B0503020204020204" pitchFamily="34" charset="-122"/>
-                  <a:ea typeface="微软雅黑" panose="020B0503020204020204" pitchFamily="34" charset="-122"/>
-                </a:rPr>
-                <a:t> </a:t>
-              </a:r>
-              <a:r>
-                <a:rPr lang="en-US" altLang="zh-CN" sz="900" dirty="0">
-                  <a:latin typeface="微软雅黑" panose="020B0503020204020204" pitchFamily="34" charset="-122"/>
-                  <a:ea typeface="微软雅黑" panose="020B0503020204020204" pitchFamily="34" charset="-122"/>
-                </a:rPr>
-                <a:t>-&gt;</a:t>
-              </a:r>
-              <a:r>
-                <a:rPr lang="zh-CN" altLang="en-US" sz="900" dirty="0">
-                  <a:latin typeface="微软雅黑" panose="020B0503020204020204" pitchFamily="34" charset="-122"/>
-                  <a:ea typeface="微软雅黑" panose="020B0503020204020204" pitchFamily="34" charset="-122"/>
-                </a:rPr>
-                <a:t> </a:t>
-              </a:r>
-              <a:r>
-                <a:rPr lang="en-US" altLang="zh-CN" sz="900" dirty="0">
-                  <a:latin typeface="微软雅黑" panose="020B0503020204020204" pitchFamily="34" charset="-122"/>
-                  <a:ea typeface="微软雅黑" panose="020B0503020204020204" pitchFamily="34" charset="-122"/>
-                </a:rPr>
-                <a:t>Protocol</a:t>
-              </a:r>
-              <a:r>
-                <a:rPr lang="zh-CN" altLang="en-US" sz="900" dirty="0">
-                  <a:latin typeface="微软雅黑" panose="020B0503020204020204" pitchFamily="34" charset="-122"/>
-                  <a:ea typeface="微软雅黑" panose="020B0503020204020204" pitchFamily="34" charset="-122"/>
-                </a:rPr>
-                <a:t>）：</a:t>
+                <a:t>； </a:t>
               </a:r>
               <a:endParaRPr lang="en-US" altLang="zh-CN" sz="900" dirty="0">
                 <a:latin typeface="微软雅黑" panose="020B0503020204020204" pitchFamily="34" charset="-122"/>
@@ -7953,7 +8102,7 @@
                 <a:t>    </a:t>
               </a:r>
               <a:r>
-                <a:rPr lang="as-IN" altLang="zh-CN" sz="1200">
+                <a:rPr lang="as-IN" altLang="zh-CN" sz="1200" dirty="0">
                   <a:effectLst/>
                   <a:latin typeface="Vrinda" panose="020B0502040204020203" pitchFamily="34" charset="0"/>
                 </a:rPr>
@@ -7964,21 +8113,63 @@
                   <a:latin typeface="微软雅黑" panose="020B0503020204020204" pitchFamily="34" charset="-122"/>
                   <a:ea typeface="微软雅黑" panose="020B0503020204020204" pitchFamily="34" charset="-122"/>
                 </a:rPr>
-                <a:t> 负责协议升级、客户端 </a:t>
+                <a:t> 新增</a:t>
+              </a:r>
+              <a:r>
+                <a:rPr lang="zh-CN" altLang="en-US" sz="900" b="1" dirty="0">
+                  <a:latin typeface="微软雅黑" panose="020B0503020204020204" pitchFamily="34" charset="-122"/>
+                  <a:ea typeface="微软雅黑" panose="020B0503020204020204" pitchFamily="34" charset="-122"/>
+                </a:rPr>
+                <a:t>滤镜</a:t>
+              </a:r>
+              <a:r>
+                <a:rPr lang="zh-CN" altLang="en-US" sz="900" dirty="0">
+                  <a:latin typeface="微软雅黑" panose="020B0503020204020204" pitchFamily="34" charset="-122"/>
+                  <a:ea typeface="微软雅黑" panose="020B0503020204020204" pitchFamily="34" charset="-122"/>
+                </a:rPr>
+                <a:t>、</a:t>
+              </a:r>
+              <a:r>
+                <a:rPr lang="zh-CN" altLang="en-US" sz="900" b="1" dirty="0">
+                  <a:latin typeface="微软雅黑" panose="020B0503020204020204" pitchFamily="34" charset="-122"/>
+                  <a:ea typeface="微软雅黑" panose="020B0503020204020204" pitchFamily="34" charset="-122"/>
+                </a:rPr>
+                <a:t>蒙版</a:t>
+              </a:r>
+              <a:r>
+                <a:rPr lang="zh-CN" altLang="en-US" sz="900" dirty="0">
+                  <a:latin typeface="微软雅黑" panose="020B0503020204020204" pitchFamily="34" charset="-122"/>
+                  <a:ea typeface="微软雅黑" panose="020B0503020204020204" pitchFamily="34" charset="-122"/>
+                </a:rPr>
+                <a:t>导出，</a:t>
+              </a:r>
+              <a:r>
+                <a:rPr lang="zh-CN" altLang="en-US" sz="900" b="1" dirty="0">
+                  <a:latin typeface="微软雅黑" panose="020B0503020204020204" pitchFamily="34" charset="-122"/>
+                  <a:ea typeface="微软雅黑" panose="020B0503020204020204" pitchFamily="34" charset="-122"/>
+                </a:rPr>
+                <a:t>遮罩</a:t>
               </a:r>
               <a:r>
                 <a:rPr lang="en-US" altLang="zh-CN" sz="900" dirty="0">
                   <a:latin typeface="微软雅黑" panose="020B0503020204020204" pitchFamily="34" charset="-122"/>
                   <a:ea typeface="微软雅黑" panose="020B0503020204020204" pitchFamily="34" charset="-122"/>
                 </a:rPr>
-                <a:t>Player</a:t>
+                <a:t>&amp;</a:t>
+              </a:r>
+              <a:r>
+                <a:rPr lang="zh-CN" altLang="en-US" sz="900" b="1" dirty="0">
+                  <a:latin typeface="微软雅黑" panose="020B0503020204020204" pitchFamily="34" charset="-122"/>
+                  <a:ea typeface="微软雅黑" panose="020B0503020204020204" pitchFamily="34" charset="-122"/>
+                </a:rPr>
+                <a:t>修剪路径</a:t>
               </a:r>
               <a:r>
                 <a:rPr lang="zh-CN" altLang="en-US" sz="900" dirty="0">
                   <a:latin typeface="微软雅黑" panose="020B0503020204020204" pitchFamily="34" charset="-122"/>
                   <a:ea typeface="微软雅黑" panose="020B0503020204020204" pitchFamily="34" charset="-122"/>
                 </a:rPr>
-                <a:t>、设计导出工具维护；</a:t>
+                <a:t>等图形能力；</a:t>
               </a:r>
               <a:endParaRPr lang="en-US" altLang="zh-CN" sz="900" dirty="0">
                 <a:latin typeface="微软雅黑" panose="020B0503020204020204" pitchFamily="34" charset="-122"/>
@@ -7999,7 +8190,7 @@
                 <a:t>    </a:t>
               </a:r>
               <a:r>
-                <a:rPr lang="as-IN" altLang="zh-CN" sz="1200">
+                <a:rPr lang="as-IN" altLang="zh-CN" sz="1200" dirty="0">
                   <a:effectLst/>
                   <a:latin typeface="Vrinda" panose="020B0502040204020203" pitchFamily="34" charset="0"/>
                 </a:rPr>
@@ -8010,38 +8201,7 @@
                   <a:latin typeface="微软雅黑" panose="020B0503020204020204" pitchFamily="34" charset="-122"/>
                   <a:ea typeface="微软雅黑" panose="020B0503020204020204" pitchFamily="34" charset="-122"/>
                 </a:rPr>
-                <a:t> 完善矢量动效支持：</a:t>
-              </a:r>
-              <a:r>
-                <a:rPr lang="zh-CN" altLang="en-US" sz="900" b="1" dirty="0">
-                  <a:latin typeface="微软雅黑" panose="020B0503020204020204" pitchFamily="34" charset="-122"/>
-                  <a:ea typeface="微软雅黑" panose="020B0503020204020204" pitchFamily="34" charset="-122"/>
-                  <a:hlinkClick r:id="rId16"/>
-                </a:rPr>
-                <a:t>矢量</a:t>
-              </a:r>
-              <a:r>
-                <a:rPr lang="en-US" altLang="zh-CN" sz="900" b="1" dirty="0">
-                  <a:latin typeface="微软雅黑" panose="020B0503020204020204" pitchFamily="34" charset="-122"/>
-                  <a:ea typeface="微软雅黑" panose="020B0503020204020204" pitchFamily="34" charset="-122"/>
-                  <a:hlinkClick r:id="rId16"/>
-                </a:rPr>
-                <a:t>-</a:t>
-              </a:r>
-              <a:r>
-                <a:rPr lang="zh-CN" altLang="en-US" sz="900" b="1" dirty="0">
-                  <a:latin typeface="微软雅黑" panose="020B0503020204020204" pitchFamily="34" charset="-122"/>
-                  <a:ea typeface="微软雅黑" panose="020B0503020204020204" pitchFamily="34" charset="-122"/>
-                  <a:hlinkClick r:id="rId16"/>
-                </a:rPr>
-                <a:t>图形の万恶之源</a:t>
-              </a:r>
-              <a:r>
-                <a:rPr lang="zh-CN" altLang="en-US" sz="900" dirty="0">
-                  <a:latin typeface="微软雅黑" panose="020B0503020204020204" pitchFamily="34" charset="-122"/>
-                  <a:ea typeface="微软雅黑" panose="020B0503020204020204" pitchFamily="34" charset="-122"/>
-                </a:rPr>
-                <a:t>； </a:t>
+                <a:t> 负责协议、客户端解析播放、设计端导出插件开发；</a:t>
               </a:r>
               <a:endParaRPr lang="en-US" altLang="zh-CN" sz="900" dirty="0">
                 <a:latin typeface="微软雅黑" panose="020B0503020204020204" pitchFamily="34" charset="-122"/>
@@ -8059,21 +8219,35 @@
                   <a:latin typeface="微软雅黑" panose="020B0503020204020204" pitchFamily="34" charset="-122"/>
                   <a:ea typeface="微软雅黑" panose="020B0503020204020204" pitchFamily="34" charset="-122"/>
                 </a:rPr>
-                <a:t>    </a:t>
-              </a:r>
-              <a:r>
-                <a:rPr lang="as-IN" altLang="zh-CN" sz="1200">
-                  <a:effectLst/>
-                  <a:latin typeface="Vrinda" panose="020B0502040204020203" pitchFamily="34" charset="0"/>
-                </a:rPr>
-                <a:t>৹</a:t>
+                <a:t>    负责 </a:t>
+              </a:r>
+              <a:r>
+                <a:rPr lang="en-US" altLang="zh-CN" sz="900" dirty="0">
+                  <a:latin typeface="微软雅黑" panose="020B0503020204020204" pitchFamily="34" charset="-122"/>
+                  <a:ea typeface="微软雅黑" panose="020B0503020204020204" pitchFamily="34" charset="-122"/>
+                </a:rPr>
+                <a:t>FIMO</a:t>
               </a:r>
               <a:r>
                 <a:rPr lang="zh-CN" altLang="en-US" sz="900" dirty="0">
                   <a:latin typeface="微软雅黑" panose="020B0503020204020204" pitchFamily="34" charset="-122"/>
                   <a:ea typeface="微软雅黑" panose="020B0503020204020204" pitchFamily="34" charset="-122"/>
                 </a:rPr>
-                <a:t> 新增滤镜、蒙版、遮罩修剪等图形能力支持；</a:t>
+                <a:t>、</a:t>
+              </a:r>
+              <a:r>
+                <a:rPr lang="en-US" altLang="zh-CN" sz="900" dirty="0">
+                  <a:latin typeface="微软雅黑" panose="020B0503020204020204" pitchFamily="34" charset="-122"/>
+                  <a:ea typeface="微软雅黑" panose="020B0503020204020204" pitchFamily="34" charset="-122"/>
+                </a:rPr>
+                <a:t>1903</a:t>
+              </a:r>
+              <a:r>
+                <a:rPr lang="zh-CN" altLang="en-US" sz="900" dirty="0">
+                  <a:latin typeface="微软雅黑" panose="020B0503020204020204" pitchFamily="34" charset="-122"/>
+                  <a:ea typeface="微软雅黑" panose="020B0503020204020204" pitchFamily="34" charset="-122"/>
+                </a:rPr>
+                <a:t> 等相机业务开发：</a:t>
               </a:r>
               <a:endParaRPr lang="en-US" altLang="zh-CN" sz="900" dirty="0">
                 <a:latin typeface="微软雅黑" panose="020B0503020204020204" pitchFamily="34" charset="-122"/>
@@ -8091,35 +8265,49 @@
                   <a:latin typeface="微软雅黑" panose="020B0503020204020204" pitchFamily="34" charset="-122"/>
                   <a:ea typeface="微软雅黑" panose="020B0503020204020204" pitchFamily="34" charset="-122"/>
                 </a:rPr>
-                <a:t>    负责 </a:t>
+                <a:t>    </a:t>
+              </a:r>
+              <a:r>
+                <a:rPr lang="as-IN" altLang="zh-CN" sz="1200" dirty="0">
+                  <a:effectLst/>
+                  <a:latin typeface="Vrinda" panose="020B0502040204020203" pitchFamily="34" charset="0"/>
+                </a:rPr>
+                <a:t>৹</a:t>
+              </a:r>
+              <a:r>
+                <a:rPr lang="zh-CN" altLang="en-US" sz="900" dirty="0">
+                  <a:latin typeface="微软雅黑" panose="020B0503020204020204" pitchFamily="34" charset="-122"/>
+                  <a:ea typeface="微软雅黑" panose="020B0503020204020204" pitchFamily="34" charset="-122"/>
+                </a:rPr>
+                <a:t> 参与相机基础能力 </a:t>
               </a:r>
               <a:r>
                 <a:rPr lang="en-US" altLang="zh-CN" sz="900" dirty="0">
                   <a:latin typeface="微软雅黑" panose="020B0503020204020204" pitchFamily="34" charset="-122"/>
                   <a:ea typeface="微软雅黑" panose="020B0503020204020204" pitchFamily="34" charset="-122"/>
                 </a:rPr>
-                <a:t>FIMO</a:t>
+                <a:t>API</a:t>
               </a:r>
               <a:r>
                 <a:rPr lang="zh-CN" altLang="en-US" sz="900" dirty="0">
                   <a:latin typeface="微软雅黑" panose="020B0503020204020204" pitchFamily="34" charset="-122"/>
                   <a:ea typeface="微软雅黑" panose="020B0503020204020204" pitchFamily="34" charset="-122"/>
                 </a:rPr>
-                <a:t>、</a:t>
-              </a:r>
-              <a:r>
-                <a:rPr lang="en-US" altLang="zh-CN" sz="900" dirty="0">
-                  <a:latin typeface="微软雅黑" panose="020B0503020204020204" pitchFamily="34" charset="-122"/>
-                  <a:ea typeface="微软雅黑" panose="020B0503020204020204" pitchFamily="34" charset="-122"/>
-                </a:rPr>
-                <a:t>1903</a:t>
+                <a:t> 研发，设计师 </a:t>
+              </a:r>
+              <a:r>
+                <a:rPr lang="zh-CN" altLang="en-US" sz="900" b="1" dirty="0">
+                  <a:latin typeface="微软雅黑" panose="020B0503020204020204" pitchFamily="34" charset="-122"/>
+                  <a:ea typeface="微软雅黑" panose="020B0503020204020204" pitchFamily="34" charset="-122"/>
+                </a:rPr>
+                <a:t>滤镜调整、导出</a:t>
               </a:r>
               <a:r>
                 <a:rPr lang="zh-CN" altLang="en-US" sz="900" dirty="0">
                   <a:latin typeface="微软雅黑" panose="020B0503020204020204" pitchFamily="34" charset="-122"/>
                   <a:ea typeface="微软雅黑" panose="020B0503020204020204" pitchFamily="34" charset="-122"/>
                 </a:rPr>
-                <a:t> 等相机业务开发：</a:t>
+                <a:t>；</a:t>
               </a:r>
               <a:endParaRPr lang="en-US" altLang="zh-CN" sz="900" dirty="0">
                 <a:latin typeface="微软雅黑" panose="020B0503020204020204" pitchFamily="34" charset="-122"/>
@@ -8140,7 +8328,7 @@
                 <a:t>    </a:t>
               </a:r>
               <a:r>
-                <a:rPr lang="as-IN" altLang="zh-CN" sz="1200">
+                <a:rPr lang="as-IN" altLang="zh-CN" sz="1200" dirty="0">
                   <a:effectLst/>
                   <a:latin typeface="Vrinda" panose="020B0502040204020203" pitchFamily="34" charset="0"/>
                 </a:rPr>
@@ -8151,81 +8339,42 @@
                   <a:latin typeface="微软雅黑" panose="020B0503020204020204" pitchFamily="34" charset="-122"/>
                   <a:ea typeface="微软雅黑" panose="020B0503020204020204" pitchFamily="34" charset="-122"/>
                 </a:rPr>
-                <a:t> 参与相机基础能力 </a:t>
-              </a:r>
-              <a:r>
-                <a:rPr lang="en-US" altLang="zh-CN" sz="900" dirty="0">
-                  <a:latin typeface="微软雅黑" panose="020B0503020204020204" pitchFamily="34" charset="-122"/>
-                  <a:ea typeface="微软雅黑" panose="020B0503020204020204" pitchFamily="34" charset="-122"/>
-                </a:rPr>
-                <a:t>API</a:t>
+                <a:t> 独立负责 </a:t>
+              </a:r>
+              <a:r>
+                <a:rPr lang="en-US" altLang="zh-CN" sz="900" b="1" dirty="0">
+                  <a:latin typeface="微软雅黑" panose="020B0503020204020204" pitchFamily="34" charset="-122"/>
+                  <a:ea typeface="微软雅黑" panose="020B0503020204020204" pitchFamily="34" charset="-122"/>
+                </a:rPr>
+                <a:t>FIMO</a:t>
+              </a:r>
+              <a:r>
+                <a:rPr lang="zh-CN" altLang="en-US" sz="900" b="1" dirty="0">
+                  <a:latin typeface="微软雅黑" panose="020B0503020204020204" pitchFamily="34" charset="-122"/>
+                  <a:ea typeface="微软雅黑" panose="020B0503020204020204" pitchFamily="34" charset="-122"/>
+                </a:rPr>
+                <a:t> </a:t>
+              </a:r>
+              <a:r>
+                <a:rPr lang="en-US" altLang="zh-CN" sz="900" b="1" dirty="0">
+                  <a:latin typeface="微软雅黑" panose="020B0503020204020204" pitchFamily="34" charset="-122"/>
+                  <a:ea typeface="微软雅黑" panose="020B0503020204020204" pitchFamily="34" charset="-122"/>
+                </a:rPr>
+                <a:t>1903</a:t>
+              </a:r>
+              <a:r>
+                <a:rPr lang="zh-CN" altLang="en-US" sz="900" b="1" dirty="0">
+                  <a:latin typeface="微软雅黑" panose="020B0503020204020204" pitchFamily="34" charset="-122"/>
+                  <a:ea typeface="微软雅黑" panose="020B0503020204020204" pitchFamily="34" charset="-122"/>
+                </a:rPr>
+                <a:t> </a:t>
               </a:r>
               <a:r>
                 <a:rPr lang="zh-CN" altLang="en-US" sz="900" dirty="0">
                   <a:latin typeface="微软雅黑" panose="020B0503020204020204" pitchFamily="34" charset="-122"/>
                   <a:ea typeface="微软雅黑" panose="020B0503020204020204" pitchFamily="34" charset="-122"/>
                 </a:rPr>
-                <a:t> 研发，滤镜接入、调整；</a:t>
-              </a:r>
-              <a:endParaRPr lang="en-US" altLang="zh-CN" sz="900" dirty="0">
-                <a:latin typeface="微软雅黑" panose="020B0503020204020204" pitchFamily="34" charset="-122"/>
-                <a:ea typeface="微软雅黑" panose="020B0503020204020204" pitchFamily="34" charset="-122"/>
-              </a:endParaRPr>
-            </a:p>
-            <a:p>
-              <a:pPr>
-                <a:lnSpc>
-                  <a:spcPts val="1500"/>
-                </a:lnSpc>
-              </a:pPr>
-              <a:r>
-                <a:rPr lang="zh-CN" altLang="en-US" sz="900" dirty="0">
-                  <a:latin typeface="微软雅黑" panose="020B0503020204020204" pitchFamily="34" charset="-122"/>
-                  <a:ea typeface="微软雅黑" panose="020B0503020204020204" pitchFamily="34" charset="-122"/>
-                </a:rPr>
-                <a:t>    </a:t>
-              </a:r>
-              <a:r>
-                <a:rPr lang="as-IN" altLang="zh-CN" sz="1200">
-                  <a:effectLst/>
-                  <a:latin typeface="Vrinda" panose="020B0502040204020203" pitchFamily="34" charset="0"/>
-                </a:rPr>
-                <a:t>৹</a:t>
-              </a:r>
-              <a:r>
-                <a:rPr lang="zh-CN" altLang="en-US" sz="900" dirty="0">
-                  <a:latin typeface="微软雅黑" panose="020B0503020204020204" pitchFamily="34" charset="-122"/>
-                  <a:ea typeface="微软雅黑" panose="020B0503020204020204" pitchFamily="34" charset="-122"/>
-                </a:rPr>
-                <a:t> 独立负责 </a:t>
-              </a:r>
-              <a:r>
-                <a:rPr lang="en-US" altLang="zh-CN" sz="900" dirty="0">
-                  <a:latin typeface="微软雅黑" panose="020B0503020204020204" pitchFamily="34" charset="-122"/>
-                  <a:ea typeface="微软雅黑" panose="020B0503020204020204" pitchFamily="34" charset="-122"/>
-                </a:rPr>
-                <a:t>FIMO</a:t>
-              </a:r>
-              <a:r>
-                <a:rPr lang="zh-CN" altLang="en-US" sz="900" dirty="0">
-                  <a:latin typeface="微软雅黑" panose="020B0503020204020204" pitchFamily="34" charset="-122"/>
-                  <a:ea typeface="微软雅黑" panose="020B0503020204020204" pitchFamily="34" charset="-122"/>
-                </a:rPr>
-                <a:t> </a:t>
-              </a:r>
-              <a:r>
-                <a:rPr lang="en-US" altLang="zh-CN" sz="900" dirty="0">
-                  <a:latin typeface="微软雅黑" panose="020B0503020204020204" pitchFamily="34" charset="-122"/>
-                  <a:ea typeface="微软雅黑" panose="020B0503020204020204" pitchFamily="34" charset="-122"/>
-                </a:rPr>
-                <a:t>1903</a:t>
-              </a:r>
-              <a:r>
-                <a:rPr lang="zh-CN" altLang="en-US" sz="900" dirty="0">
-                  <a:latin typeface="微软雅黑" panose="020B0503020204020204" pitchFamily="34" charset="-122"/>
-                  <a:ea typeface="微软雅黑" panose="020B0503020204020204" pitchFamily="34" charset="-122"/>
-                </a:rPr>
-                <a:t> 应用开发、上架 </a:t>
+                <a:t>应用开发、上架 </a:t>
               </a:r>
               <a:r>
                 <a:rPr lang="en-US" altLang="zh-CN" sz="900" dirty="0">

--- a/about/doc/resume.pptx
+++ b/about/doc/resume.pptx
@@ -8022,7 +8022,7 @@
                   <a:latin typeface="微软雅黑" panose="020B0503020204020204" pitchFamily="34" charset="-122"/>
                   <a:ea typeface="微软雅黑" panose="020B0503020204020204" pitchFamily="34" charset="-122"/>
                 </a:rPr>
-                <a:t> </a:t>
+                <a:t>    </a:t>
               </a:r>
               <a:r>
                 <a:rPr lang="as-IN" altLang="zh-CN" sz="1200" dirty="0">
@@ -8134,35 +8134,21 @@
                   <a:latin typeface="微软雅黑" panose="020B0503020204020204" pitchFamily="34" charset="-122"/>
                   <a:ea typeface="微软雅黑" panose="020B0503020204020204" pitchFamily="34" charset="-122"/>
                 </a:rPr>
-                <a:t>蒙版</a:t>
+                <a:t>蒙版、遮罩</a:t>
               </a:r>
               <a:r>
                 <a:rPr lang="zh-CN" altLang="en-US" sz="900" dirty="0">
                   <a:latin typeface="微软雅黑" panose="020B0503020204020204" pitchFamily="34" charset="-122"/>
                   <a:ea typeface="微软雅黑" panose="020B0503020204020204" pitchFamily="34" charset="-122"/>
                 </a:rPr>
-                <a:t>导出，</a:t>
+                <a:t>及</a:t>
               </a:r>
               <a:r>
                 <a:rPr lang="zh-CN" altLang="en-US" sz="900" b="1" dirty="0">
                   <a:latin typeface="微软雅黑" panose="020B0503020204020204" pitchFamily="34" charset="-122"/>
                   <a:ea typeface="微软雅黑" panose="020B0503020204020204" pitchFamily="34" charset="-122"/>
                 </a:rPr>
-                <a:t>遮罩</a:t>
-              </a:r>
-              <a:r>
-                <a:rPr lang="en-US" altLang="zh-CN" sz="900" dirty="0">
-                  <a:latin typeface="微软雅黑" panose="020B0503020204020204" pitchFamily="34" charset="-122"/>
-                  <a:ea typeface="微软雅黑" panose="020B0503020204020204" pitchFamily="34" charset="-122"/>
-                </a:rPr>
-                <a:t>&amp;</a:t>
-              </a:r>
-              <a:r>
-                <a:rPr lang="zh-CN" altLang="en-US" sz="900" b="1" dirty="0">
-                  <a:latin typeface="微软雅黑" panose="020B0503020204020204" pitchFamily="34" charset="-122"/>
-                  <a:ea typeface="微软雅黑" panose="020B0503020204020204" pitchFamily="34" charset="-122"/>
-                </a:rPr>
-                <a:t>修剪路径</a:t>
+                <a:t>路径修剪</a:t>
               </a:r>
               <a:r>
                 <a:rPr lang="zh-CN" altLang="en-US" sz="900" dirty="0">
@@ -8201,7 +8187,7 @@
                   <a:latin typeface="微软雅黑" panose="020B0503020204020204" pitchFamily="34" charset="-122"/>
                   <a:ea typeface="微软雅黑" panose="020B0503020204020204" pitchFamily="34" charset="-122"/>
                 </a:rPr>
-                <a:t> 负责协议、客户端解析播放、设计端导出插件开发；</a:t>
+                <a:t> 负责协议更新、客户端解析播放、设计端导出插件开发；</a:t>
               </a:r>
               <a:endParaRPr lang="en-US" altLang="zh-CN" sz="900" dirty="0">
                 <a:latin typeface="微软雅黑" panose="020B0503020204020204" pitchFamily="34" charset="-122"/>
@@ -8293,7 +8279,7 @@
                   <a:latin typeface="微软雅黑" panose="020B0503020204020204" pitchFamily="34" charset="-122"/>
                   <a:ea typeface="微软雅黑" panose="020B0503020204020204" pitchFamily="34" charset="-122"/>
                 </a:rPr>
-                <a:t> 研发，设计师 </a:t>
+                <a:t> 研发，支持</a:t>
               </a:r>
               <a:r>
                 <a:rPr lang="zh-CN" altLang="en-US" sz="900" b="1" dirty="0">

--- a/about/doc/resume.pptx
+++ b/about/doc/resume.pptx
@@ -208,7 +208,7 @@
           <a:p>
             <a:fld id="{AEA2C9DF-D23B-4857-8F83-A94459C69053}" type="datetimeFigureOut">
               <a:rPr lang="zh-CN" altLang="en-US" smtClean="0"/>
-              <a:t>2023/4/29</a:t>
+              <a:t>2023/6/1</a:t>
             </a:fld>
             <a:endParaRPr lang="zh-CN" altLang="en-US"/>
           </a:p>
@@ -690,7 +690,7 @@
           <a:p>
             <a:fld id="{6A4926B6-441D-4BA1-AD68-6F10F35F7AC9}" type="datetimeFigureOut">
               <a:rPr lang="zh-CN" altLang="en-US" smtClean="0"/>
-              <a:t>2023/4/29</a:t>
+              <a:t>2023/6/1</a:t>
             </a:fld>
             <a:endParaRPr lang="zh-CN" altLang="en-US"/>
           </a:p>
@@ -860,7 +860,7 @@
           <a:p>
             <a:fld id="{6A4926B6-441D-4BA1-AD68-6F10F35F7AC9}" type="datetimeFigureOut">
               <a:rPr lang="zh-CN" altLang="en-US" smtClean="0"/>
-              <a:t>2023/4/29</a:t>
+              <a:t>2023/6/1</a:t>
             </a:fld>
             <a:endParaRPr lang="zh-CN" altLang="en-US"/>
           </a:p>
@@ -1040,7 +1040,7 @@
           <a:p>
             <a:fld id="{6A4926B6-441D-4BA1-AD68-6F10F35F7AC9}" type="datetimeFigureOut">
               <a:rPr lang="zh-CN" altLang="en-US" smtClean="0"/>
-              <a:t>2023/4/29</a:t>
+              <a:t>2023/6/1</a:t>
             </a:fld>
             <a:endParaRPr lang="zh-CN" altLang="en-US"/>
           </a:p>
@@ -1210,7 +1210,7 @@
           <a:p>
             <a:fld id="{6A4926B6-441D-4BA1-AD68-6F10F35F7AC9}" type="datetimeFigureOut">
               <a:rPr lang="zh-CN" altLang="en-US" smtClean="0"/>
-              <a:t>2023/4/29</a:t>
+              <a:t>2023/6/1</a:t>
             </a:fld>
             <a:endParaRPr lang="zh-CN" altLang="en-US"/>
           </a:p>
@@ -1454,7 +1454,7 @@
           <a:p>
             <a:fld id="{6A4926B6-441D-4BA1-AD68-6F10F35F7AC9}" type="datetimeFigureOut">
               <a:rPr lang="zh-CN" altLang="en-US" smtClean="0"/>
-              <a:t>2023/4/29</a:t>
+              <a:t>2023/6/1</a:t>
             </a:fld>
             <a:endParaRPr lang="zh-CN" altLang="en-US"/>
           </a:p>
@@ -1686,7 +1686,7 @@
           <a:p>
             <a:fld id="{6A4926B6-441D-4BA1-AD68-6F10F35F7AC9}" type="datetimeFigureOut">
               <a:rPr lang="zh-CN" altLang="en-US" smtClean="0"/>
-              <a:t>2023/4/29</a:t>
+              <a:t>2023/6/1</a:t>
             </a:fld>
             <a:endParaRPr lang="zh-CN" altLang="en-US"/>
           </a:p>
@@ -2053,7 +2053,7 @@
           <a:p>
             <a:fld id="{6A4926B6-441D-4BA1-AD68-6F10F35F7AC9}" type="datetimeFigureOut">
               <a:rPr lang="zh-CN" altLang="en-US" smtClean="0"/>
-              <a:t>2023/4/29</a:t>
+              <a:t>2023/6/1</a:t>
             </a:fld>
             <a:endParaRPr lang="zh-CN" altLang="en-US"/>
           </a:p>
@@ -2171,7 +2171,7 @@
           <a:p>
             <a:fld id="{6A4926B6-441D-4BA1-AD68-6F10F35F7AC9}" type="datetimeFigureOut">
               <a:rPr lang="zh-CN" altLang="en-US" smtClean="0"/>
-              <a:t>2023/4/29</a:t>
+              <a:t>2023/6/1</a:t>
             </a:fld>
             <a:endParaRPr lang="zh-CN" altLang="en-US"/>
           </a:p>
@@ -2266,7 +2266,7 @@
           <a:p>
             <a:fld id="{6A4926B6-441D-4BA1-AD68-6F10F35F7AC9}" type="datetimeFigureOut">
               <a:rPr lang="zh-CN" altLang="en-US" smtClean="0"/>
-              <a:t>2023/4/29</a:t>
+              <a:t>2023/6/1</a:t>
             </a:fld>
             <a:endParaRPr lang="zh-CN" altLang="en-US"/>
           </a:p>
@@ -2543,7 +2543,7 @@
           <a:p>
             <a:fld id="{6A4926B6-441D-4BA1-AD68-6F10F35F7AC9}" type="datetimeFigureOut">
               <a:rPr lang="zh-CN" altLang="en-US" smtClean="0"/>
-              <a:t>2023/4/29</a:t>
+              <a:t>2023/6/1</a:t>
             </a:fld>
             <a:endParaRPr lang="zh-CN" altLang="en-US"/>
           </a:p>
@@ -2800,7 +2800,7 @@
           <a:p>
             <a:fld id="{6A4926B6-441D-4BA1-AD68-6F10F35F7AC9}" type="datetimeFigureOut">
               <a:rPr lang="zh-CN" altLang="en-US" smtClean="0"/>
-              <a:t>2023/4/29</a:t>
+              <a:t>2023/6/1</a:t>
             </a:fld>
             <a:endParaRPr lang="zh-CN" altLang="en-US"/>
           </a:p>
@@ -3013,7 +3013,7 @@
           <a:p>
             <a:fld id="{6A4926B6-441D-4BA1-AD68-6F10F35F7AC9}" type="datetimeFigureOut">
               <a:rPr lang="zh-CN" altLang="en-US" smtClean="0"/>
-              <a:t>2023/4/29</a:t>
+              <a:t>2023/6/1</a:t>
             </a:fld>
             <a:endParaRPr lang="zh-CN" altLang="en-US"/>
           </a:p>
@@ -3961,9 +3961,9 @@
         </p:nvGrpSpPr>
         <p:grpSpPr>
           <a:xfrm>
-            <a:off x="208865" y="2318289"/>
+            <a:off x="208865" y="2205647"/>
             <a:ext cx="3022560" cy="276999"/>
-            <a:chOff x="208865" y="2406425"/>
+            <a:chOff x="208865" y="2293783"/>
             <a:chExt cx="3022560" cy="276999"/>
           </a:xfrm>
         </p:grpSpPr>
@@ -3975,7 +3975,7 @@
           </p:nvSpPr>
           <p:spPr>
             <a:xfrm>
-              <a:off x="208865" y="2406425"/>
+              <a:off x="208865" y="2293783"/>
               <a:ext cx="800219" cy="276999"/>
             </a:xfrm>
             <a:prstGeom prst="rect">
@@ -3990,7 +3990,7 @@
             <a:p>
               <a:pPr lvl="0"/>
               <a:r>
-                <a:rPr lang="zh-CN" altLang="en-US" sz="1200" b="1">
+                <a:rPr lang="zh-CN" altLang="en-US" sz="1200" b="1" dirty="0">
                   <a:latin typeface="微软雅黑" panose="020B0503020204020204" pitchFamily="34" charset="-122"/>
                   <a:ea typeface="微软雅黑" panose="020B0503020204020204" pitchFamily="34" charset="-122"/>
                 </a:rPr>
@@ -4011,7 +4011,7 @@
           </p:nvCxnSpPr>
           <p:spPr>
             <a:xfrm>
-              <a:off x="289834" y="2682871"/>
+              <a:off x="289834" y="2570229"/>
               <a:ext cx="2941591" cy="0"/>
             </a:xfrm>
             <a:prstGeom prst="line">
@@ -4049,7 +4049,7 @@
         </p:nvCxnSpPr>
         <p:spPr>
           <a:xfrm flipV="1">
-            <a:off x="367079" y="2720032"/>
+            <a:off x="367079" y="2653772"/>
             <a:ext cx="0" cy="6301420"/>
           </a:xfrm>
           <a:prstGeom prst="straightConnector1">
@@ -4184,9 +4184,9 @@
         <p:grpSpPr>
           <a:xfrm>
             <a:off x="204040" y="1687341"/>
-            <a:ext cx="2472186" cy="648767"/>
+            <a:ext cx="2472186" cy="456407"/>
             <a:chOff x="204040" y="1697069"/>
-            <a:chExt cx="2472186" cy="648767"/>
+            <a:chExt cx="2472186" cy="456407"/>
           </a:xfrm>
         </p:grpSpPr>
         <p:sp>
@@ -4198,7 +4198,7 @@
           <p:spPr>
             <a:xfrm>
               <a:off x="1051063" y="1697069"/>
-              <a:ext cx="1625163" cy="648767"/>
+              <a:ext cx="1625163" cy="456407"/>
             </a:xfrm>
             <a:prstGeom prst="rect">
               <a:avLst/>
@@ -4242,30 +4242,11 @@
                 </a:lnSpc>
               </a:pPr>
               <a:r>
-                <a:rPr lang="zh-CN" altLang="en-US" sz="900" b="1" dirty="0">
-                  <a:latin typeface="微软雅黑" panose="020B0503020204020204" pitchFamily="34" charset="-122"/>
-                  <a:ea typeface="微软雅黑" panose="020B0503020204020204" pitchFamily="34" charset="-122"/>
-                  <a:hlinkClick r:id="rId7"/>
-                </a:rPr>
-                <a:t>互联网金融与信息工程</a:t>
-              </a:r>
-              <a:endParaRPr lang="en-US" altLang="zh-CN" sz="900" b="1" dirty="0">
-                <a:latin typeface="微软雅黑" panose="020B0503020204020204" pitchFamily="34" charset="-122"/>
-                <a:ea typeface="微软雅黑" panose="020B0503020204020204" pitchFamily="34" charset="-122"/>
-              </a:endParaRPr>
-            </a:p>
-            <a:p>
-              <a:pPr>
-                <a:lnSpc>
-                  <a:spcPts val="1500"/>
-                </a:lnSpc>
-              </a:pPr>
-              <a:r>
                 <a:rPr lang="zh-CN" altLang="en-US" sz="900" dirty="0">
                   <a:latin typeface="微软雅黑" panose="020B0503020204020204" pitchFamily="34" charset="-122"/>
                   <a:ea typeface="微软雅黑" panose="020B0503020204020204" pitchFamily="34" charset="-122"/>
                 </a:rPr>
-                <a:t>（原计算机科学与技术）</a:t>
+                <a:t>计算机科学与技术</a:t>
               </a:r>
               <a:endParaRPr lang="en-US" altLang="zh-CN" sz="900" dirty="0">
                 <a:latin typeface="微软雅黑" panose="020B0503020204020204" pitchFamily="34" charset="-122"/>
@@ -4285,7 +4266,7 @@
           <p:spPr>
             <a:xfrm>
               <a:off x="1043865" y="1704289"/>
-              <a:ext cx="0" cy="641547"/>
+              <a:ext cx="0" cy="346274"/>
             </a:xfrm>
             <a:prstGeom prst="line">
               <a:avLst/>
@@ -4478,7 +4459,7 @@
           <a:p>
             <a:pPr lvl="0" algn="ctr"/>
             <a:r>
-              <a:rPr lang="zh-CN" altLang="en-US" sz="900">
+              <a:rPr lang="zh-CN" altLang="en-US" sz="900" dirty="0">
                 <a:solidFill>
                   <a:prstClr val="black"/>
                 </a:solidFill>
@@ -4588,795 +4569,6 @@
             </a:fontRef>
           </p:style>
         </p:cxnSp>
-      </p:grpSp>
-      <p:grpSp>
-        <p:nvGrpSpPr>
-          <p:cNvPr id="13" name="组合 12">
-            <a:extLst>
-              <a:ext uri="{FF2B5EF4-FFF2-40B4-BE49-F238E27FC236}">
-                <a16:creationId xmlns:a16="http://schemas.microsoft.com/office/drawing/2014/main" id="{33714C8C-FF2C-6068-FB28-F354CD45CC5C}"/>
-              </a:ext>
-            </a:extLst>
-          </p:cNvPr>
-          <p:cNvGrpSpPr/>
-          <p:nvPr/>
-        </p:nvGrpSpPr>
-        <p:grpSpPr>
-          <a:xfrm>
-            <a:off x="321645" y="2759962"/>
-            <a:ext cx="3163486" cy="3057309"/>
-            <a:chOff x="296244" y="2838042"/>
-            <a:chExt cx="3163486" cy="3057309"/>
-          </a:xfrm>
-        </p:grpSpPr>
-        <p:sp>
-          <p:nvSpPr>
-            <p:cNvPr id="62" name="文本框 61"/>
-            <p:cNvSpPr txBox="1"/>
-            <p:nvPr/>
-          </p:nvSpPr>
-          <p:spPr>
-            <a:xfrm>
-              <a:off x="344750" y="3286395"/>
-              <a:ext cx="3058837" cy="1438855"/>
-            </a:xfrm>
-            <a:prstGeom prst="rect">
-              <a:avLst/>
-            </a:prstGeom>
-            <a:noFill/>
-          </p:spPr>
-          <p:txBody>
-            <a:bodyPr wrap="square" rtlCol="0">
-              <a:spAutoFit/>
-            </a:bodyPr>
-            <a:lstStyle/>
-            <a:p>
-              <a:pPr>
-                <a:lnSpc>
-                  <a:spcPts val="1500"/>
-                </a:lnSpc>
-              </a:pPr>
-              <a:r>
-                <a:rPr lang="zh-CN" altLang="en-US" sz="1000" b="1" dirty="0">
-                  <a:latin typeface="微软雅黑" panose="020B0503020204020204" pitchFamily="34" charset="-122"/>
-                  <a:ea typeface="微软雅黑" panose="020B0503020204020204" pitchFamily="34" charset="-122"/>
-                </a:rPr>
-                <a:t>蚂蚁消金</a:t>
-              </a:r>
-              <a:r>
-                <a:rPr lang="en-US" altLang="zh-CN" sz="1000" b="1" dirty="0">
-                  <a:latin typeface="微软雅黑" panose="020B0503020204020204" pitchFamily="34" charset="-122"/>
-                  <a:ea typeface="微软雅黑" panose="020B0503020204020204" pitchFamily="34" charset="-122"/>
-                </a:rPr>
-                <a:t>-</a:t>
-              </a:r>
-              <a:r>
-                <a:rPr lang="zh-CN" altLang="en-US" sz="1000" b="1" dirty="0">
-                  <a:latin typeface="微软雅黑" panose="020B0503020204020204" pitchFamily="34" charset="-122"/>
-                  <a:ea typeface="微软雅黑" panose="020B0503020204020204" pitchFamily="34" charset="-122"/>
-                </a:rPr>
-                <a:t>元互动科技组</a:t>
-              </a:r>
-              <a:endParaRPr lang="en-US" altLang="zh-CN" sz="1000" b="1" dirty="0">
-                <a:latin typeface="微软雅黑" panose="020B0503020204020204" pitchFamily="34" charset="-122"/>
-                <a:ea typeface="微软雅黑" panose="020B0503020204020204" pitchFamily="34" charset="-122"/>
-              </a:endParaRPr>
-            </a:p>
-            <a:p>
-              <a:pPr>
-                <a:lnSpc>
-                  <a:spcPts val="1500"/>
-                </a:lnSpc>
-              </a:pPr>
-              <a:r>
-                <a:rPr lang="zh-CN" altLang="en-US" sz="900" b="1" dirty="0">
-                  <a:latin typeface="微软雅黑" panose="020B0503020204020204" pitchFamily="34" charset="-122"/>
-                  <a:ea typeface="微软雅黑" panose="020B0503020204020204" pitchFamily="34" charset="-122"/>
-                </a:rPr>
-                <a:t>引擎特效工程师（</a:t>
-              </a:r>
-              <a:r>
-                <a:rPr lang="en-US" altLang="zh-CN" sz="900" b="1" dirty="0">
-                  <a:solidFill>
-                    <a:srgbClr val="6679DF"/>
-                  </a:solidFill>
-                  <a:latin typeface="微软雅黑" panose="020B0503020204020204" pitchFamily="34" charset="-122"/>
-                  <a:ea typeface="微软雅黑" panose="020B0503020204020204" pitchFamily="34" charset="-122"/>
-                </a:rPr>
-                <a:t>TypeScript</a:t>
-              </a:r>
-              <a:r>
-                <a:rPr lang="zh-CN" altLang="en-US" sz="900" b="1" dirty="0">
-                  <a:solidFill>
-                    <a:srgbClr val="6679DF"/>
-                  </a:solidFill>
-                  <a:latin typeface="微软雅黑" panose="020B0503020204020204" pitchFamily="34" charset="-122"/>
-                  <a:ea typeface="微软雅黑" panose="020B0503020204020204" pitchFamily="34" charset="-122"/>
-                </a:rPr>
-                <a:t> </a:t>
-              </a:r>
-              <a:r>
-                <a:rPr lang="en-US" altLang="zh-CN" sz="900" b="1" dirty="0">
-                  <a:solidFill>
-                    <a:srgbClr val="6679DF"/>
-                  </a:solidFill>
-                  <a:latin typeface="微软雅黑" panose="020B0503020204020204" pitchFamily="34" charset="-122"/>
-                  <a:ea typeface="微软雅黑" panose="020B0503020204020204" pitchFamily="34" charset="-122"/>
-                </a:rPr>
-                <a:t>+</a:t>
-              </a:r>
-              <a:r>
-                <a:rPr lang="zh-CN" altLang="en-US" sz="900" b="1" dirty="0">
-                  <a:solidFill>
-                    <a:srgbClr val="6679DF"/>
-                  </a:solidFill>
-                  <a:latin typeface="微软雅黑" panose="020B0503020204020204" pitchFamily="34" charset="-122"/>
-                  <a:ea typeface="微软雅黑" panose="020B0503020204020204" pitchFamily="34" charset="-122"/>
-                </a:rPr>
-                <a:t> </a:t>
-              </a:r>
-              <a:r>
-                <a:rPr lang="en-US" altLang="zh-CN" sz="900" b="1" dirty="0">
-                  <a:solidFill>
-                    <a:srgbClr val="6679DF"/>
-                  </a:solidFill>
-                  <a:latin typeface="微软雅黑" panose="020B0503020204020204" pitchFamily="34" charset="-122"/>
-                  <a:ea typeface="微软雅黑" panose="020B0503020204020204" pitchFamily="34" charset="-122"/>
-                </a:rPr>
-                <a:t>GLSL </a:t>
-              </a:r>
-              <a:r>
-                <a:rPr lang="zh-CN" altLang="en-US" sz="900" b="1" dirty="0">
-                  <a:latin typeface="微软雅黑" panose="020B0503020204020204" pitchFamily="34" charset="-122"/>
-                  <a:ea typeface="微软雅黑" panose="020B0503020204020204" pitchFamily="34" charset="-122"/>
-                </a:rPr>
-                <a:t>）</a:t>
-              </a:r>
-              <a:endParaRPr lang="en-US" altLang="zh-CN" sz="900" dirty="0">
-                <a:latin typeface="微软雅黑" panose="020B0503020204020204" pitchFamily="34" charset="-122"/>
-                <a:ea typeface="微软雅黑" panose="020B0503020204020204" pitchFamily="34" charset="-122"/>
-              </a:endParaRPr>
-            </a:p>
-            <a:p>
-              <a:pPr>
-                <a:lnSpc>
-                  <a:spcPts val="1500"/>
-                </a:lnSpc>
-              </a:pPr>
-              <a:r>
-                <a:rPr lang="zh-CN" altLang="en-US" sz="900" dirty="0">
-                  <a:latin typeface="微软雅黑" panose="020B0503020204020204" pitchFamily="34" charset="-122"/>
-                  <a:ea typeface="微软雅黑" panose="020B0503020204020204" pitchFamily="34" charset="-122"/>
-                </a:rPr>
-                <a:t>    拆解</a:t>
-              </a:r>
-              <a:r>
-                <a:rPr lang="zh-CN" altLang="en-US" sz="900" b="1" dirty="0">
-                  <a:latin typeface="微软雅黑" panose="020B0503020204020204" pitchFamily="34" charset="-122"/>
-                  <a:ea typeface="微软雅黑" panose="020B0503020204020204" pitchFamily="34" charset="-122"/>
-                </a:rPr>
-                <a:t>拖尾</a:t>
-              </a:r>
-              <a:r>
-                <a:rPr lang="zh-CN" altLang="en-US" sz="900" dirty="0">
-                  <a:latin typeface="微软雅黑" panose="020B0503020204020204" pitchFamily="34" charset="-122"/>
-                  <a:ea typeface="微软雅黑" panose="020B0503020204020204" pitchFamily="34" charset="-122"/>
-                </a:rPr>
-                <a:t>及</a:t>
-              </a:r>
-              <a:r>
-                <a:rPr lang="zh-CN" altLang="en-US" sz="900" b="1" dirty="0">
-                  <a:latin typeface="微软雅黑" panose="020B0503020204020204" pitchFamily="34" charset="-122"/>
-                  <a:ea typeface="微软雅黑" panose="020B0503020204020204" pitchFamily="34" charset="-122"/>
-                </a:rPr>
-                <a:t>粒子</a:t>
-              </a:r>
-              <a:r>
-                <a:rPr lang="zh-CN" altLang="en-US" sz="900" dirty="0">
-                  <a:latin typeface="微软雅黑" panose="020B0503020204020204" pitchFamily="34" charset="-122"/>
-                  <a:ea typeface="微软雅黑" panose="020B0503020204020204" pitchFamily="34" charset="-122"/>
-                </a:rPr>
-                <a:t>动效案例，基于 </a:t>
-              </a:r>
-              <a:r>
-                <a:rPr lang="en-US" altLang="zh-CN" sz="900" b="1" dirty="0">
-                  <a:latin typeface="微软雅黑" panose="020B0503020204020204" pitchFamily="34" charset="-122"/>
-                  <a:ea typeface="微软雅黑" panose="020B0503020204020204" pitchFamily="34" charset="-122"/>
-                </a:rPr>
-                <a:t>WebGL</a:t>
-              </a:r>
-              <a:r>
-                <a:rPr lang="zh-CN" altLang="en-US" sz="900" dirty="0">
-                  <a:latin typeface="微软雅黑" panose="020B0503020204020204" pitchFamily="34" charset="-122"/>
-                  <a:ea typeface="微软雅黑" panose="020B0503020204020204" pitchFamily="34" charset="-122"/>
-                </a:rPr>
-                <a:t> 实现：</a:t>
-              </a:r>
-              <a:endParaRPr lang="en-US" altLang="zh-CN" sz="900" dirty="0">
-                <a:latin typeface="微软雅黑" panose="020B0503020204020204" pitchFamily="34" charset="-122"/>
-                <a:ea typeface="微软雅黑" panose="020B0503020204020204" pitchFamily="34" charset="-122"/>
-              </a:endParaRPr>
-            </a:p>
-            <a:p>
-              <a:pPr>
-                <a:lnSpc>
-                  <a:spcPts val="1500"/>
-                </a:lnSpc>
-              </a:pPr>
-              <a:r>
-                <a:rPr lang="zh-CN" altLang="en-US" sz="900" dirty="0">
-                  <a:latin typeface="微软雅黑" panose="020B0503020204020204" pitchFamily="34" charset="-122"/>
-                  <a:ea typeface="微软雅黑" panose="020B0503020204020204" pitchFamily="34" charset="-122"/>
-                </a:rPr>
-                <a:t>    </a:t>
-              </a:r>
-              <a:r>
-                <a:rPr lang="as-IN" altLang="zh-CN" sz="1200" dirty="0">
-                  <a:effectLst/>
-                  <a:latin typeface="Vrinda" panose="020B0502040204020203" pitchFamily="34" charset="0"/>
-                </a:rPr>
-                <a:t>৹</a:t>
-              </a:r>
-              <a:r>
-                <a:rPr lang="zh-CN" altLang="en-US" sz="900" dirty="0">
-                  <a:latin typeface="微软雅黑" panose="020B0503020204020204" pitchFamily="34" charset="-122"/>
-                  <a:ea typeface="微软雅黑" panose="020B0503020204020204" pitchFamily="34" charset="-122"/>
-                </a:rPr>
-                <a:t> 参与五福业务动效支持，实现并归纳动效方案；</a:t>
-              </a:r>
-              <a:endParaRPr lang="en-US" altLang="zh-CN" sz="900" dirty="0">
-                <a:latin typeface="微软雅黑" panose="020B0503020204020204" pitchFamily="34" charset="-122"/>
-                <a:ea typeface="微软雅黑" panose="020B0503020204020204" pitchFamily="34" charset="-122"/>
-              </a:endParaRPr>
-            </a:p>
-            <a:p>
-              <a:pPr>
-                <a:lnSpc>
-                  <a:spcPts val="1500"/>
-                </a:lnSpc>
-              </a:pPr>
-              <a:r>
-                <a:rPr lang="zh-CN" altLang="en-US" sz="900" dirty="0">
-                  <a:latin typeface="微软雅黑" panose="020B0503020204020204" pitchFamily="34" charset="-122"/>
-                  <a:ea typeface="微软雅黑" panose="020B0503020204020204" pitchFamily="34" charset="-122"/>
-                </a:rPr>
-                <a:t>    </a:t>
-              </a:r>
-              <a:r>
-                <a:rPr lang="as-IN" altLang="zh-CN" sz="1200" dirty="0">
-                  <a:effectLst/>
-                  <a:latin typeface="Vrinda" panose="020B0502040204020203" pitchFamily="34" charset="0"/>
-                </a:rPr>
-                <a:t>৹</a:t>
-              </a:r>
-              <a:r>
-                <a:rPr lang="zh-CN" altLang="en-US" sz="900" dirty="0">
-                  <a:latin typeface="微软雅黑" panose="020B0503020204020204" pitchFamily="34" charset="-122"/>
-                  <a:ea typeface="微软雅黑" panose="020B0503020204020204" pitchFamily="34" charset="-122"/>
-                </a:rPr>
-                <a:t> 调研 </a:t>
-              </a:r>
-              <a:r>
-                <a:rPr lang="en-US" altLang="zh-CN" sz="900" b="1" dirty="0">
-                  <a:latin typeface="微软雅黑" panose="020B0503020204020204" pitchFamily="34" charset="-122"/>
-                  <a:ea typeface="微软雅黑" panose="020B0503020204020204" pitchFamily="34" charset="-122"/>
-                </a:rPr>
-                <a:t>Unity</a:t>
-              </a:r>
-              <a:r>
-                <a:rPr lang="zh-CN" altLang="en-US" sz="900" dirty="0">
-                  <a:latin typeface="微软雅黑" panose="020B0503020204020204" pitchFamily="34" charset="-122"/>
-                  <a:ea typeface="微软雅黑" panose="020B0503020204020204" pitchFamily="34" charset="-122"/>
-                </a:rPr>
-                <a:t> 等引擎实现，新增引擎拖尾基础组件；</a:t>
-              </a:r>
-              <a:endParaRPr lang="en-US" altLang="zh-CN" sz="900" dirty="0">
-                <a:latin typeface="微软雅黑" panose="020B0503020204020204" pitchFamily="34" charset="-122"/>
-                <a:ea typeface="微软雅黑" panose="020B0503020204020204" pitchFamily="34" charset="-122"/>
-              </a:endParaRPr>
-            </a:p>
-            <a:p>
-              <a:pPr>
-                <a:lnSpc>
-                  <a:spcPts val="1500"/>
-                </a:lnSpc>
-              </a:pPr>
-              <a:r>
-                <a:rPr lang="zh-CN" altLang="en-US" sz="900" dirty="0">
-                  <a:latin typeface="微软雅黑" panose="020B0503020204020204" pitchFamily="34" charset="-122"/>
-                  <a:ea typeface="微软雅黑" panose="020B0503020204020204" pitchFamily="34" charset="-122"/>
-                </a:rPr>
-                <a:t>    拓展编辑器的能力：</a:t>
-              </a:r>
-              <a:endParaRPr lang="en-US" altLang="zh-CN" sz="900" dirty="0">
-                <a:latin typeface="微软雅黑" panose="020B0503020204020204" pitchFamily="34" charset="-122"/>
-                <a:ea typeface="微软雅黑" panose="020B0503020204020204" pitchFamily="34" charset="-122"/>
-              </a:endParaRPr>
-            </a:p>
-            <a:p>
-              <a:pPr>
-                <a:lnSpc>
-                  <a:spcPts val="1500"/>
-                </a:lnSpc>
-              </a:pPr>
-              <a:r>
-                <a:rPr lang="zh-CN" altLang="en-US" sz="900" dirty="0">
-                  <a:latin typeface="微软雅黑" panose="020B0503020204020204" pitchFamily="34" charset="-122"/>
-                  <a:ea typeface="微软雅黑" panose="020B0503020204020204" pitchFamily="34" charset="-122"/>
-                </a:rPr>
-                <a:t>    </a:t>
-              </a:r>
-              <a:r>
-                <a:rPr lang="as-IN" altLang="zh-CN" sz="1200" dirty="0">
-                  <a:effectLst/>
-                  <a:latin typeface="Vrinda" panose="020B0502040204020203" pitchFamily="34" charset="0"/>
-                </a:rPr>
-                <a:t>৹</a:t>
-              </a:r>
-              <a:r>
-                <a:rPr lang="zh-CN" altLang="en-US" sz="900" dirty="0">
-                  <a:latin typeface="微软雅黑" panose="020B0503020204020204" pitchFamily="34" charset="-122"/>
-                  <a:ea typeface="微软雅黑" panose="020B0503020204020204" pitchFamily="34" charset="-122"/>
-                </a:rPr>
-                <a:t> 接入文字、拖尾组件，研发动效曲线编辑面板；</a:t>
-              </a:r>
-              <a:endParaRPr lang="en-US" altLang="zh-CN" sz="900" dirty="0">
-                <a:latin typeface="微软雅黑" panose="020B0503020204020204" pitchFamily="34" charset="-122"/>
-                <a:ea typeface="微软雅黑" panose="020B0503020204020204" pitchFamily="34" charset="-122"/>
-              </a:endParaRPr>
-            </a:p>
-          </p:txBody>
-        </p:sp>
-        <p:sp>
-          <p:nvSpPr>
-            <p:cNvPr id="101" name="椭圆 100"/>
-            <p:cNvSpPr/>
-            <p:nvPr/>
-          </p:nvSpPr>
-          <p:spPr>
-            <a:xfrm flipH="1">
-              <a:off x="296244" y="3385256"/>
-              <a:ext cx="84636" cy="84636"/>
-            </a:xfrm>
-            <a:prstGeom prst="ellipse">
-              <a:avLst/>
-            </a:prstGeom>
-            <a:solidFill>
-              <a:schemeClr val="tx1"/>
-            </a:solidFill>
-            <a:ln w="15875">
-              <a:solidFill>
-                <a:schemeClr val="bg1"/>
-              </a:solidFill>
-            </a:ln>
-          </p:spPr>
-          <p:style>
-            <a:lnRef idx="2">
-              <a:schemeClr val="accent1">
-                <a:shade val="50000"/>
-              </a:schemeClr>
-            </a:lnRef>
-            <a:fillRef idx="1">
-              <a:schemeClr val="accent1"/>
-            </a:fillRef>
-            <a:effectRef idx="0">
-              <a:schemeClr val="accent1"/>
-            </a:effectRef>
-            <a:fontRef idx="minor">
-              <a:schemeClr val="lt1"/>
-            </a:fontRef>
-          </p:style>
-          <p:txBody>
-            <a:bodyPr rtlCol="0" anchor="ctr"/>
-            <a:lstStyle/>
-            <a:p>
-              <a:pPr algn="ctr"/>
-              <a:endParaRPr lang="zh-CN" altLang="en-US"/>
-            </a:p>
-          </p:txBody>
-        </p:sp>
-        <p:sp>
-          <p:nvSpPr>
-            <p:cNvPr id="102" name="矩形 101"/>
-            <p:cNvSpPr/>
-            <p:nvPr/>
-          </p:nvSpPr>
-          <p:spPr>
-            <a:xfrm>
-              <a:off x="349172" y="3108223"/>
-              <a:ext cx="981359" cy="254429"/>
-            </a:xfrm>
-            <a:prstGeom prst="rect">
-              <a:avLst/>
-            </a:prstGeom>
-          </p:spPr>
-          <p:txBody>
-            <a:bodyPr wrap="none">
-              <a:spAutoFit/>
-            </a:bodyPr>
-            <a:lstStyle/>
-            <a:p>
-              <a:pPr lvl="0">
-                <a:lnSpc>
-                  <a:spcPts val="1400"/>
-                </a:lnSpc>
-              </a:pPr>
-              <a:r>
-                <a:rPr lang="en-US" altLang="zh-CN" sz="900" dirty="0">
-                  <a:latin typeface="微软雅黑" panose="020B0503020204020204" pitchFamily="34" charset="-122"/>
-                  <a:ea typeface="微软雅黑" panose="020B0503020204020204" pitchFamily="34" charset="-122"/>
-                </a:rPr>
-                <a:t>2022.05 </a:t>
-              </a:r>
-              <a:r>
-                <a:rPr lang="mr-IN" altLang="zh-CN" sz="900" dirty="0">
-                  <a:latin typeface="微软雅黑" panose="020B0503020204020204" pitchFamily="34" charset="-122"/>
-                  <a:ea typeface="微软雅黑" panose="020B0503020204020204" pitchFamily="34" charset="-122"/>
-                </a:rPr>
-                <a:t>–</a:t>
-              </a:r>
-              <a:r>
-                <a:rPr lang="en-US" altLang="zh-CN" sz="900" dirty="0">
-                  <a:latin typeface="微软雅黑" panose="020B0503020204020204" pitchFamily="34" charset="-122"/>
-                  <a:ea typeface="微软雅黑" panose="020B0503020204020204" pitchFamily="34" charset="-122"/>
-                </a:rPr>
-                <a:t> now</a:t>
-              </a:r>
-            </a:p>
-          </p:txBody>
-        </p:sp>
-        <p:sp>
-          <p:nvSpPr>
-            <p:cNvPr id="103" name="矩形 102"/>
-            <p:cNvSpPr/>
-            <p:nvPr/>
-          </p:nvSpPr>
-          <p:spPr>
-            <a:xfrm>
-              <a:off x="349172" y="2838042"/>
-              <a:ext cx="1454244" cy="316305"/>
-            </a:xfrm>
-            <a:prstGeom prst="rect">
-              <a:avLst/>
-            </a:prstGeom>
-          </p:spPr>
-          <p:txBody>
-            <a:bodyPr wrap="none">
-              <a:spAutoFit/>
-            </a:bodyPr>
-            <a:lstStyle/>
-            <a:p>
-              <a:pPr lvl="0">
-                <a:lnSpc>
-                  <a:spcPct val="150000"/>
-                </a:lnSpc>
-              </a:pPr>
-              <a:r>
-                <a:rPr lang="zh-CN" altLang="en-US" sz="1100" b="1" dirty="0">
-                  <a:latin typeface="微软雅黑" panose="020B0503020204020204" pitchFamily="34" charset="-122"/>
-                  <a:ea typeface="微软雅黑" panose="020B0503020204020204" pitchFamily="34" charset="-122"/>
-                </a:rPr>
-                <a:t>阿里巴巴及蚂蚁集团</a:t>
-              </a:r>
-              <a:endParaRPr lang="en-US" altLang="zh-CN" sz="1100" b="1" dirty="0">
-                <a:latin typeface="微软雅黑" panose="020B0503020204020204" pitchFamily="34" charset="-122"/>
-                <a:ea typeface="微软雅黑" panose="020B0503020204020204" pitchFamily="34" charset="-122"/>
-              </a:endParaRPr>
-            </a:p>
-          </p:txBody>
-        </p:sp>
-        <p:sp>
-          <p:nvSpPr>
-            <p:cNvPr id="2" name="文本框 1">
-              <a:extLst>
-                <a:ext uri="{FF2B5EF4-FFF2-40B4-BE49-F238E27FC236}">
-                  <a16:creationId xmlns:a16="http://schemas.microsoft.com/office/drawing/2014/main" id="{C8EF5F9F-9BAE-5A52-B921-0A82DF8B02A7}"/>
-                </a:ext>
-              </a:extLst>
-            </p:cNvPr>
-            <p:cNvSpPr txBox="1"/>
-            <p:nvPr/>
-          </p:nvSpPr>
-          <p:spPr>
-            <a:xfrm>
-              <a:off x="347022" y="4841216"/>
-              <a:ext cx="3112708" cy="1054135"/>
-            </a:xfrm>
-            <a:prstGeom prst="rect">
-              <a:avLst/>
-            </a:prstGeom>
-            <a:noFill/>
-          </p:spPr>
-          <p:txBody>
-            <a:bodyPr wrap="square" rtlCol="0">
-              <a:spAutoFit/>
-            </a:bodyPr>
-            <a:lstStyle/>
-            <a:p>
-              <a:pPr>
-                <a:lnSpc>
-                  <a:spcPts val="1500"/>
-                </a:lnSpc>
-              </a:pPr>
-              <a:r>
-                <a:rPr lang="en-US" altLang="zh-CN" sz="1000" b="1" dirty="0">
-                  <a:latin typeface="微软雅黑" panose="020B0503020204020204" pitchFamily="34" charset="-122"/>
-                  <a:ea typeface="微软雅黑" panose="020B0503020204020204" pitchFamily="34" charset="-122"/>
-                </a:rPr>
-                <a:t>UC-</a:t>
-              </a:r>
-              <a:r>
-                <a:rPr lang="zh-CN" altLang="en-US" sz="1000" b="1" dirty="0">
-                  <a:latin typeface="微软雅黑" panose="020B0503020204020204" pitchFamily="34" charset="-122"/>
-                  <a:ea typeface="微软雅黑" panose="020B0503020204020204" pitchFamily="34" charset="-122"/>
-                </a:rPr>
-                <a:t>信息流移动端</a:t>
-              </a:r>
-              <a:endParaRPr lang="en-US" altLang="zh-CN" sz="1000" b="1" dirty="0">
-                <a:latin typeface="微软雅黑" panose="020B0503020204020204" pitchFamily="34" charset="-122"/>
-                <a:ea typeface="微软雅黑" panose="020B0503020204020204" pitchFamily="34" charset="-122"/>
-              </a:endParaRPr>
-            </a:p>
-            <a:p>
-              <a:pPr>
-                <a:lnSpc>
-                  <a:spcPts val="1500"/>
-                </a:lnSpc>
-              </a:pPr>
-              <a:r>
-                <a:rPr lang="en-US" altLang="zh-CN" sz="900" b="1" dirty="0">
-                  <a:latin typeface="微软雅黑" panose="020B0503020204020204" pitchFamily="34" charset="-122"/>
-                  <a:ea typeface="微软雅黑" panose="020B0503020204020204" pitchFamily="34" charset="-122"/>
-                </a:rPr>
-                <a:t>iOS</a:t>
-              </a:r>
-              <a:r>
-                <a:rPr lang="zh-CN" altLang="en-US" sz="900" b="1" dirty="0">
-                  <a:latin typeface="微软雅黑" panose="020B0503020204020204" pitchFamily="34" charset="-122"/>
-                  <a:ea typeface="微软雅黑" panose="020B0503020204020204" pitchFamily="34" charset="-122"/>
-                </a:rPr>
-                <a:t> 工程师（</a:t>
-              </a:r>
-              <a:r>
-                <a:rPr lang="en-US" altLang="zh-CN" sz="900" b="1" dirty="0">
-                  <a:solidFill>
-                    <a:srgbClr val="6679DF"/>
-                  </a:solidFill>
-                  <a:latin typeface="微软雅黑" panose="020B0503020204020204" pitchFamily="34" charset="-122"/>
-                  <a:ea typeface="微软雅黑" panose="020B0503020204020204" pitchFamily="34" charset="-122"/>
-                </a:rPr>
-                <a:t>Objective-C</a:t>
-              </a:r>
-              <a:r>
-                <a:rPr lang="zh-CN" altLang="en-US" sz="900" b="1" dirty="0">
-                  <a:latin typeface="微软雅黑" panose="020B0503020204020204" pitchFamily="34" charset="-122"/>
-                  <a:ea typeface="微软雅黑" panose="020B0503020204020204" pitchFamily="34" charset="-122"/>
-                </a:rPr>
-                <a:t>）</a:t>
-              </a:r>
-              <a:endParaRPr lang="en-US" altLang="zh-CN" sz="900" b="1" dirty="0">
-                <a:latin typeface="微软雅黑" panose="020B0503020204020204" pitchFamily="34" charset="-122"/>
-                <a:ea typeface="微软雅黑" panose="020B0503020204020204" pitchFamily="34" charset="-122"/>
-              </a:endParaRPr>
-            </a:p>
-            <a:p>
-              <a:pPr>
-                <a:lnSpc>
-                  <a:spcPts val="1500"/>
-                </a:lnSpc>
-              </a:pPr>
-              <a:r>
-                <a:rPr lang="zh-CN" altLang="en-US" sz="900" dirty="0">
-                  <a:latin typeface="微软雅黑" panose="020B0503020204020204" pitchFamily="34" charset="-122"/>
-                  <a:ea typeface="微软雅黑" panose="020B0503020204020204" pitchFamily="34" charset="-122"/>
-                </a:rPr>
-                <a:t>    参与 </a:t>
-              </a:r>
-              <a:r>
-                <a:rPr lang="en-US" altLang="zh-CN" sz="900" dirty="0">
-                  <a:latin typeface="微软雅黑" panose="020B0503020204020204" pitchFamily="34" charset="-122"/>
-                  <a:ea typeface="微软雅黑" panose="020B0503020204020204" pitchFamily="34" charset="-122"/>
-                </a:rPr>
-                <a:t>UC</a:t>
-              </a:r>
-              <a:r>
-                <a:rPr lang="zh-CN" altLang="en-US" sz="900" dirty="0">
-                  <a:latin typeface="微软雅黑" panose="020B0503020204020204" pitchFamily="34" charset="-122"/>
-                  <a:ea typeface="微软雅黑" panose="020B0503020204020204" pitchFamily="34" charset="-122"/>
-                </a:rPr>
-                <a:t> 信息流及小说阅读器等业务迭代：</a:t>
-              </a:r>
-            </a:p>
-            <a:p>
-              <a:pPr>
-                <a:lnSpc>
-                  <a:spcPts val="1500"/>
-                </a:lnSpc>
-              </a:pPr>
-              <a:r>
-                <a:rPr lang="zh-CN" altLang="en-US" sz="900" dirty="0">
-                  <a:latin typeface="微软雅黑" panose="020B0503020204020204" pitchFamily="34" charset="-122"/>
-                  <a:ea typeface="微软雅黑" panose="020B0503020204020204" pitchFamily="34" charset="-122"/>
-                </a:rPr>
-                <a:t>    </a:t>
-              </a:r>
-              <a:r>
-                <a:rPr lang="as-IN" altLang="zh-CN" sz="1200" dirty="0">
-                  <a:effectLst/>
-                  <a:latin typeface="Vrinda" panose="020B0502040204020203" pitchFamily="34" charset="0"/>
-                </a:rPr>
-                <a:t>৹</a:t>
-              </a:r>
-              <a:r>
-                <a:rPr lang="zh-CN" altLang="en-US" sz="900" dirty="0">
-                  <a:latin typeface="微软雅黑" panose="020B0503020204020204" pitchFamily="34" charset="-122"/>
-                  <a:ea typeface="微软雅黑" panose="020B0503020204020204" pitchFamily="34" charset="-122"/>
-                </a:rPr>
-                <a:t> 阅读 </a:t>
-              </a:r>
-              <a:r>
-                <a:rPr lang="en-US" altLang="zh-CN" sz="900" dirty="0">
-                  <a:latin typeface="微软雅黑" panose="020B0503020204020204" pitchFamily="34" charset="-122"/>
-                  <a:ea typeface="微软雅黑" panose="020B0503020204020204" pitchFamily="34" charset="-122"/>
-                </a:rPr>
-                <a:t>UC</a:t>
-              </a:r>
-              <a:r>
-                <a:rPr lang="zh-CN" altLang="en-US" sz="900" dirty="0">
-                  <a:latin typeface="微软雅黑" panose="020B0503020204020204" pitchFamily="34" charset="-122"/>
-                  <a:ea typeface="微软雅黑" panose="020B0503020204020204" pitchFamily="34" charset="-122"/>
-                </a:rPr>
-                <a:t> 小说存量代码，归纳产出概览文档；</a:t>
-              </a:r>
-              <a:endParaRPr lang="en-US" altLang="zh-CN" sz="900" dirty="0">
-                <a:latin typeface="微软雅黑" panose="020B0503020204020204" pitchFamily="34" charset="-122"/>
-                <a:ea typeface="微软雅黑" panose="020B0503020204020204" pitchFamily="34" charset="-122"/>
-              </a:endParaRPr>
-            </a:p>
-            <a:p>
-              <a:pPr>
-                <a:lnSpc>
-                  <a:spcPts val="1500"/>
-                </a:lnSpc>
-              </a:pPr>
-              <a:r>
-                <a:rPr lang="zh-CN" altLang="en-US" sz="900" dirty="0">
-                  <a:latin typeface="微软雅黑" panose="020B0503020204020204" pitchFamily="34" charset="-122"/>
-                  <a:ea typeface="微软雅黑" panose="020B0503020204020204" pitchFamily="34" charset="-122"/>
-                </a:rPr>
-                <a:t>    </a:t>
-              </a:r>
-              <a:r>
-                <a:rPr lang="as-IN" altLang="zh-CN" sz="1200" dirty="0">
-                  <a:effectLst/>
-                  <a:latin typeface="Vrinda" panose="020B0502040204020203" pitchFamily="34" charset="0"/>
-                </a:rPr>
-                <a:t>৹</a:t>
-              </a:r>
-              <a:r>
-                <a:rPr lang="zh-CN" altLang="en-US" sz="900" dirty="0">
-                  <a:latin typeface="微软雅黑" panose="020B0503020204020204" pitchFamily="34" charset="-122"/>
-                  <a:ea typeface="微软雅黑" panose="020B0503020204020204" pitchFamily="34" charset="-122"/>
-                </a:rPr>
-                <a:t> 参与需求评审，按版本实现需求，沉淀公共组件； </a:t>
-              </a:r>
-              <a:endParaRPr lang="en-US" altLang="zh-CN" sz="900" dirty="0">
-                <a:latin typeface="微软雅黑" panose="020B0503020204020204" pitchFamily="34" charset="-122"/>
-                <a:ea typeface="微软雅黑" panose="020B0503020204020204" pitchFamily="34" charset="-122"/>
-              </a:endParaRPr>
-            </a:p>
-          </p:txBody>
-        </p:sp>
-        <p:sp>
-          <p:nvSpPr>
-            <p:cNvPr id="5" name="矩形 4">
-              <a:extLst>
-                <a:ext uri="{FF2B5EF4-FFF2-40B4-BE49-F238E27FC236}">
-                  <a16:creationId xmlns:a16="http://schemas.microsoft.com/office/drawing/2014/main" id="{44919217-1858-1949-BCB4-50A3F20AE561}"/>
-                </a:ext>
-              </a:extLst>
-            </p:cNvPr>
-            <p:cNvSpPr/>
-            <p:nvPr/>
-          </p:nvSpPr>
-          <p:spPr>
-            <a:xfrm>
-              <a:off x="342976" y="4666581"/>
-              <a:ext cx="1176925" cy="254429"/>
-            </a:xfrm>
-            <a:prstGeom prst="rect">
-              <a:avLst/>
-            </a:prstGeom>
-          </p:spPr>
-          <p:txBody>
-            <a:bodyPr wrap="none">
-              <a:spAutoFit/>
-            </a:bodyPr>
-            <a:lstStyle/>
-            <a:p>
-              <a:pPr lvl="0">
-                <a:lnSpc>
-                  <a:spcPts val="1400"/>
-                </a:lnSpc>
-              </a:pPr>
-              <a:r>
-                <a:rPr lang="en-US" altLang="zh-CN" sz="900" dirty="0">
-                  <a:latin typeface="微软雅黑" panose="020B0503020204020204" pitchFamily="34" charset="-122"/>
-                  <a:ea typeface="微软雅黑" panose="020B0503020204020204" pitchFamily="34" charset="-122"/>
-                </a:rPr>
-                <a:t>2021.04 </a:t>
-              </a:r>
-              <a:r>
-                <a:rPr lang="mr-IN" altLang="zh-CN" sz="900" dirty="0">
-                  <a:latin typeface="微软雅黑" panose="020B0503020204020204" pitchFamily="34" charset="-122"/>
-                  <a:ea typeface="微软雅黑" panose="020B0503020204020204" pitchFamily="34" charset="-122"/>
-                </a:rPr>
-                <a:t>–</a:t>
-              </a:r>
-              <a:r>
-                <a:rPr lang="en-US" altLang="zh-CN" sz="900" dirty="0">
-                  <a:latin typeface="微软雅黑" panose="020B0503020204020204" pitchFamily="34" charset="-122"/>
-                  <a:ea typeface="微软雅黑" panose="020B0503020204020204" pitchFamily="34" charset="-122"/>
-                </a:rPr>
-                <a:t> 2022.05</a:t>
-              </a:r>
-            </a:p>
-          </p:txBody>
-        </p:sp>
-        <p:sp>
-          <p:nvSpPr>
-            <p:cNvPr id="4" name="椭圆 3">
-              <a:extLst>
-                <a:ext uri="{FF2B5EF4-FFF2-40B4-BE49-F238E27FC236}">
-                  <a16:creationId xmlns:a16="http://schemas.microsoft.com/office/drawing/2014/main" id="{E91FD51B-9882-20E2-96A6-41CEA63A9466}"/>
-                </a:ext>
-              </a:extLst>
-            </p:cNvPr>
-            <p:cNvSpPr/>
-            <p:nvPr/>
-          </p:nvSpPr>
-          <p:spPr>
-            <a:xfrm flipH="1">
-              <a:off x="298515" y="4940077"/>
-              <a:ext cx="84636" cy="84636"/>
-            </a:xfrm>
-            <a:prstGeom prst="ellipse">
-              <a:avLst/>
-            </a:prstGeom>
-            <a:solidFill>
-              <a:schemeClr val="tx1"/>
-            </a:solidFill>
-            <a:ln w="15875">
-              <a:solidFill>
-                <a:schemeClr val="bg1"/>
-              </a:solidFill>
-            </a:ln>
-          </p:spPr>
-          <p:style>
-            <a:lnRef idx="2">
-              <a:schemeClr val="accent1">
-                <a:shade val="50000"/>
-              </a:schemeClr>
-            </a:lnRef>
-            <a:fillRef idx="1">
-              <a:schemeClr val="accent1"/>
-            </a:fillRef>
-            <a:effectRef idx="0">
-              <a:schemeClr val="accent1"/>
-            </a:effectRef>
-            <a:fontRef idx="minor">
-              <a:schemeClr val="lt1"/>
-            </a:fontRef>
-          </p:style>
-          <p:txBody>
-            <a:bodyPr rtlCol="0" anchor="ctr"/>
-            <a:lstStyle/>
-            <a:p>
-              <a:pPr algn="ctr"/>
-              <a:endParaRPr lang="zh-CN" altLang="en-US"/>
-            </a:p>
-          </p:txBody>
-        </p:sp>
       </p:grpSp>
       <p:grpSp>
         <p:nvGrpSpPr>
@@ -5549,7 +4741,7 @@
                 <a:rPr lang="zh-CN" altLang="en-US" sz="900" b="1">
                   <a:latin typeface="微软雅黑" panose="020B0503020204020204" pitchFamily="34" charset="-122"/>
                   <a:ea typeface="微软雅黑" panose="020B0503020204020204" pitchFamily="34" charset="-122"/>
-                  <a:hlinkClick r:id="rId8"/>
+                  <a:hlinkClick r:id="rId7"/>
                 </a:rPr>
                 <a:t>该样式 </a:t>
               </a:r>
@@ -6153,7 +5345,7 @@
                 <a:rPr lang="en-US" altLang="zh-CN" sz="1100" b="1" dirty="0">
                   <a:latin typeface="微软雅黑" panose="020B0503020204020204" pitchFamily="34" charset="-122"/>
                   <a:ea typeface="微软雅黑" panose="020B0503020204020204" pitchFamily="34" charset="-122"/>
-                  <a:hlinkClick r:id="rId9"/>
+                  <a:hlinkClick r:id="rId8"/>
                 </a:rPr>
                 <a:t>SVGA.io</a:t>
               </a:r>
@@ -6277,7 +5469,7 @@
                 <a:rPr lang="zh-CN" altLang="en-US" sz="900" b="1" dirty="0">
                   <a:latin typeface="微软雅黑" panose="020B0503020204020204" pitchFamily="34" charset="-122"/>
                   <a:ea typeface="微软雅黑" panose="020B0503020204020204" pitchFamily="34" charset="-122"/>
-                  <a:hlinkClick r:id="rId10"/>
+                  <a:hlinkClick r:id="rId9"/>
                 </a:rPr>
                 <a:t>开源跨端协议 </a:t>
               </a:r>
@@ -6321,7 +5513,7 @@
                 <a:rPr lang="en-US" altLang="zh-CN" sz="900" b="1" dirty="0">
                   <a:latin typeface="微软雅黑" panose="020B0503020204020204" pitchFamily="34" charset="-122"/>
                   <a:ea typeface="微软雅黑" panose="020B0503020204020204" pitchFamily="34" charset="-122"/>
-                  <a:hlinkClick r:id="rId11"/>
+                  <a:hlinkClick r:id="rId10"/>
                 </a:rPr>
                 <a:t>SVGA</a:t>
               </a:r>
@@ -6329,7 +5521,7 @@
                 <a:rPr lang="zh-CN" altLang="en-US" sz="900" b="1" dirty="0">
                   <a:latin typeface="微软雅黑" panose="020B0503020204020204" pitchFamily="34" charset="-122"/>
                   <a:ea typeface="微软雅黑" panose="020B0503020204020204" pitchFamily="34" charset="-122"/>
-                  <a:hlinkClick r:id="rId11"/>
+                  <a:hlinkClick r:id="rId10"/>
                 </a:rPr>
                 <a:t> 动效格式调研</a:t>
               </a:r>
@@ -6482,6 +5674,43 @@
                 <a:rPr lang="en-US" altLang="zh-CN" sz="900" b="1" dirty="0">
                   <a:latin typeface="微软雅黑" panose="020B0503020204020204" pitchFamily="34" charset="-122"/>
                   <a:ea typeface="微软雅黑" panose="020B0503020204020204" pitchFamily="34" charset="-122"/>
+                  <a:hlinkClick r:id="rId11"/>
+                </a:rPr>
+                <a:t>SVGA </a:t>
+              </a:r>
+              <a:r>
+                <a:rPr lang="zh-CN" altLang="en-US" sz="900" b="1" dirty="0">
+                  <a:latin typeface="微软雅黑" panose="020B0503020204020204" pitchFamily="34" charset="-122"/>
+                  <a:ea typeface="微软雅黑" panose="020B0503020204020204" pitchFamily="34" charset="-122"/>
+                  <a:hlinkClick r:id="rId11"/>
+                </a:rPr>
+                <a:t>设计使用指南</a:t>
+              </a:r>
+              <a:r>
+                <a:rPr lang="zh-CN" altLang="en-US" sz="900" b="1" dirty="0">
+                  <a:latin typeface="微软雅黑" panose="020B0503020204020204" pitchFamily="34" charset="-122"/>
+                  <a:ea typeface="微软雅黑" panose="020B0503020204020204" pitchFamily="34" charset="-122"/>
+                </a:rPr>
+                <a:t> </a:t>
+              </a:r>
+              <a:r>
+                <a:rPr lang="en-US" altLang="zh-CN" sz="900" b="1" dirty="0">
+                  <a:latin typeface="微软雅黑" panose="020B0503020204020204" pitchFamily="34" charset="-122"/>
+                  <a:ea typeface="微软雅黑" panose="020B0503020204020204" pitchFamily="34" charset="-122"/>
+                </a:rPr>
+                <a:t>/</a:t>
+              </a:r>
+              <a:r>
+                <a:rPr lang="zh-CN" altLang="en-US" sz="900" b="1" dirty="0">
+                  <a:latin typeface="微软雅黑" panose="020B0503020204020204" pitchFamily="34" charset="-122"/>
+                  <a:ea typeface="微软雅黑" panose="020B0503020204020204" pitchFamily="34" charset="-122"/>
+                </a:rPr>
+                <a:t> </a:t>
+              </a:r>
+              <a:r>
+                <a:rPr lang="en-US" altLang="zh-CN" sz="900" b="1" dirty="0">
+                  <a:latin typeface="微软雅黑" panose="020B0503020204020204" pitchFamily="34" charset="-122"/>
+                  <a:ea typeface="微软雅黑" panose="020B0503020204020204" pitchFamily="34" charset="-122"/>
                   <a:hlinkClick r:id="rId12"/>
                 </a:rPr>
                 <a:t>SVGA </a:t>
@@ -6491,43 +5720,6 @@
                   <a:latin typeface="微软雅黑" panose="020B0503020204020204" pitchFamily="34" charset="-122"/>
                   <a:ea typeface="微软雅黑" panose="020B0503020204020204" pitchFamily="34" charset="-122"/>
                   <a:hlinkClick r:id="rId12"/>
-                </a:rPr>
-                <a:t>设计使用指南</a:t>
-              </a:r>
-              <a:r>
-                <a:rPr lang="zh-CN" altLang="en-US" sz="900" b="1" dirty="0">
-                  <a:latin typeface="微软雅黑" panose="020B0503020204020204" pitchFamily="34" charset="-122"/>
-                  <a:ea typeface="微软雅黑" panose="020B0503020204020204" pitchFamily="34" charset="-122"/>
-                </a:rPr>
-                <a:t> </a:t>
-              </a:r>
-              <a:r>
-                <a:rPr lang="en-US" altLang="zh-CN" sz="900" b="1" dirty="0">
-                  <a:latin typeface="微软雅黑" panose="020B0503020204020204" pitchFamily="34" charset="-122"/>
-                  <a:ea typeface="微软雅黑" panose="020B0503020204020204" pitchFamily="34" charset="-122"/>
-                </a:rPr>
-                <a:t>/</a:t>
-              </a:r>
-              <a:r>
-                <a:rPr lang="zh-CN" altLang="en-US" sz="900" b="1" dirty="0">
-                  <a:latin typeface="微软雅黑" panose="020B0503020204020204" pitchFamily="34" charset="-122"/>
-                  <a:ea typeface="微软雅黑" panose="020B0503020204020204" pitchFamily="34" charset="-122"/>
-                </a:rPr>
-                <a:t> </a:t>
-              </a:r>
-              <a:r>
-                <a:rPr lang="en-US" altLang="zh-CN" sz="900" b="1" dirty="0">
-                  <a:latin typeface="微软雅黑" panose="020B0503020204020204" pitchFamily="34" charset="-122"/>
-                  <a:ea typeface="微软雅黑" panose="020B0503020204020204" pitchFamily="34" charset="-122"/>
-                  <a:hlinkClick r:id="rId13"/>
-                </a:rPr>
-                <a:t>SVGA </a:t>
-              </a:r>
-              <a:r>
-                <a:rPr lang="zh-CN" altLang="en-US" sz="900" b="1" dirty="0">
-                  <a:latin typeface="微软雅黑" panose="020B0503020204020204" pitchFamily="34" charset="-122"/>
-                  <a:ea typeface="微软雅黑" panose="020B0503020204020204" pitchFamily="34" charset="-122"/>
-                  <a:hlinkClick r:id="rId13"/>
                 </a:rPr>
                 <a:t>开发使用指南</a:t>
               </a:r>
@@ -6677,7 +5869,7 @@
                 <a:rPr lang="en-US" altLang="zh-CN" sz="1100" b="1" dirty="0">
                   <a:latin typeface="微软雅黑" panose="020B0503020204020204" pitchFamily="34" charset="-122"/>
                   <a:ea typeface="微软雅黑" panose="020B0503020204020204" pitchFamily="34" charset="-122"/>
-                  <a:hlinkClick r:id="rId14"/>
+                  <a:hlinkClick r:id="rId13"/>
                 </a:rPr>
                 <a:t>FIMO.1903</a:t>
               </a:r>
@@ -7049,7 +6241,7 @@
           <p:nvPr/>
         </p:nvPicPr>
         <p:blipFill>
-          <a:blip r:embed="rId15">
+          <a:blip r:embed="rId14">
             <a:extLst>
               <a:ext uri="{28A0092B-C50C-407E-A947-70E740481C1C}">
                 <a14:useLocalDpi xmlns:a14="http://schemas.microsoft.com/office/drawing/2010/main" val="0"/>
@@ -7070,168 +6262,992 @@
           </a:prstGeom>
         </p:spPr>
       </p:pic>
-      <p:sp>
-        <p:nvSpPr>
-          <p:cNvPr id="54" name="椭圆 53">
+      <p:grpSp>
+        <p:nvGrpSpPr>
+          <p:cNvPr id="8" name="组合 7">
             <a:extLst>
               <a:ext uri="{FF2B5EF4-FFF2-40B4-BE49-F238E27FC236}">
-                <a16:creationId xmlns:a16="http://schemas.microsoft.com/office/drawing/2014/main" id="{976EEED2-0679-2EE1-5F98-323228E0FB8F}"/>
+                <a16:creationId xmlns:a16="http://schemas.microsoft.com/office/drawing/2014/main" id="{C9A532B6-0B9A-C8C7-1EDC-5A7D758DAE5B}"/>
               </a:ext>
             </a:extLst>
           </p:cNvPr>
-          <p:cNvSpPr/>
+          <p:cNvGrpSpPr/>
           <p:nvPr/>
-        </p:nvSpPr>
-        <p:spPr>
-          <a:xfrm flipH="1">
-            <a:off x="475249" y="5257106"/>
-            <a:ext cx="72269" cy="72269"/>
+        </p:nvGrpSpPr>
+        <p:grpSpPr>
+          <a:xfrm>
+            <a:off x="321645" y="2534675"/>
+            <a:ext cx="3163486" cy="3057309"/>
+            <a:chOff x="321645" y="2574431"/>
+            <a:chExt cx="3163486" cy="3057309"/>
           </a:xfrm>
-          <a:prstGeom prst="ellipse">
-            <a:avLst/>
-          </a:prstGeom>
-          <a:solidFill>
-            <a:schemeClr val="tx1"/>
-          </a:solidFill>
-          <a:ln w="15875">
+        </p:grpSpPr>
+        <p:grpSp>
+          <p:nvGrpSpPr>
+            <p:cNvPr id="13" name="组合 12">
+              <a:extLst>
+                <a:ext uri="{FF2B5EF4-FFF2-40B4-BE49-F238E27FC236}">
+                  <a16:creationId xmlns:a16="http://schemas.microsoft.com/office/drawing/2014/main" id="{33714C8C-FF2C-6068-FB28-F354CD45CC5C}"/>
+                </a:ext>
+              </a:extLst>
+            </p:cNvPr>
+            <p:cNvGrpSpPr/>
+            <p:nvPr/>
+          </p:nvGrpSpPr>
+          <p:grpSpPr>
+            <a:xfrm>
+              <a:off x="321645" y="2574431"/>
+              <a:ext cx="3163486" cy="3057309"/>
+              <a:chOff x="296244" y="2838042"/>
+              <a:chExt cx="3163486" cy="3057309"/>
+            </a:xfrm>
+          </p:grpSpPr>
+          <p:sp>
+            <p:nvSpPr>
+              <p:cNvPr id="62" name="文本框 61"/>
+              <p:cNvSpPr txBox="1"/>
+              <p:nvPr/>
+            </p:nvSpPr>
+            <p:spPr>
+              <a:xfrm>
+                <a:off x="344750" y="3286395"/>
+                <a:ext cx="3058837" cy="1438855"/>
+              </a:xfrm>
+              <a:prstGeom prst="rect">
+                <a:avLst/>
+              </a:prstGeom>
+              <a:noFill/>
+            </p:spPr>
+            <p:txBody>
+              <a:bodyPr wrap="square" rtlCol="0">
+                <a:spAutoFit/>
+              </a:bodyPr>
+              <a:lstStyle/>
+              <a:p>
+                <a:pPr>
+                  <a:lnSpc>
+                    <a:spcPts val="1500"/>
+                  </a:lnSpc>
+                </a:pPr>
+                <a:r>
+                  <a:rPr lang="zh-CN" altLang="en-US" sz="1000" b="1" dirty="0">
+                    <a:latin typeface="微软雅黑" panose="020B0503020204020204" pitchFamily="34" charset="-122"/>
+                    <a:ea typeface="微软雅黑" panose="020B0503020204020204" pitchFamily="34" charset="-122"/>
+                  </a:rPr>
+                  <a:t>蚂蚁消金</a:t>
+                </a:r>
+                <a:r>
+                  <a:rPr lang="en-US" altLang="zh-CN" sz="1000" b="1" dirty="0">
+                    <a:latin typeface="微软雅黑" panose="020B0503020204020204" pitchFamily="34" charset="-122"/>
+                    <a:ea typeface="微软雅黑" panose="020B0503020204020204" pitchFamily="34" charset="-122"/>
+                  </a:rPr>
+                  <a:t>-</a:t>
+                </a:r>
+                <a:r>
+                  <a:rPr lang="zh-CN" altLang="en-US" sz="1000" b="1" dirty="0">
+                    <a:latin typeface="微软雅黑" panose="020B0503020204020204" pitchFamily="34" charset="-122"/>
+                    <a:ea typeface="微软雅黑" panose="020B0503020204020204" pitchFamily="34" charset="-122"/>
+                  </a:rPr>
+                  <a:t>元互动科技组</a:t>
+                </a:r>
+                <a:endParaRPr lang="en-US" altLang="zh-CN" sz="1000" b="1" dirty="0">
+                  <a:latin typeface="微软雅黑" panose="020B0503020204020204" pitchFamily="34" charset="-122"/>
+                  <a:ea typeface="微软雅黑" panose="020B0503020204020204" pitchFamily="34" charset="-122"/>
+                </a:endParaRPr>
+              </a:p>
+              <a:p>
+                <a:pPr>
+                  <a:lnSpc>
+                    <a:spcPts val="1500"/>
+                  </a:lnSpc>
+                </a:pPr>
+                <a:r>
+                  <a:rPr lang="zh-CN" altLang="en-US" sz="900" b="1" dirty="0">
+                    <a:latin typeface="微软雅黑" panose="020B0503020204020204" pitchFamily="34" charset="-122"/>
+                    <a:ea typeface="微软雅黑" panose="020B0503020204020204" pitchFamily="34" charset="-122"/>
+                  </a:rPr>
+                  <a:t>引擎特效工程师（</a:t>
+                </a:r>
+                <a:r>
+                  <a:rPr lang="en-US" altLang="zh-CN" sz="900" b="1" dirty="0">
+                    <a:solidFill>
+                      <a:srgbClr val="6679DF"/>
+                    </a:solidFill>
+                    <a:latin typeface="微软雅黑" panose="020B0503020204020204" pitchFamily="34" charset="-122"/>
+                    <a:ea typeface="微软雅黑" panose="020B0503020204020204" pitchFamily="34" charset="-122"/>
+                  </a:rPr>
+                  <a:t>TypeScript</a:t>
+                </a:r>
+                <a:r>
+                  <a:rPr lang="zh-CN" altLang="en-US" sz="900" b="1" dirty="0">
+                    <a:solidFill>
+                      <a:srgbClr val="6679DF"/>
+                    </a:solidFill>
+                    <a:latin typeface="微软雅黑" panose="020B0503020204020204" pitchFamily="34" charset="-122"/>
+                    <a:ea typeface="微软雅黑" panose="020B0503020204020204" pitchFamily="34" charset="-122"/>
+                  </a:rPr>
+                  <a:t> </a:t>
+                </a:r>
+                <a:r>
+                  <a:rPr lang="en-US" altLang="zh-CN" sz="900" b="1" dirty="0">
+                    <a:solidFill>
+                      <a:srgbClr val="6679DF"/>
+                    </a:solidFill>
+                    <a:latin typeface="微软雅黑" panose="020B0503020204020204" pitchFamily="34" charset="-122"/>
+                    <a:ea typeface="微软雅黑" panose="020B0503020204020204" pitchFamily="34" charset="-122"/>
+                  </a:rPr>
+                  <a:t>+</a:t>
+                </a:r>
+                <a:r>
+                  <a:rPr lang="zh-CN" altLang="en-US" sz="900" b="1" dirty="0">
+                    <a:solidFill>
+                      <a:srgbClr val="6679DF"/>
+                    </a:solidFill>
+                    <a:latin typeface="微软雅黑" panose="020B0503020204020204" pitchFamily="34" charset="-122"/>
+                    <a:ea typeface="微软雅黑" panose="020B0503020204020204" pitchFamily="34" charset="-122"/>
+                  </a:rPr>
+                  <a:t> </a:t>
+                </a:r>
+                <a:r>
+                  <a:rPr lang="en-US" altLang="zh-CN" sz="900" b="1" dirty="0">
+                    <a:solidFill>
+                      <a:srgbClr val="6679DF"/>
+                    </a:solidFill>
+                    <a:latin typeface="微软雅黑" panose="020B0503020204020204" pitchFamily="34" charset="-122"/>
+                    <a:ea typeface="微软雅黑" panose="020B0503020204020204" pitchFamily="34" charset="-122"/>
+                  </a:rPr>
+                  <a:t>GLSL </a:t>
+                </a:r>
+                <a:r>
+                  <a:rPr lang="zh-CN" altLang="en-US" sz="900" b="1" dirty="0">
+                    <a:latin typeface="微软雅黑" panose="020B0503020204020204" pitchFamily="34" charset="-122"/>
+                    <a:ea typeface="微软雅黑" panose="020B0503020204020204" pitchFamily="34" charset="-122"/>
+                  </a:rPr>
+                  <a:t>）</a:t>
+                </a:r>
+                <a:endParaRPr lang="en-US" altLang="zh-CN" sz="900" dirty="0">
+                  <a:latin typeface="微软雅黑" panose="020B0503020204020204" pitchFamily="34" charset="-122"/>
+                  <a:ea typeface="微软雅黑" panose="020B0503020204020204" pitchFamily="34" charset="-122"/>
+                </a:endParaRPr>
+              </a:p>
+              <a:p>
+                <a:pPr>
+                  <a:lnSpc>
+                    <a:spcPts val="1500"/>
+                  </a:lnSpc>
+                </a:pPr>
+                <a:r>
+                  <a:rPr lang="zh-CN" altLang="en-US" sz="900" dirty="0">
+                    <a:latin typeface="微软雅黑" panose="020B0503020204020204" pitchFamily="34" charset="-122"/>
+                    <a:ea typeface="微软雅黑" panose="020B0503020204020204" pitchFamily="34" charset="-122"/>
+                  </a:rPr>
+                  <a:t>    拆解</a:t>
+                </a:r>
+                <a:r>
+                  <a:rPr lang="zh-CN" altLang="en-US" sz="900" b="1" dirty="0">
+                    <a:latin typeface="微软雅黑" panose="020B0503020204020204" pitchFamily="34" charset="-122"/>
+                    <a:ea typeface="微软雅黑" panose="020B0503020204020204" pitchFamily="34" charset="-122"/>
+                  </a:rPr>
+                  <a:t>拖尾</a:t>
+                </a:r>
+                <a:r>
+                  <a:rPr lang="zh-CN" altLang="en-US" sz="900" dirty="0">
+                    <a:latin typeface="微软雅黑" panose="020B0503020204020204" pitchFamily="34" charset="-122"/>
+                    <a:ea typeface="微软雅黑" panose="020B0503020204020204" pitchFamily="34" charset="-122"/>
+                  </a:rPr>
+                  <a:t>及</a:t>
+                </a:r>
+                <a:r>
+                  <a:rPr lang="zh-CN" altLang="en-US" sz="900" b="1" dirty="0">
+                    <a:latin typeface="微软雅黑" panose="020B0503020204020204" pitchFamily="34" charset="-122"/>
+                    <a:ea typeface="微软雅黑" panose="020B0503020204020204" pitchFamily="34" charset="-122"/>
+                  </a:rPr>
+                  <a:t>粒子</a:t>
+                </a:r>
+                <a:r>
+                  <a:rPr lang="zh-CN" altLang="en-US" sz="900" dirty="0">
+                    <a:latin typeface="微软雅黑" panose="020B0503020204020204" pitchFamily="34" charset="-122"/>
+                    <a:ea typeface="微软雅黑" panose="020B0503020204020204" pitchFamily="34" charset="-122"/>
+                  </a:rPr>
+                  <a:t>动效案例，基于 </a:t>
+                </a:r>
+                <a:r>
+                  <a:rPr lang="en-US" altLang="zh-CN" sz="900" b="1" dirty="0">
+                    <a:latin typeface="微软雅黑" panose="020B0503020204020204" pitchFamily="34" charset="-122"/>
+                    <a:ea typeface="微软雅黑" panose="020B0503020204020204" pitchFamily="34" charset="-122"/>
+                  </a:rPr>
+                  <a:t>WebGL</a:t>
+                </a:r>
+                <a:r>
+                  <a:rPr lang="zh-CN" altLang="en-US" sz="900" dirty="0">
+                    <a:latin typeface="微软雅黑" panose="020B0503020204020204" pitchFamily="34" charset="-122"/>
+                    <a:ea typeface="微软雅黑" panose="020B0503020204020204" pitchFamily="34" charset="-122"/>
+                  </a:rPr>
+                  <a:t> 实现：</a:t>
+                </a:r>
+                <a:endParaRPr lang="en-US" altLang="zh-CN" sz="900" dirty="0">
+                  <a:latin typeface="微软雅黑" panose="020B0503020204020204" pitchFamily="34" charset="-122"/>
+                  <a:ea typeface="微软雅黑" panose="020B0503020204020204" pitchFamily="34" charset="-122"/>
+                </a:endParaRPr>
+              </a:p>
+              <a:p>
+                <a:pPr>
+                  <a:lnSpc>
+                    <a:spcPts val="1500"/>
+                  </a:lnSpc>
+                </a:pPr>
+                <a:r>
+                  <a:rPr lang="zh-CN" altLang="en-US" sz="900" dirty="0">
+                    <a:latin typeface="微软雅黑" panose="020B0503020204020204" pitchFamily="34" charset="-122"/>
+                    <a:ea typeface="微软雅黑" panose="020B0503020204020204" pitchFamily="34" charset="-122"/>
+                  </a:rPr>
+                  <a:t>    </a:t>
+                </a:r>
+                <a:r>
+                  <a:rPr lang="as-IN" altLang="zh-CN" sz="1200" dirty="0">
+                    <a:effectLst/>
+                    <a:latin typeface="Vrinda" panose="020B0502040204020203" pitchFamily="34" charset="0"/>
+                  </a:rPr>
+                  <a:t>৹</a:t>
+                </a:r>
+                <a:r>
+                  <a:rPr lang="zh-CN" altLang="en-US" sz="900" dirty="0">
+                    <a:latin typeface="微软雅黑" panose="020B0503020204020204" pitchFamily="34" charset="-122"/>
+                    <a:ea typeface="微软雅黑" panose="020B0503020204020204" pitchFamily="34" charset="-122"/>
+                  </a:rPr>
+                  <a:t> 参与五福 </a:t>
+                </a:r>
+                <a:r>
+                  <a:rPr lang="en-US" altLang="zh-CN" sz="900" dirty="0">
+                    <a:latin typeface="微软雅黑" panose="020B0503020204020204" pitchFamily="34" charset="-122"/>
+                    <a:ea typeface="微软雅黑" panose="020B0503020204020204" pitchFamily="34" charset="-122"/>
+                  </a:rPr>
+                  <a:t>3D</a:t>
+                </a:r>
+                <a:r>
+                  <a:rPr lang="zh-CN" altLang="en-US" sz="900" dirty="0">
+                    <a:latin typeface="微软雅黑" panose="020B0503020204020204" pitchFamily="34" charset="-122"/>
+                    <a:ea typeface="微软雅黑" panose="020B0503020204020204" pitchFamily="34" charset="-122"/>
+                  </a:rPr>
+                  <a:t> 场景搭建，承接动效需求并优化性能；</a:t>
+                </a:r>
+                <a:endParaRPr lang="en-US" altLang="zh-CN" sz="900" dirty="0">
+                  <a:latin typeface="微软雅黑" panose="020B0503020204020204" pitchFamily="34" charset="-122"/>
+                  <a:ea typeface="微软雅黑" panose="020B0503020204020204" pitchFamily="34" charset="-122"/>
+                </a:endParaRPr>
+              </a:p>
+              <a:p>
+                <a:pPr>
+                  <a:lnSpc>
+                    <a:spcPts val="1500"/>
+                  </a:lnSpc>
+                </a:pPr>
+                <a:r>
+                  <a:rPr lang="zh-CN" altLang="en-US" sz="900" dirty="0">
+                    <a:latin typeface="微软雅黑" panose="020B0503020204020204" pitchFamily="34" charset="-122"/>
+                    <a:ea typeface="微软雅黑" panose="020B0503020204020204" pitchFamily="34" charset="-122"/>
+                  </a:rPr>
+                  <a:t>    </a:t>
+                </a:r>
+                <a:r>
+                  <a:rPr lang="as-IN" altLang="zh-CN" sz="1200" dirty="0">
+                    <a:effectLst/>
+                    <a:latin typeface="Vrinda" panose="020B0502040204020203" pitchFamily="34" charset="0"/>
+                  </a:rPr>
+                  <a:t>৹</a:t>
+                </a:r>
+                <a:r>
+                  <a:rPr lang="zh-CN" altLang="en-US" sz="900" dirty="0">
+                    <a:latin typeface="微软雅黑" panose="020B0503020204020204" pitchFamily="34" charset="-122"/>
+                    <a:ea typeface="微软雅黑" panose="020B0503020204020204" pitchFamily="34" charset="-122"/>
+                  </a:rPr>
+                  <a:t> 调研 </a:t>
+                </a:r>
+                <a:r>
+                  <a:rPr lang="en-US" altLang="zh-CN" sz="900" b="1" dirty="0">
+                    <a:latin typeface="微软雅黑" panose="020B0503020204020204" pitchFamily="34" charset="-122"/>
+                    <a:ea typeface="微软雅黑" panose="020B0503020204020204" pitchFamily="34" charset="-122"/>
+                  </a:rPr>
+                  <a:t>Unity</a:t>
+                </a:r>
+                <a:r>
+                  <a:rPr lang="zh-CN" altLang="en-US" sz="900" dirty="0">
+                    <a:latin typeface="微软雅黑" panose="020B0503020204020204" pitchFamily="34" charset="-122"/>
+                    <a:ea typeface="微软雅黑" panose="020B0503020204020204" pitchFamily="34" charset="-122"/>
+                  </a:rPr>
+                  <a:t> 等引擎实现，完善拖尾粒子动效组件；</a:t>
+                </a:r>
+                <a:endParaRPr lang="en-US" altLang="zh-CN" sz="900" dirty="0">
+                  <a:latin typeface="微软雅黑" panose="020B0503020204020204" pitchFamily="34" charset="-122"/>
+                  <a:ea typeface="微软雅黑" panose="020B0503020204020204" pitchFamily="34" charset="-122"/>
+                </a:endParaRPr>
+              </a:p>
+              <a:p>
+                <a:pPr>
+                  <a:lnSpc>
+                    <a:spcPts val="1500"/>
+                  </a:lnSpc>
+                </a:pPr>
+                <a:r>
+                  <a:rPr lang="zh-CN" altLang="en-US" sz="900" dirty="0">
+                    <a:latin typeface="微软雅黑" panose="020B0503020204020204" pitchFamily="34" charset="-122"/>
+                    <a:ea typeface="微软雅黑" panose="020B0503020204020204" pitchFamily="34" charset="-122"/>
+                  </a:rPr>
+                  <a:t>    拓展设计师编辑工具的能力：</a:t>
+                </a:r>
+                <a:endParaRPr lang="en-US" altLang="zh-CN" sz="900" dirty="0">
+                  <a:latin typeface="微软雅黑" panose="020B0503020204020204" pitchFamily="34" charset="-122"/>
+                  <a:ea typeface="微软雅黑" panose="020B0503020204020204" pitchFamily="34" charset="-122"/>
+                </a:endParaRPr>
+              </a:p>
+              <a:p>
+                <a:pPr>
+                  <a:lnSpc>
+                    <a:spcPts val="1500"/>
+                  </a:lnSpc>
+                </a:pPr>
+                <a:r>
+                  <a:rPr lang="zh-CN" altLang="en-US" sz="900" dirty="0">
+                    <a:latin typeface="微软雅黑" panose="020B0503020204020204" pitchFamily="34" charset="-122"/>
+                    <a:ea typeface="微软雅黑" panose="020B0503020204020204" pitchFamily="34" charset="-122"/>
+                  </a:rPr>
+                  <a:t>    </a:t>
+                </a:r>
+                <a:r>
+                  <a:rPr lang="as-IN" altLang="zh-CN" sz="1200" dirty="0">
+                    <a:effectLst/>
+                    <a:latin typeface="Vrinda" panose="020B0502040204020203" pitchFamily="34" charset="0"/>
+                  </a:rPr>
+                  <a:t>৹</a:t>
+                </a:r>
+                <a:r>
+                  <a:rPr lang="zh-CN" altLang="en-US" sz="900" dirty="0">
+                    <a:latin typeface="微软雅黑" panose="020B0503020204020204" pitchFamily="34" charset="-122"/>
+                    <a:ea typeface="微软雅黑" panose="020B0503020204020204" pitchFamily="34" charset="-122"/>
+                  </a:rPr>
+                  <a:t> 接入文字、拖尾组件，研发动效曲线编辑面板；</a:t>
+                </a:r>
+                <a:endParaRPr lang="en-US" altLang="zh-CN" sz="900" dirty="0">
+                  <a:latin typeface="微软雅黑" panose="020B0503020204020204" pitchFamily="34" charset="-122"/>
+                  <a:ea typeface="微软雅黑" panose="020B0503020204020204" pitchFamily="34" charset="-122"/>
+                </a:endParaRPr>
+              </a:p>
+            </p:txBody>
+          </p:sp>
+          <p:sp>
+            <p:nvSpPr>
+              <p:cNvPr id="101" name="椭圆 100"/>
+              <p:cNvSpPr/>
+              <p:nvPr/>
+            </p:nvSpPr>
+            <p:spPr>
+              <a:xfrm flipH="1">
+                <a:off x="296244" y="3385256"/>
+                <a:ext cx="84636" cy="84636"/>
+              </a:xfrm>
+              <a:prstGeom prst="ellipse">
+                <a:avLst/>
+              </a:prstGeom>
+              <a:solidFill>
+                <a:schemeClr val="tx1"/>
+              </a:solidFill>
+              <a:ln w="15875">
+                <a:solidFill>
+                  <a:schemeClr val="bg1"/>
+                </a:solidFill>
+              </a:ln>
+            </p:spPr>
+            <p:style>
+              <a:lnRef idx="2">
+                <a:schemeClr val="accent1">
+                  <a:shade val="50000"/>
+                </a:schemeClr>
+              </a:lnRef>
+              <a:fillRef idx="1">
+                <a:schemeClr val="accent1"/>
+              </a:fillRef>
+              <a:effectRef idx="0">
+                <a:schemeClr val="accent1"/>
+              </a:effectRef>
+              <a:fontRef idx="minor">
+                <a:schemeClr val="lt1"/>
+              </a:fontRef>
+            </p:style>
+            <p:txBody>
+              <a:bodyPr rtlCol="0" anchor="ctr"/>
+              <a:lstStyle/>
+              <a:p>
+                <a:pPr algn="ctr"/>
+                <a:endParaRPr lang="zh-CN" altLang="en-US"/>
+              </a:p>
+            </p:txBody>
+          </p:sp>
+          <p:sp>
+            <p:nvSpPr>
+              <p:cNvPr id="102" name="矩形 101"/>
+              <p:cNvSpPr/>
+              <p:nvPr/>
+            </p:nvSpPr>
+            <p:spPr>
+              <a:xfrm>
+                <a:off x="349172" y="3108223"/>
+                <a:ext cx="981359" cy="254429"/>
+              </a:xfrm>
+              <a:prstGeom prst="rect">
+                <a:avLst/>
+              </a:prstGeom>
+            </p:spPr>
+            <p:txBody>
+              <a:bodyPr wrap="none">
+                <a:spAutoFit/>
+              </a:bodyPr>
+              <a:lstStyle/>
+              <a:p>
+                <a:pPr lvl="0">
+                  <a:lnSpc>
+                    <a:spcPts val="1400"/>
+                  </a:lnSpc>
+                </a:pPr>
+                <a:r>
+                  <a:rPr lang="en-US" altLang="zh-CN" sz="900" dirty="0">
+                    <a:latin typeface="微软雅黑" panose="020B0503020204020204" pitchFamily="34" charset="-122"/>
+                    <a:ea typeface="微软雅黑" panose="020B0503020204020204" pitchFamily="34" charset="-122"/>
+                  </a:rPr>
+                  <a:t>2022.05 </a:t>
+                </a:r>
+                <a:r>
+                  <a:rPr lang="mr-IN" altLang="zh-CN" sz="900" dirty="0">
+                    <a:latin typeface="微软雅黑" panose="020B0503020204020204" pitchFamily="34" charset="-122"/>
+                    <a:ea typeface="微软雅黑" panose="020B0503020204020204" pitchFamily="34" charset="-122"/>
+                  </a:rPr>
+                  <a:t>–</a:t>
+                </a:r>
+                <a:r>
+                  <a:rPr lang="en-US" altLang="zh-CN" sz="900" dirty="0">
+                    <a:latin typeface="微软雅黑" panose="020B0503020204020204" pitchFamily="34" charset="-122"/>
+                    <a:ea typeface="微软雅黑" panose="020B0503020204020204" pitchFamily="34" charset="-122"/>
+                  </a:rPr>
+                  <a:t> now</a:t>
+                </a:r>
+              </a:p>
+            </p:txBody>
+          </p:sp>
+          <p:sp>
+            <p:nvSpPr>
+              <p:cNvPr id="103" name="矩形 102"/>
+              <p:cNvSpPr/>
+              <p:nvPr/>
+            </p:nvSpPr>
+            <p:spPr>
+              <a:xfrm>
+                <a:off x="349172" y="2838042"/>
+                <a:ext cx="1454244" cy="316305"/>
+              </a:xfrm>
+              <a:prstGeom prst="rect">
+                <a:avLst/>
+              </a:prstGeom>
+            </p:spPr>
+            <p:txBody>
+              <a:bodyPr wrap="none">
+                <a:spAutoFit/>
+              </a:bodyPr>
+              <a:lstStyle/>
+              <a:p>
+                <a:pPr lvl="0">
+                  <a:lnSpc>
+                    <a:spcPct val="150000"/>
+                  </a:lnSpc>
+                </a:pPr>
+                <a:r>
+                  <a:rPr lang="zh-CN" altLang="en-US" sz="1100" b="1" dirty="0">
+                    <a:latin typeface="微软雅黑" panose="020B0503020204020204" pitchFamily="34" charset="-122"/>
+                    <a:ea typeface="微软雅黑" panose="020B0503020204020204" pitchFamily="34" charset="-122"/>
+                  </a:rPr>
+                  <a:t>阿里巴巴及蚂蚁集团</a:t>
+                </a:r>
+                <a:endParaRPr lang="en-US" altLang="zh-CN" sz="1100" b="1" dirty="0">
+                  <a:latin typeface="微软雅黑" panose="020B0503020204020204" pitchFamily="34" charset="-122"/>
+                  <a:ea typeface="微软雅黑" panose="020B0503020204020204" pitchFamily="34" charset="-122"/>
+                </a:endParaRPr>
+              </a:p>
+            </p:txBody>
+          </p:sp>
+          <p:sp>
+            <p:nvSpPr>
+              <p:cNvPr id="2" name="文本框 1">
+                <a:extLst>
+                  <a:ext uri="{FF2B5EF4-FFF2-40B4-BE49-F238E27FC236}">
+                    <a16:creationId xmlns:a16="http://schemas.microsoft.com/office/drawing/2014/main" id="{C8EF5F9F-9BAE-5A52-B921-0A82DF8B02A7}"/>
+                  </a:ext>
+                </a:extLst>
+              </p:cNvPr>
+              <p:cNvSpPr txBox="1"/>
+              <p:nvPr/>
+            </p:nvSpPr>
+            <p:spPr>
+              <a:xfrm>
+                <a:off x="347022" y="4841216"/>
+                <a:ext cx="3112708" cy="1054135"/>
+              </a:xfrm>
+              <a:prstGeom prst="rect">
+                <a:avLst/>
+              </a:prstGeom>
+              <a:noFill/>
+            </p:spPr>
+            <p:txBody>
+              <a:bodyPr wrap="square" rtlCol="0">
+                <a:spAutoFit/>
+              </a:bodyPr>
+              <a:lstStyle/>
+              <a:p>
+                <a:pPr>
+                  <a:lnSpc>
+                    <a:spcPts val="1500"/>
+                  </a:lnSpc>
+                </a:pPr>
+                <a:r>
+                  <a:rPr lang="en-US" altLang="zh-CN" sz="1000" b="1" dirty="0">
+                    <a:latin typeface="微软雅黑" panose="020B0503020204020204" pitchFamily="34" charset="-122"/>
+                    <a:ea typeface="微软雅黑" panose="020B0503020204020204" pitchFamily="34" charset="-122"/>
+                  </a:rPr>
+                  <a:t>UC-</a:t>
+                </a:r>
+                <a:r>
+                  <a:rPr lang="zh-CN" altLang="en-US" sz="1000" b="1" dirty="0">
+                    <a:latin typeface="微软雅黑" panose="020B0503020204020204" pitchFamily="34" charset="-122"/>
+                    <a:ea typeface="微软雅黑" panose="020B0503020204020204" pitchFamily="34" charset="-122"/>
+                  </a:rPr>
+                  <a:t>信息流移动端</a:t>
+                </a:r>
+                <a:endParaRPr lang="en-US" altLang="zh-CN" sz="1000" b="1" dirty="0">
+                  <a:latin typeface="微软雅黑" panose="020B0503020204020204" pitchFamily="34" charset="-122"/>
+                  <a:ea typeface="微软雅黑" panose="020B0503020204020204" pitchFamily="34" charset="-122"/>
+                </a:endParaRPr>
+              </a:p>
+              <a:p>
+                <a:pPr>
+                  <a:lnSpc>
+                    <a:spcPts val="1500"/>
+                  </a:lnSpc>
+                </a:pPr>
+                <a:r>
+                  <a:rPr lang="en-US" altLang="zh-CN" sz="900" b="1" dirty="0">
+                    <a:latin typeface="微软雅黑" panose="020B0503020204020204" pitchFamily="34" charset="-122"/>
+                    <a:ea typeface="微软雅黑" panose="020B0503020204020204" pitchFamily="34" charset="-122"/>
+                  </a:rPr>
+                  <a:t>iOS</a:t>
+                </a:r>
+                <a:r>
+                  <a:rPr lang="zh-CN" altLang="en-US" sz="900" b="1" dirty="0">
+                    <a:latin typeface="微软雅黑" panose="020B0503020204020204" pitchFamily="34" charset="-122"/>
+                    <a:ea typeface="微软雅黑" panose="020B0503020204020204" pitchFamily="34" charset="-122"/>
+                  </a:rPr>
+                  <a:t> 工程师（</a:t>
+                </a:r>
+                <a:r>
+                  <a:rPr lang="en-US" altLang="zh-CN" sz="900" b="1" dirty="0">
+                    <a:solidFill>
+                      <a:srgbClr val="6679DF"/>
+                    </a:solidFill>
+                    <a:latin typeface="微软雅黑" panose="020B0503020204020204" pitchFamily="34" charset="-122"/>
+                    <a:ea typeface="微软雅黑" panose="020B0503020204020204" pitchFamily="34" charset="-122"/>
+                  </a:rPr>
+                  <a:t>Objective-C</a:t>
+                </a:r>
+                <a:r>
+                  <a:rPr lang="zh-CN" altLang="en-US" sz="900" b="1" dirty="0">
+                    <a:latin typeface="微软雅黑" panose="020B0503020204020204" pitchFamily="34" charset="-122"/>
+                    <a:ea typeface="微软雅黑" panose="020B0503020204020204" pitchFamily="34" charset="-122"/>
+                  </a:rPr>
+                  <a:t>）</a:t>
+                </a:r>
+                <a:endParaRPr lang="en-US" altLang="zh-CN" sz="900" b="1" dirty="0">
+                  <a:latin typeface="微软雅黑" panose="020B0503020204020204" pitchFamily="34" charset="-122"/>
+                  <a:ea typeface="微软雅黑" panose="020B0503020204020204" pitchFamily="34" charset="-122"/>
+                </a:endParaRPr>
+              </a:p>
+              <a:p>
+                <a:pPr>
+                  <a:lnSpc>
+                    <a:spcPts val="1500"/>
+                  </a:lnSpc>
+                </a:pPr>
+                <a:r>
+                  <a:rPr lang="zh-CN" altLang="en-US" sz="900" dirty="0">
+                    <a:latin typeface="微软雅黑" panose="020B0503020204020204" pitchFamily="34" charset="-122"/>
+                    <a:ea typeface="微软雅黑" panose="020B0503020204020204" pitchFamily="34" charset="-122"/>
+                  </a:rPr>
+                  <a:t>    参与 </a:t>
+                </a:r>
+                <a:r>
+                  <a:rPr lang="en-US" altLang="zh-CN" sz="900" dirty="0">
+                    <a:latin typeface="微软雅黑" panose="020B0503020204020204" pitchFamily="34" charset="-122"/>
+                    <a:ea typeface="微软雅黑" panose="020B0503020204020204" pitchFamily="34" charset="-122"/>
+                  </a:rPr>
+                  <a:t>UC</a:t>
+                </a:r>
+                <a:r>
+                  <a:rPr lang="zh-CN" altLang="en-US" sz="900" dirty="0">
+                    <a:latin typeface="微软雅黑" panose="020B0503020204020204" pitchFamily="34" charset="-122"/>
+                    <a:ea typeface="微软雅黑" panose="020B0503020204020204" pitchFamily="34" charset="-122"/>
+                  </a:rPr>
+                  <a:t> 信息流及小说阅读器等业务迭代：</a:t>
+                </a:r>
+              </a:p>
+              <a:p>
+                <a:pPr>
+                  <a:lnSpc>
+                    <a:spcPts val="1500"/>
+                  </a:lnSpc>
+                </a:pPr>
+                <a:r>
+                  <a:rPr lang="zh-CN" altLang="en-US" sz="900" dirty="0">
+                    <a:latin typeface="微软雅黑" panose="020B0503020204020204" pitchFamily="34" charset="-122"/>
+                    <a:ea typeface="微软雅黑" panose="020B0503020204020204" pitchFamily="34" charset="-122"/>
+                  </a:rPr>
+                  <a:t>    </a:t>
+                </a:r>
+                <a:r>
+                  <a:rPr lang="as-IN" altLang="zh-CN" sz="1200" dirty="0">
+                    <a:effectLst/>
+                    <a:latin typeface="Vrinda" panose="020B0502040204020203" pitchFamily="34" charset="0"/>
+                  </a:rPr>
+                  <a:t>৹</a:t>
+                </a:r>
+                <a:r>
+                  <a:rPr lang="zh-CN" altLang="en-US" sz="900" dirty="0">
+                    <a:latin typeface="微软雅黑" panose="020B0503020204020204" pitchFamily="34" charset="-122"/>
+                    <a:ea typeface="微软雅黑" panose="020B0503020204020204" pitchFamily="34" charset="-122"/>
+                  </a:rPr>
+                  <a:t> 阅读 </a:t>
+                </a:r>
+                <a:r>
+                  <a:rPr lang="en-US" altLang="zh-CN" sz="900" dirty="0">
+                    <a:latin typeface="微软雅黑" panose="020B0503020204020204" pitchFamily="34" charset="-122"/>
+                    <a:ea typeface="微软雅黑" panose="020B0503020204020204" pitchFamily="34" charset="-122"/>
+                  </a:rPr>
+                  <a:t>UC</a:t>
+                </a:r>
+                <a:r>
+                  <a:rPr lang="zh-CN" altLang="en-US" sz="900" dirty="0">
+                    <a:latin typeface="微软雅黑" panose="020B0503020204020204" pitchFamily="34" charset="-122"/>
+                    <a:ea typeface="微软雅黑" panose="020B0503020204020204" pitchFamily="34" charset="-122"/>
+                  </a:rPr>
+                  <a:t> 小说存量代码，归纳产出概览文档；</a:t>
+                </a:r>
+                <a:endParaRPr lang="en-US" altLang="zh-CN" sz="900" dirty="0">
+                  <a:latin typeface="微软雅黑" panose="020B0503020204020204" pitchFamily="34" charset="-122"/>
+                  <a:ea typeface="微软雅黑" panose="020B0503020204020204" pitchFamily="34" charset="-122"/>
+                </a:endParaRPr>
+              </a:p>
+              <a:p>
+                <a:pPr>
+                  <a:lnSpc>
+                    <a:spcPts val="1500"/>
+                  </a:lnSpc>
+                </a:pPr>
+                <a:r>
+                  <a:rPr lang="zh-CN" altLang="en-US" sz="900" dirty="0">
+                    <a:latin typeface="微软雅黑" panose="020B0503020204020204" pitchFamily="34" charset="-122"/>
+                    <a:ea typeface="微软雅黑" panose="020B0503020204020204" pitchFamily="34" charset="-122"/>
+                  </a:rPr>
+                  <a:t>    </a:t>
+                </a:r>
+                <a:r>
+                  <a:rPr lang="as-IN" altLang="zh-CN" sz="1200" dirty="0">
+                    <a:effectLst/>
+                    <a:latin typeface="Vrinda" panose="020B0502040204020203" pitchFamily="34" charset="0"/>
+                  </a:rPr>
+                  <a:t>৹</a:t>
+                </a:r>
+                <a:r>
+                  <a:rPr lang="zh-CN" altLang="en-US" sz="900" dirty="0">
+                    <a:latin typeface="微软雅黑" panose="020B0503020204020204" pitchFamily="34" charset="-122"/>
+                    <a:ea typeface="微软雅黑" panose="020B0503020204020204" pitchFamily="34" charset="-122"/>
+                  </a:rPr>
+                  <a:t> 参与需求评审，按版本实现需求，沉淀公共组件； </a:t>
+                </a:r>
+                <a:endParaRPr lang="en-US" altLang="zh-CN" sz="900" dirty="0">
+                  <a:latin typeface="微软雅黑" panose="020B0503020204020204" pitchFamily="34" charset="-122"/>
+                  <a:ea typeface="微软雅黑" panose="020B0503020204020204" pitchFamily="34" charset="-122"/>
+                </a:endParaRPr>
+              </a:p>
+            </p:txBody>
+          </p:sp>
+          <p:sp>
+            <p:nvSpPr>
+              <p:cNvPr id="5" name="矩形 4">
+                <a:extLst>
+                  <a:ext uri="{FF2B5EF4-FFF2-40B4-BE49-F238E27FC236}">
+                    <a16:creationId xmlns:a16="http://schemas.microsoft.com/office/drawing/2014/main" id="{44919217-1858-1949-BCB4-50A3F20AE561}"/>
+                  </a:ext>
+                </a:extLst>
+              </p:cNvPr>
+              <p:cNvSpPr/>
+              <p:nvPr/>
+            </p:nvSpPr>
+            <p:spPr>
+              <a:xfrm>
+                <a:off x="342976" y="4666581"/>
+                <a:ext cx="1176925" cy="254429"/>
+              </a:xfrm>
+              <a:prstGeom prst="rect">
+                <a:avLst/>
+              </a:prstGeom>
+            </p:spPr>
+            <p:txBody>
+              <a:bodyPr wrap="none">
+                <a:spAutoFit/>
+              </a:bodyPr>
+              <a:lstStyle/>
+              <a:p>
+                <a:pPr lvl="0">
+                  <a:lnSpc>
+                    <a:spcPts val="1400"/>
+                  </a:lnSpc>
+                </a:pPr>
+                <a:r>
+                  <a:rPr lang="en-US" altLang="zh-CN" sz="900" dirty="0">
+                    <a:latin typeface="微软雅黑" panose="020B0503020204020204" pitchFamily="34" charset="-122"/>
+                    <a:ea typeface="微软雅黑" panose="020B0503020204020204" pitchFamily="34" charset="-122"/>
+                  </a:rPr>
+                  <a:t>2021.04 </a:t>
+                </a:r>
+                <a:r>
+                  <a:rPr lang="mr-IN" altLang="zh-CN" sz="900" dirty="0">
+                    <a:latin typeface="微软雅黑" panose="020B0503020204020204" pitchFamily="34" charset="-122"/>
+                    <a:ea typeface="微软雅黑" panose="020B0503020204020204" pitchFamily="34" charset="-122"/>
+                  </a:rPr>
+                  <a:t>–</a:t>
+                </a:r>
+                <a:r>
+                  <a:rPr lang="en-US" altLang="zh-CN" sz="900" dirty="0">
+                    <a:latin typeface="微软雅黑" panose="020B0503020204020204" pitchFamily="34" charset="-122"/>
+                    <a:ea typeface="微软雅黑" panose="020B0503020204020204" pitchFamily="34" charset="-122"/>
+                  </a:rPr>
+                  <a:t> 2022.05</a:t>
+                </a:r>
+              </a:p>
+            </p:txBody>
+          </p:sp>
+          <p:sp>
+            <p:nvSpPr>
+              <p:cNvPr id="4" name="椭圆 3">
+                <a:extLst>
+                  <a:ext uri="{FF2B5EF4-FFF2-40B4-BE49-F238E27FC236}">
+                    <a16:creationId xmlns:a16="http://schemas.microsoft.com/office/drawing/2014/main" id="{E91FD51B-9882-20E2-96A6-41CEA63A9466}"/>
+                  </a:ext>
+                </a:extLst>
+              </p:cNvPr>
+              <p:cNvSpPr/>
+              <p:nvPr/>
+            </p:nvSpPr>
+            <p:spPr>
+              <a:xfrm flipH="1">
+                <a:off x="298515" y="4940077"/>
+                <a:ext cx="84636" cy="84636"/>
+              </a:xfrm>
+              <a:prstGeom prst="ellipse">
+                <a:avLst/>
+              </a:prstGeom>
+              <a:solidFill>
+                <a:schemeClr val="tx1"/>
+              </a:solidFill>
+              <a:ln w="15875">
+                <a:solidFill>
+                  <a:schemeClr val="bg1"/>
+                </a:solidFill>
+              </a:ln>
+            </p:spPr>
+            <p:style>
+              <a:lnRef idx="2">
+                <a:schemeClr val="accent1">
+                  <a:shade val="50000"/>
+                </a:schemeClr>
+              </a:lnRef>
+              <a:fillRef idx="1">
+                <a:schemeClr val="accent1"/>
+              </a:fillRef>
+              <a:effectRef idx="0">
+                <a:schemeClr val="accent1"/>
+              </a:effectRef>
+              <a:fontRef idx="minor">
+                <a:schemeClr val="lt1"/>
+              </a:fontRef>
+            </p:style>
+            <p:txBody>
+              <a:bodyPr rtlCol="0" anchor="ctr"/>
+              <a:lstStyle/>
+              <a:p>
+                <a:pPr algn="ctr"/>
+                <a:endParaRPr lang="zh-CN" altLang="en-US"/>
+              </a:p>
+            </p:txBody>
+          </p:sp>
+        </p:grpSp>
+        <p:sp>
+          <p:nvSpPr>
+            <p:cNvPr id="54" name="椭圆 53">
+              <a:extLst>
+                <a:ext uri="{FF2B5EF4-FFF2-40B4-BE49-F238E27FC236}">
+                  <a16:creationId xmlns:a16="http://schemas.microsoft.com/office/drawing/2014/main" id="{976EEED2-0679-2EE1-5F98-323228E0FB8F}"/>
+                </a:ext>
+              </a:extLst>
+            </p:cNvPr>
+            <p:cNvSpPr/>
+            <p:nvPr/>
+          </p:nvSpPr>
+          <p:spPr>
+            <a:xfrm flipH="1">
+              <a:off x="475249" y="5071575"/>
+              <a:ext cx="72269" cy="72269"/>
+            </a:xfrm>
+            <a:prstGeom prst="ellipse">
+              <a:avLst/>
+            </a:prstGeom>
             <a:solidFill>
-              <a:schemeClr val="bg1"/>
+              <a:schemeClr val="tx1"/>
             </a:solidFill>
-          </a:ln>
-        </p:spPr>
-        <p:style>
-          <a:lnRef idx="2">
-            <a:schemeClr val="accent1">
-              <a:shade val="50000"/>
-            </a:schemeClr>
-          </a:lnRef>
-          <a:fillRef idx="1">
-            <a:schemeClr val="accent1"/>
-          </a:fillRef>
-          <a:effectRef idx="0">
-            <a:schemeClr val="accent1"/>
-          </a:effectRef>
-          <a:fontRef idx="minor">
-            <a:schemeClr val="lt1"/>
-          </a:fontRef>
-        </p:style>
-        <p:txBody>
-          <a:bodyPr rtlCol="0" anchor="ctr"/>
-          <a:lstStyle/>
-          <a:p>
-            <a:pPr algn="ctr"/>
-            <a:endParaRPr lang="zh-CN" altLang="en-US"/>
-          </a:p>
-        </p:txBody>
-      </p:sp>
-      <p:sp>
-        <p:nvSpPr>
-          <p:cNvPr id="55" name="椭圆 54">
-            <a:extLst>
-              <a:ext uri="{FF2B5EF4-FFF2-40B4-BE49-F238E27FC236}">
-                <a16:creationId xmlns:a16="http://schemas.microsoft.com/office/drawing/2014/main" id="{F82B5C21-1849-532B-FBBD-58629207B714}"/>
-              </a:ext>
-            </a:extLst>
-          </p:cNvPr>
-          <p:cNvSpPr/>
-          <p:nvPr/>
-        </p:nvSpPr>
-        <p:spPr>
-          <a:xfrm flipH="1">
-            <a:off x="479601" y="3699691"/>
-            <a:ext cx="72269" cy="72269"/>
-          </a:xfrm>
-          <a:prstGeom prst="ellipse">
-            <a:avLst/>
-          </a:prstGeom>
-          <a:solidFill>
-            <a:schemeClr val="tx1"/>
-          </a:solidFill>
-          <a:ln w="15875">
+            <a:ln w="15875">
+              <a:solidFill>
+                <a:schemeClr val="bg1"/>
+              </a:solidFill>
+            </a:ln>
+          </p:spPr>
+          <p:style>
+            <a:lnRef idx="2">
+              <a:schemeClr val="accent1">
+                <a:shade val="50000"/>
+              </a:schemeClr>
+            </a:lnRef>
+            <a:fillRef idx="1">
+              <a:schemeClr val="accent1"/>
+            </a:fillRef>
+            <a:effectRef idx="0">
+              <a:schemeClr val="accent1"/>
+            </a:effectRef>
+            <a:fontRef idx="minor">
+              <a:schemeClr val="lt1"/>
+            </a:fontRef>
+          </p:style>
+          <p:txBody>
+            <a:bodyPr rtlCol="0" anchor="ctr"/>
+            <a:lstStyle/>
+            <a:p>
+              <a:pPr algn="ctr"/>
+              <a:endParaRPr lang="zh-CN" altLang="en-US"/>
+            </a:p>
+          </p:txBody>
+        </p:sp>
+        <p:sp>
+          <p:nvSpPr>
+            <p:cNvPr id="55" name="椭圆 54">
+              <a:extLst>
+                <a:ext uri="{FF2B5EF4-FFF2-40B4-BE49-F238E27FC236}">
+                  <a16:creationId xmlns:a16="http://schemas.microsoft.com/office/drawing/2014/main" id="{F82B5C21-1849-532B-FBBD-58629207B714}"/>
+                </a:ext>
+              </a:extLst>
+            </p:cNvPr>
+            <p:cNvSpPr/>
+            <p:nvPr/>
+          </p:nvSpPr>
+          <p:spPr>
+            <a:xfrm flipH="1">
+              <a:off x="479601" y="3514160"/>
+              <a:ext cx="72269" cy="72269"/>
+            </a:xfrm>
+            <a:prstGeom prst="ellipse">
+              <a:avLst/>
+            </a:prstGeom>
             <a:solidFill>
-              <a:schemeClr val="bg1"/>
+              <a:schemeClr val="tx1"/>
             </a:solidFill>
-          </a:ln>
-        </p:spPr>
-        <p:style>
-          <a:lnRef idx="2">
-            <a:schemeClr val="accent1">
-              <a:shade val="50000"/>
-            </a:schemeClr>
-          </a:lnRef>
-          <a:fillRef idx="1">
-            <a:schemeClr val="accent1"/>
-          </a:fillRef>
-          <a:effectRef idx="0">
-            <a:schemeClr val="accent1"/>
-          </a:effectRef>
-          <a:fontRef idx="minor">
-            <a:schemeClr val="lt1"/>
-          </a:fontRef>
-        </p:style>
-        <p:txBody>
-          <a:bodyPr rtlCol="0" anchor="ctr"/>
-          <a:lstStyle/>
-          <a:p>
-            <a:pPr algn="ctr"/>
-            <a:endParaRPr lang="zh-CN" altLang="en-US"/>
-          </a:p>
-        </p:txBody>
-      </p:sp>
-      <p:sp>
-        <p:nvSpPr>
-          <p:cNvPr id="57" name="椭圆 56">
-            <a:extLst>
-              <a:ext uri="{FF2B5EF4-FFF2-40B4-BE49-F238E27FC236}">
-                <a16:creationId xmlns:a16="http://schemas.microsoft.com/office/drawing/2014/main" id="{DD597261-7F8D-992B-6C09-01AB65A9E14E}"/>
-              </a:ext>
-            </a:extLst>
-          </p:cNvPr>
-          <p:cNvSpPr/>
-          <p:nvPr/>
-        </p:nvSpPr>
-        <p:spPr>
-          <a:xfrm flipH="1">
-            <a:off x="483953" y="4267797"/>
-            <a:ext cx="72269" cy="72269"/>
-          </a:xfrm>
-          <a:prstGeom prst="ellipse">
-            <a:avLst/>
-          </a:prstGeom>
-          <a:solidFill>
-            <a:schemeClr val="tx1"/>
-          </a:solidFill>
-          <a:ln w="15875">
+            <a:ln w="15875">
+              <a:solidFill>
+                <a:schemeClr val="bg1"/>
+              </a:solidFill>
+            </a:ln>
+          </p:spPr>
+          <p:style>
+            <a:lnRef idx="2">
+              <a:schemeClr val="accent1">
+                <a:shade val="50000"/>
+              </a:schemeClr>
+            </a:lnRef>
+            <a:fillRef idx="1">
+              <a:schemeClr val="accent1"/>
+            </a:fillRef>
+            <a:effectRef idx="0">
+              <a:schemeClr val="accent1"/>
+            </a:effectRef>
+            <a:fontRef idx="minor">
+              <a:schemeClr val="lt1"/>
+            </a:fontRef>
+          </p:style>
+          <p:txBody>
+            <a:bodyPr rtlCol="0" anchor="ctr"/>
+            <a:lstStyle/>
+            <a:p>
+              <a:pPr algn="ctr"/>
+              <a:endParaRPr lang="zh-CN" altLang="en-US"/>
+            </a:p>
+          </p:txBody>
+        </p:sp>
+        <p:sp>
+          <p:nvSpPr>
+            <p:cNvPr id="57" name="椭圆 56">
+              <a:extLst>
+                <a:ext uri="{FF2B5EF4-FFF2-40B4-BE49-F238E27FC236}">
+                  <a16:creationId xmlns:a16="http://schemas.microsoft.com/office/drawing/2014/main" id="{DD597261-7F8D-992B-6C09-01AB65A9E14E}"/>
+                </a:ext>
+              </a:extLst>
+            </p:cNvPr>
+            <p:cNvSpPr/>
+            <p:nvPr/>
+          </p:nvSpPr>
+          <p:spPr>
+            <a:xfrm flipH="1">
+              <a:off x="483953" y="4082266"/>
+              <a:ext cx="72269" cy="72269"/>
+            </a:xfrm>
+            <a:prstGeom prst="ellipse">
+              <a:avLst/>
+            </a:prstGeom>
             <a:solidFill>
-              <a:schemeClr val="bg1"/>
+              <a:schemeClr val="tx1"/>
             </a:solidFill>
-          </a:ln>
-        </p:spPr>
-        <p:style>
-          <a:lnRef idx="2">
-            <a:schemeClr val="accent1">
-              <a:shade val="50000"/>
-            </a:schemeClr>
-          </a:lnRef>
-          <a:fillRef idx="1">
-            <a:schemeClr val="accent1"/>
-          </a:fillRef>
-          <a:effectRef idx="0">
-            <a:schemeClr val="accent1"/>
-          </a:effectRef>
-          <a:fontRef idx="minor">
-            <a:schemeClr val="lt1"/>
-          </a:fontRef>
-        </p:style>
-        <p:txBody>
-          <a:bodyPr rtlCol="0" anchor="ctr"/>
-          <a:lstStyle/>
-          <a:p>
-            <a:pPr algn="ctr"/>
-            <a:endParaRPr lang="zh-CN" altLang="en-US"/>
-          </a:p>
-        </p:txBody>
-      </p:sp>
+            <a:ln w="15875">
+              <a:solidFill>
+                <a:schemeClr val="bg1"/>
+              </a:solidFill>
+            </a:ln>
+          </p:spPr>
+          <p:style>
+            <a:lnRef idx="2">
+              <a:schemeClr val="accent1">
+                <a:shade val="50000"/>
+              </a:schemeClr>
+            </a:lnRef>
+            <a:fillRef idx="1">
+              <a:schemeClr val="accent1"/>
+            </a:fillRef>
+            <a:effectRef idx="0">
+              <a:schemeClr val="accent1"/>
+            </a:effectRef>
+            <a:fontRef idx="minor">
+              <a:schemeClr val="lt1"/>
+            </a:fontRef>
+          </p:style>
+          <p:txBody>
+            <a:bodyPr rtlCol="0" anchor="ctr"/>
+            <a:lstStyle/>
+            <a:p>
+              <a:pPr algn="ctr"/>
+              <a:endParaRPr lang="zh-CN" altLang="en-US"/>
+            </a:p>
+          </p:txBody>
+        </p:sp>
+      </p:grpSp>
       <p:grpSp>
         <p:nvGrpSpPr>
           <p:cNvPr id="71" name="组合 70">
@@ -7246,9 +7262,9 @@
         </p:nvGrpSpPr>
         <p:grpSpPr>
           <a:xfrm>
-            <a:off x="322078" y="5765330"/>
+            <a:off x="322078" y="5529360"/>
             <a:ext cx="3161215" cy="1421130"/>
-            <a:chOff x="322078" y="6580721"/>
+            <a:chOff x="322078" y="6344751"/>
             <a:chExt cx="3161215" cy="1421130"/>
           </a:xfrm>
         </p:grpSpPr>
@@ -7266,7 +7282,7 @@
           </p:nvSpPr>
           <p:spPr>
             <a:xfrm>
-              <a:off x="370585" y="6755356"/>
+              <a:off x="370585" y="6519386"/>
               <a:ext cx="3112708" cy="1246495"/>
             </a:xfrm>
             <a:prstGeom prst="rect">
@@ -7533,7 +7549,7 @@
           </p:nvSpPr>
           <p:spPr>
             <a:xfrm flipH="1">
-              <a:off x="322078" y="6854217"/>
+              <a:off x="322078" y="6618247"/>
               <a:ext cx="84636" cy="84636"/>
             </a:xfrm>
             <a:prstGeom prst="ellipse">
@@ -7587,7 +7603,7 @@
           </p:nvSpPr>
           <p:spPr>
             <a:xfrm>
-              <a:off x="366539" y="6580721"/>
+              <a:off x="366539" y="6344751"/>
               <a:ext cx="1176925" cy="254429"/>
             </a:xfrm>
             <a:prstGeom prst="rect">
@@ -7643,7 +7659,7 @@
           </p:nvSpPr>
           <p:spPr>
             <a:xfrm flipH="1">
-              <a:off x="473411" y="7260346"/>
+              <a:off x="473411" y="7024376"/>
               <a:ext cx="72269" cy="72269"/>
             </a:xfrm>
             <a:prstGeom prst="ellipse">
@@ -7697,7 +7713,7 @@
           </p:nvSpPr>
           <p:spPr>
             <a:xfrm flipH="1">
-              <a:off x="471573" y="7622065"/>
+              <a:off x="471573" y="7386095"/>
               <a:ext cx="72269" cy="72269"/>
             </a:xfrm>
             <a:prstGeom prst="ellipse">
@@ -7752,10 +7768,10 @@
         </p:nvGrpSpPr>
         <p:grpSpPr>
           <a:xfrm>
-            <a:off x="320240" y="7129448"/>
-            <a:ext cx="3233419" cy="1998211"/>
-            <a:chOff x="322078" y="6580721"/>
-            <a:chExt cx="3233419" cy="1998211"/>
+            <a:off x="320240" y="6895768"/>
+            <a:ext cx="3354838" cy="1998211"/>
+            <a:chOff x="322078" y="6347041"/>
+            <a:chExt cx="3354838" cy="1998211"/>
           </a:xfrm>
         </p:grpSpPr>
         <p:sp>
@@ -7772,8 +7788,8 @@
           </p:nvSpPr>
           <p:spPr>
             <a:xfrm>
-              <a:off x="370584" y="6755356"/>
-              <a:ext cx="3184913" cy="1823576"/>
+              <a:off x="370584" y="6521676"/>
+              <a:ext cx="3306332" cy="1823576"/>
             </a:xfrm>
             <a:prstGeom prst="rect">
               <a:avLst/>
@@ -7831,7 +7847,7 @@
                   <a:latin typeface="微软雅黑" panose="020B0503020204020204" pitchFamily="34" charset="-122"/>
                   <a:ea typeface="微软雅黑" panose="020B0503020204020204" pitchFamily="34" charset="-122"/>
                 </a:rPr>
-                <a:t>GPUImage</a:t>
+                <a:t>CoreAnimation</a:t>
               </a:r>
               <a:r>
                 <a:rPr lang="zh-CN" altLang="en-US" sz="900" b="1" dirty="0">
@@ -7881,17 +7897,7 @@
                   <a:latin typeface="微软雅黑" panose="020B0503020204020204" pitchFamily="34" charset="-122"/>
                   <a:ea typeface="微软雅黑" panose="020B0503020204020204" pitchFamily="34" charset="-122"/>
                 </a:rPr>
-                <a:t> </a:t>
-              </a:r>
-              <a:r>
-                <a:rPr lang="en-US" altLang="zh-CN" sz="900" b="1" dirty="0" err="1">
-                  <a:solidFill>
-                    <a:srgbClr val="6679DF"/>
-                  </a:solidFill>
-                  <a:latin typeface="微软雅黑" panose="020B0503020204020204" pitchFamily="34" charset="-122"/>
-                  <a:ea typeface="微软雅黑" panose="020B0503020204020204" pitchFamily="34" charset="-122"/>
-                </a:rPr>
-                <a:t>ExtendScript</a:t>
+                <a:t> 脚本</a:t>
               </a:r>
               <a:r>
                 <a:rPr lang="zh-CN" altLang="en-US" sz="900" b="1" dirty="0">
@@ -7916,13 +7922,13 @@
                   <a:latin typeface="微软雅黑" panose="020B0503020204020204" pitchFamily="34" charset="-122"/>
                   <a:ea typeface="微软雅黑" panose="020B0503020204020204" pitchFamily="34" charset="-122"/>
                 </a:rPr>
-                <a:t>    研发 </a:t>
+                <a:t>    </a:t>
               </a:r>
               <a:r>
                 <a:rPr lang="en-US" altLang="zh-CN" sz="900" b="1" dirty="0">
                   <a:latin typeface="微软雅黑" panose="020B0503020204020204" pitchFamily="34" charset="-122"/>
                   <a:ea typeface="微软雅黑" panose="020B0503020204020204" pitchFamily="34" charset="-122"/>
-                  <a:hlinkClick r:id="rId9"/>
+                  <a:hlinkClick r:id="rId8"/>
                 </a:rPr>
                 <a:t>SVGA</a:t>
               </a:r>
@@ -7948,56 +7954,56 @@
                 <a:t> 迭代 </a:t>
               </a:r>
               <a:r>
-                <a:rPr lang="en-US" altLang="zh-CN" sz="900" b="1" dirty="0">
+                <a:rPr lang="en-US" altLang="zh-CN" sz="800" b="1" dirty="0">
                   <a:latin typeface="微软雅黑" panose="020B0503020204020204" pitchFamily="34" charset="-122"/>
                   <a:ea typeface="微软雅黑" panose="020B0503020204020204" pitchFamily="34" charset="-122"/>
                 </a:rPr>
                 <a:t>v1.0-&gt;2.5</a:t>
               </a:r>
               <a:r>
-                <a:rPr lang="zh-CN" altLang="en-US" sz="900" dirty="0">
+                <a:rPr lang="zh-CN" altLang="en-US" sz="800" dirty="0">
                   <a:latin typeface="微软雅黑" panose="020B0503020204020204" pitchFamily="34" charset="-122"/>
                   <a:ea typeface="微软雅黑" panose="020B0503020204020204" pitchFamily="34" charset="-122"/>
                 </a:rPr>
                 <a:t>（</a:t>
               </a:r>
               <a:r>
-                <a:rPr lang="en-US" altLang="zh-CN" sz="900" dirty="0" err="1">
-                  <a:latin typeface="微软雅黑" panose="020B0503020204020204" pitchFamily="34" charset="-122"/>
-                  <a:ea typeface="微软雅黑" panose="020B0503020204020204" pitchFamily="34" charset="-122"/>
-                </a:rPr>
-                <a:t>Json</a:t>
-              </a:r>
-              <a:r>
-                <a:rPr lang="zh-CN" altLang="en-US" sz="900" dirty="0">
+                <a:rPr lang="en-US" altLang="zh-CN" sz="800" dirty="0">
+                  <a:latin typeface="微软雅黑" panose="020B0503020204020204" pitchFamily="34" charset="-122"/>
+                  <a:ea typeface="微软雅黑" panose="020B0503020204020204" pitchFamily="34" charset="-122"/>
+                </a:rPr>
+                <a:t>JSON</a:t>
+              </a:r>
+              <a:r>
+                <a:rPr lang="zh-CN" altLang="en-US" sz="800" dirty="0">
                   <a:latin typeface="微软雅黑" panose="020B0503020204020204" pitchFamily="34" charset="-122"/>
                   <a:ea typeface="微软雅黑" panose="020B0503020204020204" pitchFamily="34" charset="-122"/>
                 </a:rPr>
                 <a:t> </a:t>
               </a:r>
               <a:r>
-                <a:rPr lang="en-US" altLang="zh-CN" sz="900" dirty="0">
+                <a:rPr lang="en-US" altLang="zh-CN" sz="800" dirty="0">
                   <a:latin typeface="微软雅黑" panose="020B0503020204020204" pitchFamily="34" charset="-122"/>
                   <a:ea typeface="微软雅黑" panose="020B0503020204020204" pitchFamily="34" charset="-122"/>
                 </a:rPr>
                 <a:t>-&gt;</a:t>
               </a:r>
               <a:r>
-                <a:rPr lang="zh-CN" altLang="en-US" sz="900" dirty="0">
+                <a:rPr lang="zh-CN" altLang="en-US" sz="800" dirty="0">
                   <a:latin typeface="微软雅黑" panose="020B0503020204020204" pitchFamily="34" charset="-122"/>
                   <a:ea typeface="微软雅黑" panose="020B0503020204020204" pitchFamily="34" charset="-122"/>
                 </a:rPr>
                 <a:t> </a:t>
               </a:r>
               <a:r>
-                <a:rPr lang="en-US" altLang="zh-CN" sz="900" dirty="0">
-                  <a:latin typeface="微软雅黑" panose="020B0503020204020204" pitchFamily="34" charset="-122"/>
-                  <a:ea typeface="微软雅黑" panose="020B0503020204020204" pitchFamily="34" charset="-122"/>
-                </a:rPr>
-                <a:t>Protocol</a:t>
-              </a:r>
-              <a:r>
-                <a:rPr lang="zh-CN" altLang="en-US" sz="900" dirty="0">
+                <a:rPr lang="en-US" altLang="zh-CN" sz="800" dirty="0" err="1">
+                  <a:latin typeface="微软雅黑" panose="020B0503020204020204" pitchFamily="34" charset="-122"/>
+                  <a:ea typeface="微软雅黑" panose="020B0503020204020204" pitchFamily="34" charset="-122"/>
+                </a:rPr>
+                <a:t>ProtoBuffer</a:t>
+              </a:r>
+              <a:r>
+                <a:rPr lang="zh-CN" altLang="en-US" sz="800" dirty="0">
                   <a:latin typeface="微软雅黑" panose="020B0503020204020204" pitchFamily="34" charset="-122"/>
                   <a:ea typeface="微软雅黑" panose="020B0503020204020204" pitchFamily="34" charset="-122"/>
                 </a:rPr>
@@ -8056,7 +8062,7 @@
                 <a:rPr lang="zh-CN" altLang="en-US" sz="900" b="1" dirty="0">
                   <a:latin typeface="微软雅黑" panose="020B0503020204020204" pitchFamily="34" charset="-122"/>
                   <a:ea typeface="微软雅黑" panose="020B0503020204020204" pitchFamily="34" charset="-122"/>
-                  <a:hlinkClick r:id="rId16"/>
+                  <a:hlinkClick r:id="rId15"/>
                 </a:rPr>
                 <a:t>矢量</a:t>
               </a:r>
@@ -8064,7 +8070,7 @@
                 <a:rPr lang="en-US" altLang="zh-CN" sz="900" b="1" dirty="0">
                   <a:latin typeface="微软雅黑" panose="020B0503020204020204" pitchFamily="34" charset="-122"/>
                   <a:ea typeface="微软雅黑" panose="020B0503020204020204" pitchFamily="34" charset="-122"/>
-                  <a:hlinkClick r:id="rId16"/>
+                  <a:hlinkClick r:id="rId15"/>
                 </a:rPr>
                 <a:t>-</a:t>
               </a:r>
@@ -8072,7 +8078,7 @@
                 <a:rPr lang="zh-CN" altLang="en-US" sz="900" b="1" dirty="0">
                   <a:latin typeface="微软雅黑" panose="020B0503020204020204" pitchFamily="34" charset="-122"/>
                   <a:ea typeface="微软雅黑" panose="020B0503020204020204" pitchFamily="34" charset="-122"/>
-                  <a:hlinkClick r:id="rId16"/>
+                  <a:hlinkClick r:id="rId15"/>
                 </a:rPr>
                 <a:t>图形の万恶之源</a:t>
               </a:r>
@@ -8411,7 +8417,7 @@
           </p:nvSpPr>
           <p:spPr>
             <a:xfrm flipH="1">
-              <a:off x="322078" y="6854217"/>
+              <a:off x="322078" y="6620537"/>
               <a:ext cx="84636" cy="84636"/>
             </a:xfrm>
             <a:prstGeom prst="ellipse">
@@ -8465,7 +8471,7 @@
           </p:nvSpPr>
           <p:spPr>
             <a:xfrm>
-              <a:off x="366539" y="6580721"/>
+              <a:off x="366539" y="6347041"/>
               <a:ext cx="1176925" cy="254429"/>
             </a:xfrm>
             <a:prstGeom prst="rect">
@@ -8521,7 +8527,7 @@
           </p:nvSpPr>
           <p:spPr>
             <a:xfrm flipH="1">
-              <a:off x="473411" y="7260346"/>
+              <a:off x="473411" y="7026666"/>
               <a:ext cx="72269" cy="72269"/>
             </a:xfrm>
             <a:prstGeom prst="ellipse">
@@ -8575,7 +8581,7 @@
           </p:nvSpPr>
           <p:spPr>
             <a:xfrm flipH="1">
-              <a:off x="471573" y="8008909"/>
+              <a:off x="471573" y="7775229"/>
               <a:ext cx="72269" cy="72269"/>
             </a:xfrm>
             <a:prstGeom prst="ellipse">

--- a/about/doc/resume.pptx
+++ b/about/doc/resume.pptx
@@ -208,7 +208,7 @@
           <a:p>
             <a:fld id="{AEA2C9DF-D23B-4857-8F83-A94459C69053}" type="datetimeFigureOut">
               <a:rPr lang="zh-CN" altLang="en-US" smtClean="0"/>
-              <a:t>2023/6/1</a:t>
+              <a:t>2023/6/4</a:t>
             </a:fld>
             <a:endParaRPr lang="zh-CN" altLang="en-US"/>
           </a:p>
@@ -690,7 +690,7 @@
           <a:p>
             <a:fld id="{6A4926B6-441D-4BA1-AD68-6F10F35F7AC9}" type="datetimeFigureOut">
               <a:rPr lang="zh-CN" altLang="en-US" smtClean="0"/>
-              <a:t>2023/6/1</a:t>
+              <a:t>2023/6/4</a:t>
             </a:fld>
             <a:endParaRPr lang="zh-CN" altLang="en-US"/>
           </a:p>
@@ -860,7 +860,7 @@
           <a:p>
             <a:fld id="{6A4926B6-441D-4BA1-AD68-6F10F35F7AC9}" type="datetimeFigureOut">
               <a:rPr lang="zh-CN" altLang="en-US" smtClean="0"/>
-              <a:t>2023/6/1</a:t>
+              <a:t>2023/6/4</a:t>
             </a:fld>
             <a:endParaRPr lang="zh-CN" altLang="en-US"/>
           </a:p>
@@ -1040,7 +1040,7 @@
           <a:p>
             <a:fld id="{6A4926B6-441D-4BA1-AD68-6F10F35F7AC9}" type="datetimeFigureOut">
               <a:rPr lang="zh-CN" altLang="en-US" smtClean="0"/>
-              <a:t>2023/6/1</a:t>
+              <a:t>2023/6/4</a:t>
             </a:fld>
             <a:endParaRPr lang="zh-CN" altLang="en-US"/>
           </a:p>
@@ -1210,7 +1210,7 @@
           <a:p>
             <a:fld id="{6A4926B6-441D-4BA1-AD68-6F10F35F7AC9}" type="datetimeFigureOut">
               <a:rPr lang="zh-CN" altLang="en-US" smtClean="0"/>
-              <a:t>2023/6/1</a:t>
+              <a:t>2023/6/4</a:t>
             </a:fld>
             <a:endParaRPr lang="zh-CN" altLang="en-US"/>
           </a:p>
@@ -1454,7 +1454,7 @@
           <a:p>
             <a:fld id="{6A4926B6-441D-4BA1-AD68-6F10F35F7AC9}" type="datetimeFigureOut">
               <a:rPr lang="zh-CN" altLang="en-US" smtClean="0"/>
-              <a:t>2023/6/1</a:t>
+              <a:t>2023/6/4</a:t>
             </a:fld>
             <a:endParaRPr lang="zh-CN" altLang="en-US"/>
           </a:p>
@@ -1686,7 +1686,7 @@
           <a:p>
             <a:fld id="{6A4926B6-441D-4BA1-AD68-6F10F35F7AC9}" type="datetimeFigureOut">
               <a:rPr lang="zh-CN" altLang="en-US" smtClean="0"/>
-              <a:t>2023/6/1</a:t>
+              <a:t>2023/6/4</a:t>
             </a:fld>
             <a:endParaRPr lang="zh-CN" altLang="en-US"/>
           </a:p>
@@ -2053,7 +2053,7 @@
           <a:p>
             <a:fld id="{6A4926B6-441D-4BA1-AD68-6F10F35F7AC9}" type="datetimeFigureOut">
               <a:rPr lang="zh-CN" altLang="en-US" smtClean="0"/>
-              <a:t>2023/6/1</a:t>
+              <a:t>2023/6/4</a:t>
             </a:fld>
             <a:endParaRPr lang="zh-CN" altLang="en-US"/>
           </a:p>
@@ -2171,7 +2171,7 @@
           <a:p>
             <a:fld id="{6A4926B6-441D-4BA1-AD68-6F10F35F7AC9}" type="datetimeFigureOut">
               <a:rPr lang="zh-CN" altLang="en-US" smtClean="0"/>
-              <a:t>2023/6/1</a:t>
+              <a:t>2023/6/4</a:t>
             </a:fld>
             <a:endParaRPr lang="zh-CN" altLang="en-US"/>
           </a:p>
@@ -2266,7 +2266,7 @@
           <a:p>
             <a:fld id="{6A4926B6-441D-4BA1-AD68-6F10F35F7AC9}" type="datetimeFigureOut">
               <a:rPr lang="zh-CN" altLang="en-US" smtClean="0"/>
-              <a:t>2023/6/1</a:t>
+              <a:t>2023/6/4</a:t>
             </a:fld>
             <a:endParaRPr lang="zh-CN" altLang="en-US"/>
           </a:p>
@@ -2543,7 +2543,7 @@
           <a:p>
             <a:fld id="{6A4926B6-441D-4BA1-AD68-6F10F35F7AC9}" type="datetimeFigureOut">
               <a:rPr lang="zh-CN" altLang="en-US" smtClean="0"/>
-              <a:t>2023/6/1</a:t>
+              <a:t>2023/6/4</a:t>
             </a:fld>
             <a:endParaRPr lang="zh-CN" altLang="en-US"/>
           </a:p>
@@ -2800,7 +2800,7 @@
           <a:p>
             <a:fld id="{6A4926B6-441D-4BA1-AD68-6F10F35F7AC9}" type="datetimeFigureOut">
               <a:rPr lang="zh-CN" altLang="en-US" smtClean="0"/>
-              <a:t>2023/6/1</a:t>
+              <a:t>2023/6/4</a:t>
             </a:fld>
             <a:endParaRPr lang="zh-CN" altLang="en-US"/>
           </a:p>
@@ -3013,7 +3013,7 @@
           <a:p>
             <a:fld id="{6A4926B6-441D-4BA1-AD68-6F10F35F7AC9}" type="datetimeFigureOut">
               <a:rPr lang="zh-CN" altLang="en-US" smtClean="0"/>
-              <a:t>2023/6/1</a:t>
+              <a:t>2023/6/4</a:t>
             </a:fld>
             <a:endParaRPr lang="zh-CN" altLang="en-US"/>
           </a:p>
@@ -5279,12 +5279,21 @@
               <a:t> </a:t>
             </a:r>
             <a:r>
-              <a:rPr lang="en-US" altLang="zh-CN" sz="900" dirty="0">
+              <a:rPr lang="en-US" altLang="zh-CN" sz="900" dirty="0" err="1">
+                <a:solidFill>
+                  <a:schemeClr val="bg1">
+                    <a:lumMod val="65000"/>
+                  </a:schemeClr>
+                </a:solidFill>
                 <a:latin typeface="微软雅黑" panose="020B0503020204020204" pitchFamily="34" charset="-122"/>
                 <a:ea typeface="微软雅黑" panose="020B0503020204020204" pitchFamily="34" charset="-122"/>
               </a:rPr>
               <a:t>Midjourney</a:t>
             </a:r>
+            <a:endParaRPr lang="en-US" altLang="zh-CN" sz="900" dirty="0">
+              <a:latin typeface="微软雅黑" panose="020B0503020204020204" pitchFamily="34" charset="-122"/>
+              <a:ea typeface="微软雅黑" panose="020B0503020204020204" pitchFamily="34" charset="-122"/>
+            </a:endParaRPr>
           </a:p>
         </p:txBody>
       </p:sp>
@@ -6366,7 +6375,7 @@
                     <a:latin typeface="微软雅黑" panose="020B0503020204020204" pitchFamily="34" charset="-122"/>
                     <a:ea typeface="微软雅黑" panose="020B0503020204020204" pitchFamily="34" charset="-122"/>
                   </a:rPr>
-                  <a:t>引擎特效工程师（</a:t>
+                  <a:t>客户端特效工程师（</a:t>
                 </a:r>
                 <a:r>
                   <a:rPr lang="en-US" altLang="zh-CN" sz="900" b="1" dirty="0">
@@ -6376,47 +6385,7 @@
                     <a:latin typeface="微软雅黑" panose="020B0503020204020204" pitchFamily="34" charset="-122"/>
                     <a:ea typeface="微软雅黑" panose="020B0503020204020204" pitchFamily="34" charset="-122"/>
                   </a:rPr>
-                  <a:t>TypeScript</a:t>
-                </a:r>
-                <a:r>
-                  <a:rPr lang="zh-CN" altLang="en-US" sz="900" b="1" dirty="0">
-                    <a:solidFill>
-                      <a:srgbClr val="6679DF"/>
-                    </a:solidFill>
-                    <a:latin typeface="微软雅黑" panose="020B0503020204020204" pitchFamily="34" charset="-122"/>
-                    <a:ea typeface="微软雅黑" panose="020B0503020204020204" pitchFamily="34" charset="-122"/>
-                  </a:rPr>
-                  <a:t> </a:t>
-                </a:r>
-                <a:r>
-                  <a:rPr lang="en-US" altLang="zh-CN" sz="900" b="1" dirty="0">
-                    <a:solidFill>
-                      <a:srgbClr val="6679DF"/>
-                    </a:solidFill>
-                    <a:latin typeface="微软雅黑" panose="020B0503020204020204" pitchFamily="34" charset="-122"/>
-                    <a:ea typeface="微软雅黑" panose="020B0503020204020204" pitchFamily="34" charset="-122"/>
-                  </a:rPr>
-                  <a:t>+</a:t>
-                </a:r>
-                <a:r>
-                  <a:rPr lang="zh-CN" altLang="en-US" sz="900" b="1" dirty="0">
-                    <a:solidFill>
-                      <a:srgbClr val="6679DF"/>
-                    </a:solidFill>
-                    <a:latin typeface="微软雅黑" panose="020B0503020204020204" pitchFamily="34" charset="-122"/>
-                    <a:ea typeface="微软雅黑" panose="020B0503020204020204" pitchFamily="34" charset="-122"/>
-                  </a:rPr>
-                  <a:t> </a:t>
-                </a:r>
-                <a:r>
-                  <a:rPr lang="en-US" altLang="zh-CN" sz="900" b="1" dirty="0">
-                    <a:solidFill>
-                      <a:srgbClr val="6679DF"/>
-                    </a:solidFill>
-                    <a:latin typeface="微软雅黑" panose="020B0503020204020204" pitchFamily="34" charset="-122"/>
-                    <a:ea typeface="微软雅黑" panose="020B0503020204020204" pitchFamily="34" charset="-122"/>
-                  </a:rPr>
-                  <a:t>GLSL </a:t>
+                  <a:t> Shader </a:t>
                 </a:r>
                 <a:r>
                   <a:rPr lang="zh-CN" altLang="en-US" sz="900" b="1" dirty="0">
@@ -6441,49 +6410,7 @@
                     <a:latin typeface="微软雅黑" panose="020B0503020204020204" pitchFamily="34" charset="-122"/>
                     <a:ea typeface="微软雅黑" panose="020B0503020204020204" pitchFamily="34" charset="-122"/>
                   </a:rPr>
-                  <a:t>    拆解</a:t>
-                </a:r>
-                <a:r>
-                  <a:rPr lang="zh-CN" altLang="en-US" sz="900" b="1" dirty="0">
-                    <a:latin typeface="微软雅黑" panose="020B0503020204020204" pitchFamily="34" charset="-122"/>
-                    <a:ea typeface="微软雅黑" panose="020B0503020204020204" pitchFamily="34" charset="-122"/>
-                  </a:rPr>
-                  <a:t>拖尾</a:t>
-                </a:r>
-                <a:r>
-                  <a:rPr lang="zh-CN" altLang="en-US" sz="900" dirty="0">
-                    <a:latin typeface="微软雅黑" panose="020B0503020204020204" pitchFamily="34" charset="-122"/>
-                    <a:ea typeface="微软雅黑" panose="020B0503020204020204" pitchFamily="34" charset="-122"/>
-                  </a:rPr>
-                  <a:t>及</a:t>
-                </a:r>
-                <a:r>
-                  <a:rPr lang="zh-CN" altLang="en-US" sz="900" b="1" dirty="0">
-                    <a:latin typeface="微软雅黑" panose="020B0503020204020204" pitchFamily="34" charset="-122"/>
-                    <a:ea typeface="微软雅黑" panose="020B0503020204020204" pitchFamily="34" charset="-122"/>
-                  </a:rPr>
-                  <a:t>粒子</a:t>
-                </a:r>
-                <a:r>
-                  <a:rPr lang="zh-CN" altLang="en-US" sz="900" dirty="0">
-                    <a:latin typeface="微软雅黑" panose="020B0503020204020204" pitchFamily="34" charset="-122"/>
-                    <a:ea typeface="微软雅黑" panose="020B0503020204020204" pitchFamily="34" charset="-122"/>
-                  </a:rPr>
-                  <a:t>动效案例，基于 </a:t>
-                </a:r>
-                <a:r>
-                  <a:rPr lang="en-US" altLang="zh-CN" sz="900" b="1" dirty="0">
-                    <a:latin typeface="微软雅黑" panose="020B0503020204020204" pitchFamily="34" charset="-122"/>
-                    <a:ea typeface="微软雅黑" panose="020B0503020204020204" pitchFamily="34" charset="-122"/>
-                  </a:rPr>
-                  <a:t>WebGL</a:t>
-                </a:r>
-                <a:r>
-                  <a:rPr lang="zh-CN" altLang="en-US" sz="900" dirty="0">
-                    <a:latin typeface="微软雅黑" panose="020B0503020204020204" pitchFamily="34" charset="-122"/>
-                    <a:ea typeface="微软雅黑" panose="020B0503020204020204" pitchFamily="34" charset="-122"/>
-                  </a:rPr>
-                  <a:t> 实现：</a:t>
+                  <a:t>    拆解业务特效需求并实现：</a:t>
                 </a:r>
                 <a:endParaRPr lang="en-US" altLang="zh-CN" sz="900" dirty="0">
                   <a:latin typeface="微软雅黑" panose="020B0503020204020204" pitchFamily="34" charset="-122"/>
@@ -6515,21 +6442,7 @@
                     <a:latin typeface="微软雅黑" panose="020B0503020204020204" pitchFamily="34" charset="-122"/>
                     <a:ea typeface="微软雅黑" panose="020B0503020204020204" pitchFamily="34" charset="-122"/>
                   </a:rPr>
-                  <a:t> 参与五福 </a:t>
-                </a:r>
-                <a:r>
-                  <a:rPr lang="en-US" altLang="zh-CN" sz="900" dirty="0">
-                    <a:latin typeface="微软雅黑" panose="020B0503020204020204" pitchFamily="34" charset="-122"/>
-                    <a:ea typeface="微软雅黑" panose="020B0503020204020204" pitchFamily="34" charset="-122"/>
-                  </a:rPr>
-                  <a:t>3D</a:t>
-                </a:r>
-                <a:r>
-                  <a:rPr lang="zh-CN" altLang="en-US" sz="900" dirty="0">
-                    <a:latin typeface="微软雅黑" panose="020B0503020204020204" pitchFamily="34" charset="-122"/>
-                    <a:ea typeface="微软雅黑" panose="020B0503020204020204" pitchFamily="34" charset="-122"/>
-                  </a:rPr>
-                  <a:t> 场景搭建，承接动效需求并优化性能；</a:t>
+                  <a:t> 参与支付宝五福场景搭建、完成动效需求并优化性能；</a:t>
                 </a:r>
                 <a:endParaRPr lang="en-US" altLang="zh-CN" sz="900" dirty="0">
                   <a:latin typeface="微软雅黑" panose="020B0503020204020204" pitchFamily="34" charset="-122"/>
@@ -7370,6 +7283,26 @@
                 <a:t> </a:t>
               </a:r>
               <a:r>
+                <a:rPr lang="en-US" altLang="zh-CN" sz="900" b="1" dirty="0" err="1">
+                  <a:solidFill>
+                    <a:srgbClr val="6679DF"/>
+                  </a:solidFill>
+                  <a:latin typeface="微软雅黑" panose="020B0503020204020204" pitchFamily="34" charset="-122"/>
+                  <a:ea typeface="微软雅黑" panose="020B0503020204020204" pitchFamily="34" charset="-122"/>
+                </a:rPr>
+                <a:t>GraphQL</a:t>
+              </a:r>
+              <a:r>
+                <a:rPr lang="zh-CN" altLang="en-US" sz="900" b="1" dirty="0">
+                  <a:solidFill>
+                    <a:srgbClr val="6679DF"/>
+                  </a:solidFill>
+                  <a:latin typeface="微软雅黑" panose="020B0503020204020204" pitchFamily="34" charset="-122"/>
+                  <a:ea typeface="微软雅黑" panose="020B0503020204020204" pitchFamily="34" charset="-122"/>
+                </a:rPr>
+                <a:t> </a:t>
+              </a:r>
+              <a:r>
                 <a:rPr lang="en-US" altLang="zh-CN" sz="900" b="1" dirty="0">
                   <a:solidFill>
                     <a:srgbClr val="6679DF"/>
@@ -7377,7 +7310,27 @@
                   <a:latin typeface="微软雅黑" panose="020B0503020204020204" pitchFamily="34" charset="-122"/>
                   <a:ea typeface="微软雅黑" panose="020B0503020204020204" pitchFamily="34" charset="-122"/>
                 </a:rPr>
-                <a:t>GraphGL</a:t>
+                <a:t>+</a:t>
+              </a:r>
+              <a:r>
+                <a:rPr lang="zh-CN" altLang="en-US" sz="900" b="1" dirty="0">
+                  <a:solidFill>
+                    <a:srgbClr val="6679DF"/>
+                  </a:solidFill>
+                  <a:latin typeface="微软雅黑" panose="020B0503020204020204" pitchFamily="34" charset="-122"/>
+                  <a:ea typeface="微软雅黑" panose="020B0503020204020204" pitchFamily="34" charset="-122"/>
+                </a:rPr>
+                <a:t> </a:t>
+              </a:r>
+              <a:r>
+                <a:rPr lang="en-US" altLang="zh-CN" sz="900" b="1" dirty="0">
+                  <a:solidFill>
+                    <a:srgbClr val="6679DF"/>
+                  </a:solidFill>
+                  <a:latin typeface="微软雅黑" panose="020B0503020204020204" pitchFamily="34" charset="-122"/>
+                  <a:ea typeface="微软雅黑" panose="020B0503020204020204" pitchFamily="34" charset="-122"/>
+                </a:rPr>
+                <a:t>Native</a:t>
               </a:r>
               <a:r>
                 <a:rPr lang="zh-CN" altLang="en-US" sz="900" b="1" dirty="0">
@@ -8362,39 +8315,25 @@
                 <a:t> </a:t>
               </a:r>
               <a:r>
+                <a:rPr lang="en-US" altLang="zh-CN" sz="900" dirty="0">
+                  <a:latin typeface="微软雅黑" panose="020B0503020204020204" pitchFamily="34" charset="-122"/>
+                  <a:ea typeface="微软雅黑" panose="020B0503020204020204" pitchFamily="34" charset="-122"/>
+                </a:rPr>
+                <a:t>iOS</a:t>
+              </a:r>
+              <a:r>
+                <a:rPr lang="zh-CN" altLang="en-US" sz="900" b="1" dirty="0">
+                  <a:latin typeface="微软雅黑" panose="020B0503020204020204" pitchFamily="34" charset="-122"/>
+                  <a:ea typeface="微软雅黑" panose="020B0503020204020204" pitchFamily="34" charset="-122"/>
+                </a:rPr>
+                <a:t> 相机</a:t>
+              </a:r>
+              <a:r>
                 <a:rPr lang="zh-CN" altLang="en-US" sz="900" dirty="0">
                   <a:latin typeface="微软雅黑" panose="020B0503020204020204" pitchFamily="34" charset="-122"/>
                   <a:ea typeface="微软雅黑" panose="020B0503020204020204" pitchFamily="34" charset="-122"/>
                 </a:rPr>
-                <a:t>应用开发、上架 </a:t>
-              </a:r>
-              <a:r>
-                <a:rPr lang="en-US" altLang="zh-CN" sz="900" dirty="0">
-                  <a:latin typeface="微软雅黑" panose="020B0503020204020204" pitchFamily="34" charset="-122"/>
-                  <a:ea typeface="微软雅黑" panose="020B0503020204020204" pitchFamily="34" charset="-122"/>
-                </a:rPr>
-                <a:t>APP</a:t>
-              </a:r>
-              <a:r>
-                <a:rPr lang="zh-CN" altLang="en-US" sz="900" dirty="0">
-                  <a:latin typeface="微软雅黑" panose="020B0503020204020204" pitchFamily="34" charset="-122"/>
-                  <a:ea typeface="微软雅黑" panose="020B0503020204020204" pitchFamily="34" charset="-122"/>
-                </a:rPr>
-                <a:t> </a:t>
-              </a:r>
-              <a:r>
-                <a:rPr lang="en-US" altLang="zh-CN" sz="900" dirty="0">
-                  <a:latin typeface="微软雅黑" panose="020B0503020204020204" pitchFamily="34" charset="-122"/>
-                  <a:ea typeface="微软雅黑" panose="020B0503020204020204" pitchFamily="34" charset="-122"/>
-                </a:rPr>
-                <a:t>Store</a:t>
-              </a:r>
-              <a:r>
-                <a:rPr lang="zh-CN" altLang="en-US" sz="900" dirty="0">
-                  <a:latin typeface="微软雅黑" panose="020B0503020204020204" pitchFamily="34" charset="-122"/>
-                  <a:ea typeface="微软雅黑" panose="020B0503020204020204" pitchFamily="34" charset="-122"/>
-                </a:rPr>
-                <a:t>； </a:t>
+                <a:t>业务开发、上架； </a:t>
               </a:r>
               <a:endParaRPr lang="en-US" altLang="zh-CN" sz="900" dirty="0">
                 <a:latin typeface="微软雅黑" panose="020B0503020204020204" pitchFamily="34" charset="-122"/>
